--- a/translations/pt-br/Project/FontesdeInformacao.pptx
+++ b/translations/pt-br/Project/FontesdeInformacao.pptx
@@ -1,32 +1,445 @@
 
 <file path=ppt/presentation.xml><?xml version="1.0" encoding="utf-8"?>
-<p:presentation xmlns:a="http://schemas.openxmlformats.org/drawingml/2006/main" xmlns:p="http://schemas.openxmlformats.org/presentationml/2006/main" xmlns:r="http://schemas.openxmlformats.org/officeDocument/2006/relationships" xmlns:p14="http://schemas.microsoft.com/office/powerpoint/2010/main" xmlns:p15="http://schemas.microsoft.com/office/powerpoint/2012/main" xmlns:mc="http://schemas.openxmlformats.org/markup-compatibility/2006">
+<p:presentation xmlns:a="http://schemas.openxmlformats.org/drawingml/2006/main" xmlns:r="http://schemas.openxmlformats.org/officeDocument/2006/relationships" xmlns:p="http://schemas.openxmlformats.org/presentationml/2006/main">
   <p:sldMasterIdLst>
-    <p:sldMasterId id="2147483648" r:id="rId2"/>
-    <p:sldMasterId id="2147483661" r:id="rId3"/>
+    <p:sldMasterId id="2147483648" r:id="rId1"/>
+    <p:sldMasterId id="2147483661" r:id="rId2"/>
   </p:sldMasterIdLst>
   <p:notesMasterIdLst>
-    <p:notesMasterId r:id="rId4"/>
+    <p:notesMasterId r:id="rId13"/>
   </p:notesMasterIdLst>
   <p:sldIdLst>
-    <p:sldId id="256" r:id="rId5"/>
-    <p:sldId id="257" r:id="rId6"/>
-    <p:sldId id="258" r:id="rId7"/>
-    <p:sldId id="259" r:id="rId8"/>
-    <p:sldId id="260" r:id="rId9"/>
-    <p:sldId id="261" r:id="rId10"/>
-    <p:sldId id="262" r:id="rId11"/>
-    <p:sldId id="263" r:id="rId12"/>
-    <p:sldId id="264" r:id="rId13"/>
-    <p:sldId id="265" r:id="rId14"/>
+    <p:sldId id="256" r:id="rId3"/>
+    <p:sldId id="257" r:id="rId4"/>
+    <p:sldId id="258" r:id="rId5"/>
+    <p:sldId id="259" r:id="rId6"/>
+    <p:sldId id="260" r:id="rId7"/>
+    <p:sldId id="261" r:id="rId8"/>
+    <p:sldId id="262" r:id="rId9"/>
+    <p:sldId id="263" r:id="rId10"/>
+    <p:sldId id="264" r:id="rId11"/>
+    <p:sldId id="265" r:id="rId12"/>
   </p:sldIdLst>
-  <p:sldSz cx="9144000" cy="6858000"/>
+  <p:sldSz cx="9144000" cy="6858000" type="screen4x3"/>
   <p:notesSz cx="6858000" cy="9144000"/>
+  <p:defaultTextStyle>
+    <a:defPPr>
+      <a:defRPr lang="en-US"/>
+    </a:defPPr>
+    <a:lvl1pPr marL="0" algn="l" defTabSz="914400" rtl="0" eaLnBrk="1" latinLnBrk="0" hangingPunct="1">
+      <a:defRPr sz="1800" kern="1200">
+        <a:solidFill>
+          <a:schemeClr val="tx1"/>
+        </a:solidFill>
+        <a:latin typeface="+mn-lt"/>
+        <a:ea typeface="+mn-ea"/>
+        <a:cs typeface="+mn-cs"/>
+      </a:defRPr>
+    </a:lvl1pPr>
+    <a:lvl2pPr marL="457200" algn="l" defTabSz="914400" rtl="0" eaLnBrk="1" latinLnBrk="0" hangingPunct="1">
+      <a:defRPr sz="1800" kern="1200">
+        <a:solidFill>
+          <a:schemeClr val="tx1"/>
+        </a:solidFill>
+        <a:latin typeface="+mn-lt"/>
+        <a:ea typeface="+mn-ea"/>
+        <a:cs typeface="+mn-cs"/>
+      </a:defRPr>
+    </a:lvl2pPr>
+    <a:lvl3pPr marL="914400" algn="l" defTabSz="914400" rtl="0" eaLnBrk="1" latinLnBrk="0" hangingPunct="1">
+      <a:defRPr sz="1800" kern="1200">
+        <a:solidFill>
+          <a:schemeClr val="tx1"/>
+        </a:solidFill>
+        <a:latin typeface="+mn-lt"/>
+        <a:ea typeface="+mn-ea"/>
+        <a:cs typeface="+mn-cs"/>
+      </a:defRPr>
+    </a:lvl3pPr>
+    <a:lvl4pPr marL="1371600" algn="l" defTabSz="914400" rtl="0" eaLnBrk="1" latinLnBrk="0" hangingPunct="1">
+      <a:defRPr sz="1800" kern="1200">
+        <a:solidFill>
+          <a:schemeClr val="tx1"/>
+        </a:solidFill>
+        <a:latin typeface="+mn-lt"/>
+        <a:ea typeface="+mn-ea"/>
+        <a:cs typeface="+mn-cs"/>
+      </a:defRPr>
+    </a:lvl4pPr>
+    <a:lvl5pPr marL="1828800" algn="l" defTabSz="914400" rtl="0" eaLnBrk="1" latinLnBrk="0" hangingPunct="1">
+      <a:defRPr sz="1800" kern="1200">
+        <a:solidFill>
+          <a:schemeClr val="tx1"/>
+        </a:solidFill>
+        <a:latin typeface="+mn-lt"/>
+        <a:ea typeface="+mn-ea"/>
+        <a:cs typeface="+mn-cs"/>
+      </a:defRPr>
+    </a:lvl5pPr>
+    <a:lvl6pPr marL="2286000" algn="l" defTabSz="914400" rtl="0" eaLnBrk="1" latinLnBrk="0" hangingPunct="1">
+      <a:defRPr sz="1800" kern="1200">
+        <a:solidFill>
+          <a:schemeClr val="tx1"/>
+        </a:solidFill>
+        <a:latin typeface="+mn-lt"/>
+        <a:ea typeface="+mn-ea"/>
+        <a:cs typeface="+mn-cs"/>
+      </a:defRPr>
+    </a:lvl6pPr>
+    <a:lvl7pPr marL="2743200" algn="l" defTabSz="914400" rtl="0" eaLnBrk="1" latinLnBrk="0" hangingPunct="1">
+      <a:defRPr sz="1800" kern="1200">
+        <a:solidFill>
+          <a:schemeClr val="tx1"/>
+        </a:solidFill>
+        <a:latin typeface="+mn-lt"/>
+        <a:ea typeface="+mn-ea"/>
+        <a:cs typeface="+mn-cs"/>
+      </a:defRPr>
+    </a:lvl7pPr>
+    <a:lvl8pPr marL="3200400" algn="l" defTabSz="914400" rtl="0" eaLnBrk="1" latinLnBrk="0" hangingPunct="1">
+      <a:defRPr sz="1800" kern="1200">
+        <a:solidFill>
+          <a:schemeClr val="tx1"/>
+        </a:solidFill>
+        <a:latin typeface="+mn-lt"/>
+        <a:ea typeface="+mn-ea"/>
+        <a:cs typeface="+mn-cs"/>
+      </a:defRPr>
+    </a:lvl8pPr>
+    <a:lvl9pPr marL="3657600" algn="l" defTabSz="914400" rtl="0" eaLnBrk="1" latinLnBrk="0" hangingPunct="1">
+      <a:defRPr sz="1800" kern="1200">
+        <a:solidFill>
+          <a:schemeClr val="tx1"/>
+        </a:solidFill>
+        <a:latin typeface="+mn-lt"/>
+        <a:ea typeface="+mn-ea"/>
+        <a:cs typeface="+mn-cs"/>
+      </a:defRPr>
+    </a:lvl9pPr>
+  </p:defaultTextStyle>
 </p:presentation>
 </file>
 
 <file path=ppt/notesMasters/notesMaster1.xml><?xml version="1.0" encoding="utf-8"?>
-<p:notesMaster xmlns:a="http://schemas.openxmlformats.org/drawingml/2006/main" xmlns:p="http://schemas.openxmlformats.org/presentationml/2006/main" xmlns:r="http://schemas.openxmlformats.org/officeDocument/2006/relationships" xmlns:p14="http://schemas.microsoft.com/office/powerpoint/2010/main" xmlns:p15="http://schemas.microsoft.com/office/powerpoint/2012/main" xmlns:mc="http://schemas.openxmlformats.org/markup-compatibility/2006">
+<p:notesMaster xmlns:a="http://schemas.openxmlformats.org/drawingml/2006/main" xmlns:r="http://schemas.openxmlformats.org/officeDocument/2006/relationships" xmlns:p="http://schemas.openxmlformats.org/presentationml/2006/main">
+  <p:cSld>
+    <p:bg>
+      <p:bgRef idx="1001">
+        <a:schemeClr val="bg1"/>
+      </p:bgRef>
+    </p:bg>
+    <p:spTree>
+      <p:nvGrpSpPr>
+        <p:cNvPr id="1" name=""/>
+        <p:cNvGrpSpPr/>
+        <p:nvPr/>
+      </p:nvGrpSpPr>
+      <p:grpSpPr>
+        <a:xfrm>
+          <a:off x="0" y="0"/>
+          <a:ext cx="0" cy="0"/>
+          <a:chOff x="0" y="0"/>
+          <a:chExt cx="0" cy="0"/>
+        </a:xfrm>
+      </p:grpSpPr>
+      <p:sp>
+        <p:nvSpPr>
+          <p:cNvPr id="88" name="PlaceHolder 1"/>
+          <p:cNvSpPr>
+            <a:spLocks noGrp="1" noRot="1" noChangeAspect="1"/>
+          </p:cNvSpPr>
+          <p:nvPr>
+            <p:ph type="sldImg"/>
+          </p:nvPr>
+        </p:nvSpPr>
+        <p:spPr>
+          <a:xfrm>
+            <a:off x="216000" y="812520"/>
+            <a:ext cx="7127280" cy="4008960"/>
+          </a:xfrm>
+          <a:prstGeom prst="rect">
+            <a:avLst/>
+          </a:prstGeom>
+        </p:spPr>
+        <p:txBody>
+          <a:bodyPr lIns="0" tIns="0" rIns="0" bIns="0" anchor="ctr"/>
+          <a:lstStyle/>
+          <a:p>
+            <a:pPr algn="ctr"/>
+            <a:r>
+              <a:rPr lang="pt-BR" sz="4400" b="0" strike="noStrike" spc="-1">
+                <a:latin typeface="Arial"/>
+              </a:rPr>
+              <a:t>Clique para mover o slide</a:t>
+            </a:r>
+          </a:p>
+        </p:txBody>
+      </p:sp>
+      <p:sp>
+        <p:nvSpPr>
+          <p:cNvPr id="89" name="PlaceHolder 2"/>
+          <p:cNvSpPr>
+            <a:spLocks noGrp="1"/>
+          </p:cNvSpPr>
+          <p:nvPr>
+            <p:ph type="body"/>
+          </p:nvPr>
+        </p:nvSpPr>
+        <p:spPr>
+          <a:xfrm>
+            <a:off x="756000" y="5078520"/>
+            <a:ext cx="6047640" cy="4811040"/>
+          </a:xfrm>
+          <a:prstGeom prst="rect">
+            <a:avLst/>
+          </a:prstGeom>
+        </p:spPr>
+        <p:txBody>
+          <a:bodyPr lIns="0" tIns="0" rIns="0" bIns="0"/>
+          <a:lstStyle/>
+          <a:p>
+            <a:r>
+              <a:rPr lang="pt-BR" sz="2000" b="0" strike="noStrike" spc="-1">
+                <a:latin typeface="Arial"/>
+              </a:rPr>
+              <a:t>Clique para editar o formato de notas</a:t>
+            </a:r>
+          </a:p>
+        </p:txBody>
+      </p:sp>
+      <p:sp>
+        <p:nvSpPr>
+          <p:cNvPr id="90" name="PlaceHolder 3"/>
+          <p:cNvSpPr>
+            <a:spLocks noGrp="1"/>
+          </p:cNvSpPr>
+          <p:nvPr>
+            <p:ph type="hdr"/>
+          </p:nvPr>
+        </p:nvSpPr>
+        <p:spPr>
+          <a:xfrm>
+            <a:off x="0" y="0"/>
+            <a:ext cx="3280680" cy="534240"/>
+          </a:xfrm>
+          <a:prstGeom prst="rect">
+            <a:avLst/>
+          </a:prstGeom>
+        </p:spPr>
+        <p:txBody>
+          <a:bodyPr lIns="0" tIns="0" rIns="0" bIns="0"/>
+          <a:lstStyle/>
+          <a:p>
+            <a:r>
+              <a:rPr lang="pt-BR" sz="1400" b="0" strike="noStrike" spc="-1">
+                <a:latin typeface="Times New Roman"/>
+              </a:rPr>
+              <a:t>&lt;cabeçalho&gt;</a:t>
+            </a:r>
+          </a:p>
+        </p:txBody>
+      </p:sp>
+      <p:sp>
+        <p:nvSpPr>
+          <p:cNvPr id="91" name="PlaceHolder 4"/>
+          <p:cNvSpPr>
+            <a:spLocks noGrp="1"/>
+          </p:cNvSpPr>
+          <p:nvPr>
+            <p:ph type="dt"/>
+          </p:nvPr>
+        </p:nvSpPr>
+        <p:spPr>
+          <a:xfrm>
+            <a:off x="4278960" y="0"/>
+            <a:ext cx="3280680" cy="534240"/>
+          </a:xfrm>
+          <a:prstGeom prst="rect">
+            <a:avLst/>
+          </a:prstGeom>
+        </p:spPr>
+        <p:txBody>
+          <a:bodyPr lIns="0" tIns="0" rIns="0" bIns="0"/>
+          <a:lstStyle/>
+          <a:p>
+            <a:pPr algn="r"/>
+            <a:r>
+              <a:rPr lang="pt-BR" sz="1400" b="0" strike="noStrike" spc="-1">
+                <a:latin typeface="Times New Roman"/>
+              </a:rPr>
+              <a:t>&lt;data/hora&gt;</a:t>
+            </a:r>
+          </a:p>
+        </p:txBody>
+      </p:sp>
+      <p:sp>
+        <p:nvSpPr>
+          <p:cNvPr id="92" name="PlaceHolder 5"/>
+          <p:cNvSpPr>
+            <a:spLocks noGrp="1"/>
+          </p:cNvSpPr>
+          <p:nvPr>
+            <p:ph type="ftr"/>
+          </p:nvPr>
+        </p:nvSpPr>
+        <p:spPr>
+          <a:xfrm>
+            <a:off x="0" y="10157400"/>
+            <a:ext cx="3280680" cy="534240"/>
+          </a:xfrm>
+          <a:prstGeom prst="rect">
+            <a:avLst/>
+          </a:prstGeom>
+        </p:spPr>
+        <p:txBody>
+          <a:bodyPr lIns="0" tIns="0" rIns="0" bIns="0" anchor="b"/>
+          <a:lstStyle/>
+          <a:p>
+            <a:r>
+              <a:rPr lang="pt-BR" sz="1400" b="0" strike="noStrike" spc="-1">
+                <a:latin typeface="Times New Roman"/>
+              </a:rPr>
+              <a:t>&lt;rodapé&gt;</a:t>
+            </a:r>
+          </a:p>
+        </p:txBody>
+      </p:sp>
+      <p:sp>
+        <p:nvSpPr>
+          <p:cNvPr id="93" name="PlaceHolder 6"/>
+          <p:cNvSpPr>
+            <a:spLocks noGrp="1"/>
+          </p:cNvSpPr>
+          <p:nvPr>
+            <p:ph type="sldNum"/>
+          </p:nvPr>
+        </p:nvSpPr>
+        <p:spPr>
+          <a:xfrm>
+            <a:off x="4278960" y="10157400"/>
+            <a:ext cx="3280680" cy="534240"/>
+          </a:xfrm>
+          <a:prstGeom prst="rect">
+            <a:avLst/>
+          </a:prstGeom>
+        </p:spPr>
+        <p:txBody>
+          <a:bodyPr lIns="0" tIns="0" rIns="0" bIns="0" anchor="b"/>
+          <a:lstStyle/>
+          <a:p>
+            <a:pPr algn="r"/>
+            <a:fld id="{EAB2D8A2-A6E2-49A5-99FC-90FBACE0D077}" type="slidenum">
+              <a:rPr lang="pt-BR" sz="1400" b="0" strike="noStrike" spc="-1">
+                <a:latin typeface="Times New Roman"/>
+              </a:rPr>
+              <a:t>‹#›</a:t>
+            </a:fld>
+            <a:endParaRPr lang="pt-BR" sz="1400" b="0" strike="noStrike" spc="-1">
+              <a:latin typeface="Times New Roman"/>
+            </a:endParaRPr>
+          </a:p>
+        </p:txBody>
+      </p:sp>
+    </p:spTree>
+  </p:cSld>
+  <p:clrMap bg1="lt1" tx1="dk1" bg2="lt2" tx2="dk2" accent1="accent1" accent2="accent2" accent3="accent3" accent4="accent4" accent5="accent5" accent6="accent6" hlink="hlink" folHlink="folHlink"/>
+  <p:notesStyle>
+    <a:lvl1pPr marL="0" algn="l" defTabSz="914400" rtl="0" eaLnBrk="1" latinLnBrk="0" hangingPunct="1">
+      <a:defRPr sz="1200" kern="1200">
+        <a:solidFill>
+          <a:schemeClr val="tx1"/>
+        </a:solidFill>
+        <a:latin typeface="+mn-lt"/>
+        <a:ea typeface="+mn-ea"/>
+        <a:cs typeface="+mn-cs"/>
+      </a:defRPr>
+    </a:lvl1pPr>
+    <a:lvl2pPr marL="457200" algn="l" defTabSz="914400" rtl="0" eaLnBrk="1" latinLnBrk="0" hangingPunct="1">
+      <a:defRPr sz="1200" kern="1200">
+        <a:solidFill>
+          <a:schemeClr val="tx1"/>
+        </a:solidFill>
+        <a:latin typeface="+mn-lt"/>
+        <a:ea typeface="+mn-ea"/>
+        <a:cs typeface="+mn-cs"/>
+      </a:defRPr>
+    </a:lvl2pPr>
+    <a:lvl3pPr marL="914400" algn="l" defTabSz="914400" rtl="0" eaLnBrk="1" latinLnBrk="0" hangingPunct="1">
+      <a:defRPr sz="1200" kern="1200">
+        <a:solidFill>
+          <a:schemeClr val="tx1"/>
+        </a:solidFill>
+        <a:latin typeface="+mn-lt"/>
+        <a:ea typeface="+mn-ea"/>
+        <a:cs typeface="+mn-cs"/>
+      </a:defRPr>
+    </a:lvl3pPr>
+    <a:lvl4pPr marL="1371600" algn="l" defTabSz="914400" rtl="0" eaLnBrk="1" latinLnBrk="0" hangingPunct="1">
+      <a:defRPr sz="1200" kern="1200">
+        <a:solidFill>
+          <a:schemeClr val="tx1"/>
+        </a:solidFill>
+        <a:latin typeface="+mn-lt"/>
+        <a:ea typeface="+mn-ea"/>
+        <a:cs typeface="+mn-cs"/>
+      </a:defRPr>
+    </a:lvl4pPr>
+    <a:lvl5pPr marL="1828800" algn="l" defTabSz="914400" rtl="0" eaLnBrk="1" latinLnBrk="0" hangingPunct="1">
+      <a:defRPr sz="1200" kern="1200">
+        <a:solidFill>
+          <a:schemeClr val="tx1"/>
+        </a:solidFill>
+        <a:latin typeface="+mn-lt"/>
+        <a:ea typeface="+mn-ea"/>
+        <a:cs typeface="+mn-cs"/>
+      </a:defRPr>
+    </a:lvl5pPr>
+    <a:lvl6pPr marL="2286000" algn="l" defTabSz="914400" rtl="0" eaLnBrk="1" latinLnBrk="0" hangingPunct="1">
+      <a:defRPr sz="1200" kern="1200">
+        <a:solidFill>
+          <a:schemeClr val="tx1"/>
+        </a:solidFill>
+        <a:latin typeface="+mn-lt"/>
+        <a:ea typeface="+mn-ea"/>
+        <a:cs typeface="+mn-cs"/>
+      </a:defRPr>
+    </a:lvl6pPr>
+    <a:lvl7pPr marL="2743200" algn="l" defTabSz="914400" rtl="0" eaLnBrk="1" latinLnBrk="0" hangingPunct="1">
+      <a:defRPr sz="1200" kern="1200">
+        <a:solidFill>
+          <a:schemeClr val="tx1"/>
+        </a:solidFill>
+        <a:latin typeface="+mn-lt"/>
+        <a:ea typeface="+mn-ea"/>
+        <a:cs typeface="+mn-cs"/>
+      </a:defRPr>
+    </a:lvl7pPr>
+    <a:lvl8pPr marL="3200400" algn="l" defTabSz="914400" rtl="0" eaLnBrk="1" latinLnBrk="0" hangingPunct="1">
+      <a:defRPr sz="1200" kern="1200">
+        <a:solidFill>
+          <a:schemeClr val="tx1"/>
+        </a:solidFill>
+        <a:latin typeface="+mn-lt"/>
+        <a:ea typeface="+mn-ea"/>
+        <a:cs typeface="+mn-cs"/>
+      </a:defRPr>
+    </a:lvl8pPr>
+    <a:lvl9pPr marL="3657600" algn="l" defTabSz="914400" rtl="0" eaLnBrk="1" latinLnBrk="0" hangingPunct="1">
+      <a:defRPr sz="1200" kern="1200">
+        <a:solidFill>
+          <a:schemeClr val="tx1"/>
+        </a:solidFill>
+        <a:latin typeface="+mn-lt"/>
+        <a:ea typeface="+mn-ea"/>
+        <a:cs typeface="+mn-cs"/>
+      </a:defRPr>
+    </a:lvl9pPr>
+  </p:notesStyle>
+</p:notesMaster>
+</file>
+
+<file path=ppt/notesSlides/notesSlide1.xml><?xml version="1.0" encoding="utf-8"?>
+<p:notes xmlns:a="http://schemas.openxmlformats.org/drawingml/2006/main" xmlns:r="http://schemas.openxmlformats.org/officeDocument/2006/relationships" xmlns:p="http://schemas.openxmlformats.org/presentationml/2006/main">
   <p:cSld>
     <p:spTree>
       <p:nvGrpSpPr>
@@ -44,9 +457,9 @@
       </p:grpSpPr>
       <p:sp>
         <p:nvSpPr>
-          <p:cNvPr id="88" name="PlaceHolder 1"/>
+          <p:cNvPr id="148" name="PlaceHolder 1"/>
           <p:cNvSpPr>
-            <a:spLocks noGrp="1"/>
+            <a:spLocks noGrp="1" noRot="1" noChangeAspect="1"/>
           </p:cNvSpPr>
           <p:nvPr>
             <p:ph type="sldImg"/>
@@ -54,32 +467,17 @@
         </p:nvSpPr>
         <p:spPr>
           <a:xfrm>
-            <a:off x="216000" y="812520"/>
-            <a:ext cx="7127280" cy="4008960"/>
-          </a:xfrm>
-          <a:prstGeom prst="rect">
-            <a:avLst/>
-          </a:prstGeom>
-        </p:spPr>
-        <p:txBody>
-          <a:bodyPr lIns="0" rIns="0" tIns="0" bIns="0" anchor="ctr"/>
-          <a:p>
-            <a:pPr algn="ctr"/>
-            <a:r>
-              <a:rPr b="0" lang="pt-BR" sz="4400" spc="-1" strike="noStrike">
-                <a:latin typeface="Arial"/>
-              </a:rPr>
-              <a:t>Clique para mover o slide</a:t>
-            </a:r>
-            <a:endParaRPr b="0" lang="pt-BR" sz="4400" spc="-1" strike="noStrike">
-              <a:latin typeface="Arial"/>
-            </a:endParaRPr>
-          </a:p>
-        </p:txBody>
-      </p:sp>
-      <p:sp>
-        <p:nvSpPr>
-          <p:cNvPr id="89" name="PlaceHolder 2"/>
+            <a:off x="1371600" y="1143000"/>
+            <a:ext cx="4114080" cy="3085560"/>
+          </a:xfrm>
+          <a:prstGeom prst="rect">
+            <a:avLst/>
+          </a:prstGeom>
+        </p:spPr>
+      </p:sp>
+      <p:sp>
+        <p:nvSpPr>
+          <p:cNvPr id="149" name="PlaceHolder 2"/>
           <p:cNvSpPr>
             <a:spLocks noGrp="1"/>
           </p:cNvSpPr>
@@ -89,174 +487,89 @@
         </p:nvSpPr>
         <p:spPr>
           <a:xfrm>
-            <a:off x="756000" y="5078520"/>
-            <a:ext cx="6047640" cy="4811040"/>
-          </a:xfrm>
-          <a:prstGeom prst="rect">
-            <a:avLst/>
-          </a:prstGeom>
-        </p:spPr>
-        <p:txBody>
-          <a:bodyPr lIns="0" rIns="0" tIns="0" bIns="0"/>
-          <a:p>
-            <a:r>
-              <a:rPr b="0" lang="pt-BR" sz="2000" spc="-1" strike="noStrike">
-                <a:latin typeface="Arial"/>
-              </a:rPr>
-              <a:t>Clique para editar o formato de notas</a:t>
-            </a:r>
-            <a:endParaRPr b="0" lang="pt-BR" sz="2000" spc="-1" strike="noStrike">
-              <a:latin typeface="Arial"/>
-            </a:endParaRPr>
-          </a:p>
-        </p:txBody>
-      </p:sp>
-      <p:sp>
-        <p:nvSpPr>
-          <p:cNvPr id="90" name="PlaceHolder 3"/>
-          <p:cNvSpPr>
-            <a:spLocks noGrp="1"/>
-          </p:cNvSpPr>
-          <p:nvPr>
-            <p:ph type="hdr"/>
-          </p:nvPr>
-        </p:nvSpPr>
-        <p:spPr>
-          <a:xfrm>
-            <a:off x="0" y="0"/>
-            <a:ext cx="3280680" cy="534240"/>
-          </a:xfrm>
-          <a:prstGeom prst="rect">
-            <a:avLst/>
-          </a:prstGeom>
-        </p:spPr>
-        <p:txBody>
-          <a:bodyPr lIns="0" rIns="0" tIns="0" bIns="0"/>
-          <a:p>
-            <a:r>
-              <a:rPr b="0" lang="pt-BR" sz="1400" spc="-1" strike="noStrike">
-                <a:latin typeface="Times New Roman"/>
-              </a:rPr>
-              <a:t>&lt;cabeçalho&gt;</a:t>
-            </a:r>
-            <a:endParaRPr b="0" lang="pt-BR" sz="1400" spc="-1" strike="noStrike">
-              <a:latin typeface="Times New Roman"/>
-            </a:endParaRPr>
-          </a:p>
-        </p:txBody>
-      </p:sp>
-      <p:sp>
-        <p:nvSpPr>
-          <p:cNvPr id="91" name="PlaceHolder 4"/>
-          <p:cNvSpPr>
-            <a:spLocks noGrp="1"/>
-          </p:cNvSpPr>
-          <p:nvPr>
-            <p:ph type="dt"/>
-          </p:nvPr>
-        </p:nvSpPr>
-        <p:spPr>
-          <a:xfrm>
-            <a:off x="4278960" y="0"/>
-            <a:ext cx="3280680" cy="534240"/>
-          </a:xfrm>
-          <a:prstGeom prst="rect">
-            <a:avLst/>
-          </a:prstGeom>
-        </p:spPr>
-        <p:txBody>
-          <a:bodyPr lIns="0" rIns="0" tIns="0" bIns="0"/>
-          <a:p>
-            <a:pPr algn="r"/>
-            <a:r>
-              <a:rPr b="0" lang="pt-BR" sz="1400" spc="-1" strike="noStrike">
-                <a:latin typeface="Times New Roman"/>
-              </a:rPr>
-              <a:t>&lt;data/hora&gt;</a:t>
-            </a:r>
-            <a:endParaRPr b="0" lang="pt-BR" sz="1400" spc="-1" strike="noStrike">
-              <a:latin typeface="Times New Roman"/>
-            </a:endParaRPr>
-          </a:p>
-        </p:txBody>
-      </p:sp>
-      <p:sp>
-        <p:nvSpPr>
-          <p:cNvPr id="92" name="PlaceHolder 5"/>
-          <p:cNvSpPr>
-            <a:spLocks noGrp="1"/>
-          </p:cNvSpPr>
-          <p:nvPr>
-            <p:ph type="ftr"/>
-          </p:nvPr>
-        </p:nvSpPr>
-        <p:spPr>
-          <a:xfrm>
-            <a:off x="0" y="10157400"/>
-            <a:ext cx="3280680" cy="534240"/>
-          </a:xfrm>
-          <a:prstGeom prst="rect">
-            <a:avLst/>
-          </a:prstGeom>
-        </p:spPr>
-        <p:txBody>
-          <a:bodyPr lIns="0" rIns="0" tIns="0" bIns="0" anchor="b"/>
-          <a:p>
-            <a:r>
-              <a:rPr b="0" lang="pt-BR" sz="1400" spc="-1" strike="noStrike">
-                <a:latin typeface="Times New Roman"/>
-              </a:rPr>
-              <a:t>&lt;rodapé&gt;</a:t>
-            </a:r>
-            <a:endParaRPr b="0" lang="pt-BR" sz="1400" spc="-1" strike="noStrike">
-              <a:latin typeface="Times New Roman"/>
-            </a:endParaRPr>
-          </a:p>
-        </p:txBody>
-      </p:sp>
-      <p:sp>
-        <p:nvSpPr>
-          <p:cNvPr id="93" name="PlaceHolder 6"/>
-          <p:cNvSpPr>
-            <a:spLocks noGrp="1"/>
-          </p:cNvSpPr>
-          <p:nvPr>
-            <p:ph type="sldNum"/>
-          </p:nvPr>
-        </p:nvSpPr>
-        <p:spPr>
-          <a:xfrm>
-            <a:off x="4278960" y="10157400"/>
-            <a:ext cx="3280680" cy="534240"/>
-          </a:xfrm>
-          <a:prstGeom prst="rect">
-            <a:avLst/>
-          </a:prstGeom>
-        </p:spPr>
-        <p:txBody>
-          <a:bodyPr lIns="0" rIns="0" tIns="0" bIns="0" anchor="b"/>
-          <a:p>
-            <a:pPr algn="r"/>
-            <a:fld id="{EAB2D8A2-A6E2-49A5-99FC-90FBACE0D077}" type="slidenum">
-              <a:rPr b="0" lang="pt-BR" sz="1400" spc="-1" strike="noStrike">
-                <a:latin typeface="Times New Roman"/>
-              </a:rPr>
-              <a:t>&lt;número&gt;</a:t>
+            <a:off x="685800" y="4400640"/>
+            <a:ext cx="5485680" cy="3599640"/>
+          </a:xfrm>
+          <a:prstGeom prst="rect">
+            <a:avLst/>
+          </a:prstGeom>
+        </p:spPr>
+        <p:txBody>
+          <a:bodyPr lIns="0" tIns="0" rIns="0" bIns="0"/>
+          <a:lstStyle/>
+          <a:p>
+            <a:endParaRPr lang="pt-BR" sz="2000" b="0" strike="noStrike" spc="-1">
+              <a:latin typeface="Arial"/>
+            </a:endParaRPr>
+          </a:p>
+        </p:txBody>
+      </p:sp>
+      <p:sp>
+        <p:nvSpPr>
+          <p:cNvPr id="150" name="CustomShape 3"/>
+          <p:cNvSpPr/>
+          <p:nvPr/>
+        </p:nvSpPr>
+        <p:spPr>
+          <a:xfrm>
+            <a:off x="3884760" y="8685360"/>
+            <a:ext cx="2971080" cy="457920"/>
+          </a:xfrm>
+          <a:prstGeom prst="rect">
+            <a:avLst/>
+          </a:prstGeom>
+          <a:noFill/>
+          <a:ln>
+            <a:noFill/>
+          </a:ln>
+        </p:spPr>
+        <p:style>
+          <a:lnRef idx="0">
+            <a:scrgbClr r="0" g="0" b="0"/>
+          </a:lnRef>
+          <a:fillRef idx="0">
+            <a:scrgbClr r="0" g="0" b="0"/>
+          </a:fillRef>
+          <a:effectRef idx="0">
+            <a:scrgbClr r="0" g="0" b="0"/>
+          </a:effectRef>
+          <a:fontRef idx="minor"/>
+        </p:style>
+        <p:txBody>
+          <a:bodyPr lIns="90000" tIns="45000" rIns="90000" bIns="45000" anchor="b"/>
+          <a:lstStyle/>
+          <a:p>
+            <a:pPr algn="r">
+              <a:lnSpc>
+                <a:spcPct val="100000"/>
+              </a:lnSpc>
+            </a:pPr>
+            <a:fld id="{95AEFE6F-9E94-446C-ACF9-3A34C90A8C9E}" type="slidenum">
+              <a:rPr lang="pt-BR" sz="1200" b="0" strike="noStrike" spc="-1">
+                <a:solidFill>
+                  <a:srgbClr val="000000"/>
+                </a:solidFill>
+                <a:latin typeface="+mn-lt"/>
+                <a:ea typeface="+mn-ea"/>
+              </a:rPr>
+              <a:t>1</a:t>
             </a:fld>
-            <a:endParaRPr b="0" lang="pt-BR" sz="1400" spc="-1" strike="noStrike">
-              <a:latin typeface="Times New Roman"/>
+            <a:endParaRPr lang="pt-BR" sz="1200" b="0" strike="noStrike" spc="-1">
+              <a:latin typeface="Arial"/>
             </a:endParaRPr>
           </a:p>
         </p:txBody>
       </p:sp>
     </p:spTree>
   </p:cSld>
-  <p:clrMap bg1="lt1" bg2="lt2" tx1="dk1" tx2="dk2" accent1="accent1" accent2="accent2" accent3="accent3" accent4="accent4" accent5="accent5" accent6="accent6" hlink="hlink" folHlink="folHlink"/>
-</p:notesMaster>
+  <p:clrMapOvr>
+    <a:masterClrMapping/>
+  </p:clrMapOvr>
+</p:notes>
 </file>
 
-<file path=ppt/notesSlides/notesSlide1.xml><?xml version="1.0" encoding="utf-8"?>
-<p:notes xmlns:a="http://schemas.openxmlformats.org/drawingml/2006/main" xmlns:p="http://schemas.openxmlformats.org/presentationml/2006/main" xmlns:r="http://schemas.openxmlformats.org/officeDocument/2006/relationships" xmlns:p14="http://schemas.microsoft.com/office/powerpoint/2010/main" xmlns:p15="http://schemas.microsoft.com/office/powerpoint/2012/main" xmlns:mc="http://schemas.openxmlformats.org/markup-compatibility/2006">
+<file path=ppt/notesSlides/notesSlide2.xml><?xml version="1.0" encoding="utf-8"?>
+<p:notes xmlns:a="http://schemas.openxmlformats.org/drawingml/2006/main" xmlns:r="http://schemas.openxmlformats.org/officeDocument/2006/relationships" xmlns:p="http://schemas.openxmlformats.org/presentationml/2006/main">
   <p:cSld>
     <p:spTree>
       <p:nvGrpSpPr>
@@ -274,9 +587,9 @@
       </p:grpSpPr>
       <p:sp>
         <p:nvSpPr>
-          <p:cNvPr id="148" name="PlaceHolder 1"/>
+          <p:cNvPr id="151" name="PlaceHolder 1"/>
           <p:cNvSpPr>
-            <a:spLocks noGrp="1"/>
+            <a:spLocks noGrp="1" noRot="1" noChangeAspect="1"/>
           </p:cNvSpPr>
           <p:nvPr>
             <p:ph type="sldImg"/>
@@ -294,7 +607,7 @@
       </p:sp>
       <p:sp>
         <p:nvSpPr>
-          <p:cNvPr id="149" name="PlaceHolder 2"/>
+          <p:cNvPr id="152" name="PlaceHolder 2"/>
           <p:cNvSpPr>
             <a:spLocks noGrp="1"/>
           </p:cNvSpPr>
@@ -312,17 +625,18 @@
           </a:prstGeom>
         </p:spPr>
         <p:txBody>
-          <a:bodyPr lIns="0" rIns="0" tIns="0" bIns="0"/>
-          <a:p>
-            <a:endParaRPr b="0" lang="pt-BR" sz="2000" spc="-1" strike="noStrike">
-              <a:latin typeface="Arial"/>
-            </a:endParaRPr>
-          </a:p>
-        </p:txBody>
-      </p:sp>
-      <p:sp>
-        <p:nvSpPr>
-          <p:cNvPr id="150" name="CustomShape 3"/>
+          <a:bodyPr lIns="0" tIns="0" rIns="0" bIns="0"/>
+          <a:lstStyle/>
+          <a:p>
+            <a:endParaRPr lang="pt-BR" sz="2000" b="0" strike="noStrike" spc="-1">
+              <a:latin typeface="Arial"/>
+            </a:endParaRPr>
+          </a:p>
+        </p:txBody>
+      </p:sp>
+      <p:sp>
+        <p:nvSpPr>
+          <p:cNvPr id="153" name="CustomShape 3"/>
           <p:cNvSpPr/>
           <p:nvPr/>
         </p:nvSpPr>
@@ -340,30 +654,37 @@
           </a:ln>
         </p:spPr>
         <p:style>
-          <a:lnRef idx="0"/>
-          <a:fillRef idx="0"/>
-          <a:effectRef idx="0"/>
+          <a:lnRef idx="0">
+            <a:scrgbClr r="0" g="0" b="0"/>
+          </a:lnRef>
+          <a:fillRef idx="0">
+            <a:scrgbClr r="0" g="0" b="0"/>
+          </a:fillRef>
+          <a:effectRef idx="0">
+            <a:scrgbClr r="0" g="0" b="0"/>
+          </a:effectRef>
           <a:fontRef idx="minor"/>
         </p:style>
         <p:txBody>
-          <a:bodyPr lIns="90000" rIns="90000" tIns="45000" bIns="45000" anchor="b"/>
+          <a:bodyPr lIns="90000" tIns="45000" rIns="90000" bIns="45000" anchor="b"/>
+          <a:lstStyle/>
           <a:p>
             <a:pPr algn="r">
               <a:lnSpc>
                 <a:spcPct val="100000"/>
               </a:lnSpc>
             </a:pPr>
-            <a:fld id="{95AEFE6F-9E94-446C-ACF9-3A34C90A8C9E}" type="slidenum">
-              <a:rPr b="0" lang="pt-BR" sz="1200" spc="-1" strike="noStrike">
+            <a:fld id="{773094FB-4008-4717-B49A-EB14B7CE317D}" type="slidenum">
+              <a:rPr lang="pt-BR" sz="1200" b="0" strike="noStrike" spc="-1">
                 <a:solidFill>
                   <a:srgbClr val="000000"/>
                 </a:solidFill>
                 <a:latin typeface="+mn-lt"/>
                 <a:ea typeface="+mn-ea"/>
               </a:rPr>
-              <a:t>&lt;número&gt;</a:t>
+              <a:t>3</a:t>
             </a:fld>
-            <a:endParaRPr b="0" lang="pt-BR" sz="1200" spc="-1" strike="noStrike">
+            <a:endParaRPr lang="pt-BR" sz="1200" b="0" strike="noStrike" spc="-1">
               <a:latin typeface="Arial"/>
             </a:endParaRPr>
           </a:p>
@@ -371,11 +692,14 @@
       </p:sp>
     </p:spTree>
   </p:cSld>
+  <p:clrMapOvr>
+    <a:masterClrMapping/>
+  </p:clrMapOvr>
 </p:notes>
 </file>
 
-<file path=ppt/notesSlides/notesSlide10.xml><?xml version="1.0" encoding="utf-8"?>
-<p:notes xmlns:a="http://schemas.openxmlformats.org/drawingml/2006/main" xmlns:p="http://schemas.openxmlformats.org/presentationml/2006/main" xmlns:r="http://schemas.openxmlformats.org/officeDocument/2006/relationships" xmlns:p14="http://schemas.microsoft.com/office/powerpoint/2010/main" xmlns:p15="http://schemas.microsoft.com/office/powerpoint/2012/main" xmlns:mc="http://schemas.openxmlformats.org/markup-compatibility/2006">
+<file path=ppt/notesSlides/notesSlide3.xml><?xml version="1.0" encoding="utf-8"?>
+<p:notes xmlns:a="http://schemas.openxmlformats.org/drawingml/2006/main" xmlns:r="http://schemas.openxmlformats.org/officeDocument/2006/relationships" xmlns:p="http://schemas.openxmlformats.org/presentationml/2006/main">
   <p:cSld>
     <p:spTree>
       <p:nvGrpSpPr>
@@ -395,7 +719,7 @@
         <p:nvSpPr>
           <p:cNvPr id="154" name="PlaceHolder 1"/>
           <p:cNvSpPr>
-            <a:spLocks noGrp="1"/>
+            <a:spLocks noGrp="1" noRot="1" noChangeAspect="1"/>
           </p:cNvSpPr>
           <p:nvPr>
             <p:ph type="sldImg"/>
@@ -431,9 +755,10 @@
           </a:prstGeom>
         </p:spPr>
         <p:txBody>
-          <a:bodyPr lIns="0" rIns="0" tIns="0" bIns="0"/>
-          <a:p>
-            <a:endParaRPr b="0" lang="pt-BR" sz="2000" spc="-1" strike="noStrike">
+          <a:bodyPr lIns="0" tIns="0" rIns="0" bIns="0"/>
+          <a:lstStyle/>
+          <a:p>
+            <a:endParaRPr lang="pt-BR" sz="2000" b="0" strike="noStrike" spc="-1">
               <a:latin typeface="Arial"/>
             </a:endParaRPr>
           </a:p>
@@ -459,13 +784,20 @@
           </a:ln>
         </p:spPr>
         <p:style>
-          <a:lnRef idx="0"/>
-          <a:fillRef idx="0"/>
-          <a:effectRef idx="0"/>
+          <a:lnRef idx="0">
+            <a:scrgbClr r="0" g="0" b="0"/>
+          </a:lnRef>
+          <a:fillRef idx="0">
+            <a:scrgbClr r="0" g="0" b="0"/>
+          </a:fillRef>
+          <a:effectRef idx="0">
+            <a:scrgbClr r="0" g="0" b="0"/>
+          </a:effectRef>
           <a:fontRef idx="minor"/>
         </p:style>
         <p:txBody>
-          <a:bodyPr lIns="90000" rIns="90000" tIns="45000" bIns="45000" anchor="b"/>
+          <a:bodyPr lIns="90000" tIns="45000" rIns="90000" bIns="45000" anchor="b"/>
+          <a:lstStyle/>
           <a:p>
             <a:pPr algn="r">
               <a:lnSpc>
@@ -473,16 +805,16 @@
               </a:lnSpc>
             </a:pPr>
             <a:fld id="{32FAA3A9-2B47-4057-BEA6-A12E9273DA3E}" type="slidenum">
-              <a:rPr b="0" lang="pt-BR" sz="1200" spc="-1" strike="noStrike">
+              <a:rPr lang="pt-BR" sz="1200" b="0" strike="noStrike" spc="-1">
                 <a:solidFill>
                   <a:srgbClr val="000000"/>
                 </a:solidFill>
                 <a:latin typeface="+mn-lt"/>
                 <a:ea typeface="+mn-ea"/>
               </a:rPr>
-              <a:t>&lt;número&gt;</a:t>
+              <a:t>10</a:t>
             </a:fld>
-            <a:endParaRPr b="0" lang="pt-BR" sz="1200" spc="-1" strike="noStrike">
+            <a:endParaRPr lang="pt-BR" sz="1200" b="0" strike="noStrike" spc="-1">
               <a:latin typeface="Arial"/>
             </a:endParaRPr>
           </a:p>
@@ -490,130 +822,14 @@
       </p:sp>
     </p:spTree>
   </p:cSld>
-</p:notes>
-</file>
-
-<file path=ppt/notesSlides/notesSlide3.xml><?xml version="1.0" encoding="utf-8"?>
-<p:notes xmlns:a="http://schemas.openxmlformats.org/drawingml/2006/main" xmlns:p="http://schemas.openxmlformats.org/presentationml/2006/main" xmlns:r="http://schemas.openxmlformats.org/officeDocument/2006/relationships" xmlns:p14="http://schemas.microsoft.com/office/powerpoint/2010/main" xmlns:p15="http://schemas.microsoft.com/office/powerpoint/2012/main" xmlns:mc="http://schemas.openxmlformats.org/markup-compatibility/2006">
-  <p:cSld>
-    <p:spTree>
-      <p:nvGrpSpPr>
-        <p:cNvPr id="1" name=""/>
-        <p:cNvGrpSpPr/>
-        <p:nvPr/>
-      </p:nvGrpSpPr>
-      <p:grpSpPr>
-        <a:xfrm>
-          <a:off x="0" y="0"/>
-          <a:ext cx="0" cy="0"/>
-          <a:chOff x="0" y="0"/>
-          <a:chExt cx="0" cy="0"/>
-        </a:xfrm>
-      </p:grpSpPr>
-      <p:sp>
-        <p:nvSpPr>
-          <p:cNvPr id="151" name="PlaceHolder 1"/>
-          <p:cNvSpPr>
-            <a:spLocks noGrp="1"/>
-          </p:cNvSpPr>
-          <p:nvPr>
-            <p:ph type="sldImg"/>
-          </p:nvPr>
-        </p:nvSpPr>
-        <p:spPr>
-          <a:xfrm>
-            <a:off x="1371600" y="1143000"/>
-            <a:ext cx="4114080" cy="3085560"/>
-          </a:xfrm>
-          <a:prstGeom prst="rect">
-            <a:avLst/>
-          </a:prstGeom>
-        </p:spPr>
-      </p:sp>
-      <p:sp>
-        <p:nvSpPr>
-          <p:cNvPr id="152" name="PlaceHolder 2"/>
-          <p:cNvSpPr>
-            <a:spLocks noGrp="1"/>
-          </p:cNvSpPr>
-          <p:nvPr>
-            <p:ph type="body"/>
-          </p:nvPr>
-        </p:nvSpPr>
-        <p:spPr>
-          <a:xfrm>
-            <a:off x="685800" y="4400640"/>
-            <a:ext cx="5485680" cy="3599640"/>
-          </a:xfrm>
-          <a:prstGeom prst="rect">
-            <a:avLst/>
-          </a:prstGeom>
-        </p:spPr>
-        <p:txBody>
-          <a:bodyPr lIns="0" rIns="0" tIns="0" bIns="0"/>
-          <a:p>
-            <a:endParaRPr b="0" lang="pt-BR" sz="2000" spc="-1" strike="noStrike">
-              <a:latin typeface="Arial"/>
-            </a:endParaRPr>
-          </a:p>
-        </p:txBody>
-      </p:sp>
-      <p:sp>
-        <p:nvSpPr>
-          <p:cNvPr id="153" name="CustomShape 3"/>
-          <p:cNvSpPr/>
-          <p:nvPr/>
-        </p:nvSpPr>
-        <p:spPr>
-          <a:xfrm>
-            <a:off x="3884760" y="8685360"/>
-            <a:ext cx="2971080" cy="457920"/>
-          </a:xfrm>
-          <a:prstGeom prst="rect">
-            <a:avLst/>
-          </a:prstGeom>
-          <a:noFill/>
-          <a:ln>
-            <a:noFill/>
-          </a:ln>
-        </p:spPr>
-        <p:style>
-          <a:lnRef idx="0"/>
-          <a:fillRef idx="0"/>
-          <a:effectRef idx="0"/>
-          <a:fontRef idx="minor"/>
-        </p:style>
-        <p:txBody>
-          <a:bodyPr lIns="90000" rIns="90000" tIns="45000" bIns="45000" anchor="b"/>
-          <a:p>
-            <a:pPr algn="r">
-              <a:lnSpc>
-                <a:spcPct val="100000"/>
-              </a:lnSpc>
-            </a:pPr>
-            <a:fld id="{773094FB-4008-4717-B49A-EB14B7CE317D}" type="slidenum">
-              <a:rPr b="0" lang="pt-BR" sz="1200" spc="-1" strike="noStrike">
-                <a:solidFill>
-                  <a:srgbClr val="000000"/>
-                </a:solidFill>
-                <a:latin typeface="+mn-lt"/>
-                <a:ea typeface="+mn-ea"/>
-              </a:rPr>
-              <a:t>&lt;número&gt;</a:t>
-            </a:fld>
-            <a:endParaRPr b="0" lang="pt-BR" sz="1200" spc="-1" strike="noStrike">
-              <a:latin typeface="Arial"/>
-            </a:endParaRPr>
-          </a:p>
-        </p:txBody>
-      </p:sp>
-    </p:spTree>
-  </p:cSld>
+  <p:clrMapOvr>
+    <a:masterClrMapping/>
+  </p:clrMapOvr>
 </p:notes>
 </file>
 
 <file path=ppt/slideLayouts/slideLayout1.xml><?xml version="1.0" encoding="utf-8"?>
-<p:sldLayout xmlns:a="http://schemas.openxmlformats.org/drawingml/2006/main" xmlns:p="http://schemas.openxmlformats.org/presentationml/2006/main" xmlns:r="http://schemas.openxmlformats.org/officeDocument/2006/relationships" xmlns:p14="http://schemas.microsoft.com/office/powerpoint/2010/main" xmlns:p15="http://schemas.microsoft.com/office/powerpoint/2012/main" xmlns:mc="http://schemas.openxmlformats.org/markup-compatibility/2006" type="blank" preserve="1">
+<p:sldLayout xmlns:a="http://schemas.openxmlformats.org/drawingml/2006/main" xmlns:r="http://schemas.openxmlformats.org/officeDocument/2006/relationships" xmlns:p="http://schemas.openxmlformats.org/presentationml/2006/main" type="blank" preserve="1">
   <p:cSld name="Blank Slide">
     <p:spTree>
       <p:nvGrpSpPr>
@@ -631,11 +847,14 @@
       </p:grpSpPr>
     </p:spTree>
   </p:cSld>
+  <p:clrMapOvr>
+    <a:masterClrMapping/>
+  </p:clrMapOvr>
 </p:sldLayout>
 </file>
 
 <file path=ppt/slideLayouts/slideLayout10.xml><?xml version="1.0" encoding="utf-8"?>
-<p:sldLayout xmlns:a="http://schemas.openxmlformats.org/drawingml/2006/main" xmlns:p="http://schemas.openxmlformats.org/presentationml/2006/main" xmlns:r="http://schemas.openxmlformats.org/officeDocument/2006/relationships" xmlns:p14="http://schemas.microsoft.com/office/powerpoint/2010/main" xmlns:p15="http://schemas.microsoft.com/office/powerpoint/2012/main" xmlns:mc="http://schemas.openxmlformats.org/markup-compatibility/2006" type="objOverTx" preserve="1">
+<p:sldLayout xmlns:a="http://schemas.openxmlformats.org/drawingml/2006/main" xmlns:r="http://schemas.openxmlformats.org/officeDocument/2006/relationships" xmlns:p="http://schemas.openxmlformats.org/presentationml/2006/main" type="objOverTx" preserve="1">
   <p:cSld name="Title, Content over Content">
     <p:spTree>
       <p:nvGrpSpPr>
@@ -671,10 +890,11 @@
           </a:prstGeom>
         </p:spPr>
         <p:txBody>
-          <a:bodyPr lIns="0" rIns="0" tIns="0" bIns="0" anchor="ctr"/>
+          <a:bodyPr lIns="0" tIns="0" rIns="0" bIns="0" anchor="ctr"/>
+          <a:lstStyle/>
           <a:p>
             <a:pPr algn="ctr"/>
-            <a:endParaRPr b="0" lang="pt-BR" sz="4400" spc="-1" strike="noStrike">
+            <a:endParaRPr lang="pt-BR" sz="4400" b="0" strike="noStrike" spc="-1">
               <a:latin typeface="Arial"/>
             </a:endParaRPr>
           </a:p>
@@ -700,11 +920,12 @@
           </a:prstGeom>
         </p:spPr>
         <p:txBody>
-          <a:bodyPr lIns="0" rIns="0" tIns="0" bIns="0">
+          <a:bodyPr lIns="0" tIns="0" rIns="0" bIns="0">
             <a:normAutofit/>
           </a:bodyPr>
-          <a:p>
-            <a:endParaRPr b="0" lang="pt-BR" sz="3200" spc="-1" strike="noStrike">
+          <a:lstStyle/>
+          <a:p>
+            <a:endParaRPr lang="pt-BR" sz="3200" b="0" strike="noStrike" spc="-1">
               <a:latin typeface="Arial"/>
             </a:endParaRPr>
           </a:p>
@@ -730,11 +951,12 @@
           </a:prstGeom>
         </p:spPr>
         <p:txBody>
-          <a:bodyPr lIns="0" rIns="0" tIns="0" bIns="0">
+          <a:bodyPr lIns="0" tIns="0" rIns="0" bIns="0">
             <a:normAutofit/>
           </a:bodyPr>
-          <a:p>
-            <a:endParaRPr b="0" lang="pt-BR" sz="3200" spc="-1" strike="noStrike">
+          <a:lstStyle/>
+          <a:p>
+            <a:endParaRPr lang="pt-BR" sz="3200" b="0" strike="noStrike" spc="-1">
               <a:latin typeface="Arial"/>
             </a:endParaRPr>
           </a:p>
@@ -742,11 +964,14 @@
       </p:sp>
     </p:spTree>
   </p:cSld>
+  <p:clrMapOvr>
+    <a:masterClrMapping/>
+  </p:clrMapOvr>
 </p:sldLayout>
 </file>
 
 <file path=ppt/slideLayouts/slideLayout11.xml><?xml version="1.0" encoding="utf-8"?>
-<p:sldLayout xmlns:a="http://schemas.openxmlformats.org/drawingml/2006/main" xmlns:p="http://schemas.openxmlformats.org/presentationml/2006/main" xmlns:r="http://schemas.openxmlformats.org/officeDocument/2006/relationships" xmlns:p14="http://schemas.microsoft.com/office/powerpoint/2010/main" xmlns:p15="http://schemas.microsoft.com/office/powerpoint/2012/main" xmlns:mc="http://schemas.openxmlformats.org/markup-compatibility/2006" type="fourObj" preserve="1">
+<p:sldLayout xmlns:a="http://schemas.openxmlformats.org/drawingml/2006/main" xmlns:r="http://schemas.openxmlformats.org/officeDocument/2006/relationships" xmlns:p="http://schemas.openxmlformats.org/presentationml/2006/main" type="fourObj" preserve="1">
   <p:cSld name="Title, 4 Content">
     <p:spTree>
       <p:nvGrpSpPr>
@@ -782,10 +1007,11 @@
           </a:prstGeom>
         </p:spPr>
         <p:txBody>
-          <a:bodyPr lIns="0" rIns="0" tIns="0" bIns="0" anchor="ctr"/>
+          <a:bodyPr lIns="0" tIns="0" rIns="0" bIns="0" anchor="ctr"/>
+          <a:lstStyle/>
           <a:p>
             <a:pPr algn="ctr"/>
-            <a:endParaRPr b="0" lang="pt-BR" sz="4400" spc="-1" strike="noStrike">
+            <a:endParaRPr lang="pt-BR" sz="4400" b="0" strike="noStrike" spc="-1">
               <a:latin typeface="Arial"/>
             </a:endParaRPr>
           </a:p>
@@ -811,11 +1037,12 @@
           </a:prstGeom>
         </p:spPr>
         <p:txBody>
-          <a:bodyPr lIns="0" rIns="0" tIns="0" bIns="0">
+          <a:bodyPr lIns="0" tIns="0" rIns="0" bIns="0">
             <a:normAutofit/>
           </a:bodyPr>
-          <a:p>
-            <a:endParaRPr b="0" lang="pt-BR" sz="3200" spc="-1" strike="noStrike">
+          <a:lstStyle/>
+          <a:p>
+            <a:endParaRPr lang="pt-BR" sz="3200" b="0" strike="noStrike" spc="-1">
               <a:latin typeface="Arial"/>
             </a:endParaRPr>
           </a:p>
@@ -841,11 +1068,12 @@
           </a:prstGeom>
         </p:spPr>
         <p:txBody>
-          <a:bodyPr lIns="0" rIns="0" tIns="0" bIns="0">
+          <a:bodyPr lIns="0" tIns="0" rIns="0" bIns="0">
             <a:normAutofit/>
           </a:bodyPr>
-          <a:p>
-            <a:endParaRPr b="0" lang="pt-BR" sz="3200" spc="-1" strike="noStrike">
+          <a:lstStyle/>
+          <a:p>
+            <a:endParaRPr lang="pt-BR" sz="3200" b="0" strike="noStrike" spc="-1">
               <a:latin typeface="Arial"/>
             </a:endParaRPr>
           </a:p>
@@ -871,11 +1099,12 @@
           </a:prstGeom>
         </p:spPr>
         <p:txBody>
-          <a:bodyPr lIns="0" rIns="0" tIns="0" bIns="0">
+          <a:bodyPr lIns="0" tIns="0" rIns="0" bIns="0">
             <a:normAutofit/>
           </a:bodyPr>
-          <a:p>
-            <a:endParaRPr b="0" lang="pt-BR" sz="3200" spc="-1" strike="noStrike">
+          <a:lstStyle/>
+          <a:p>
+            <a:endParaRPr lang="pt-BR" sz="3200" b="0" strike="noStrike" spc="-1">
               <a:latin typeface="Arial"/>
             </a:endParaRPr>
           </a:p>
@@ -901,11 +1130,12 @@
           </a:prstGeom>
         </p:spPr>
         <p:txBody>
-          <a:bodyPr lIns="0" rIns="0" tIns="0" bIns="0">
+          <a:bodyPr lIns="0" tIns="0" rIns="0" bIns="0">
             <a:normAutofit/>
           </a:bodyPr>
-          <a:p>
-            <a:endParaRPr b="0" lang="pt-BR" sz="3200" spc="-1" strike="noStrike">
+          <a:lstStyle/>
+          <a:p>
+            <a:endParaRPr lang="pt-BR" sz="3200" b="0" strike="noStrike" spc="-1">
               <a:latin typeface="Arial"/>
             </a:endParaRPr>
           </a:p>
@@ -913,11 +1143,14 @@
       </p:sp>
     </p:spTree>
   </p:cSld>
+  <p:clrMapOvr>
+    <a:masterClrMapping/>
+  </p:clrMapOvr>
 </p:sldLayout>
 </file>
 
 <file path=ppt/slideLayouts/slideLayout12.xml><?xml version="1.0" encoding="utf-8"?>
-<p:sldLayout xmlns:a="http://schemas.openxmlformats.org/drawingml/2006/main" xmlns:p="http://schemas.openxmlformats.org/presentationml/2006/main" xmlns:r="http://schemas.openxmlformats.org/officeDocument/2006/relationships" xmlns:p14="http://schemas.microsoft.com/office/powerpoint/2010/main" xmlns:p15="http://schemas.microsoft.com/office/powerpoint/2012/main" xmlns:mc="http://schemas.openxmlformats.org/markup-compatibility/2006" type="blank" preserve="1">
+<p:sldLayout xmlns:a="http://schemas.openxmlformats.org/drawingml/2006/main" xmlns:r="http://schemas.openxmlformats.org/officeDocument/2006/relationships" xmlns:p="http://schemas.openxmlformats.org/presentationml/2006/main" type="blank" preserve="1">
   <p:cSld name="Title, 6 Content">
     <p:spTree>
       <p:nvGrpSpPr>
@@ -953,10 +1186,11 @@
           </a:prstGeom>
         </p:spPr>
         <p:txBody>
-          <a:bodyPr lIns="0" rIns="0" tIns="0" bIns="0" anchor="ctr"/>
+          <a:bodyPr lIns="0" tIns="0" rIns="0" bIns="0" anchor="ctr"/>
+          <a:lstStyle/>
           <a:p>
             <a:pPr algn="ctr"/>
-            <a:endParaRPr b="0" lang="pt-BR" sz="4400" spc="-1" strike="noStrike">
+            <a:endParaRPr lang="pt-BR" sz="4400" b="0" strike="noStrike" spc="-1">
               <a:latin typeface="Arial"/>
             </a:endParaRPr>
           </a:p>
@@ -982,11 +1216,12 @@
           </a:prstGeom>
         </p:spPr>
         <p:txBody>
-          <a:bodyPr lIns="0" rIns="0" tIns="0" bIns="0">
+          <a:bodyPr lIns="0" tIns="0" rIns="0" bIns="0">
             <a:normAutofit/>
           </a:bodyPr>
-          <a:p>
-            <a:endParaRPr b="0" lang="pt-BR" sz="3200" spc="-1" strike="noStrike">
+          <a:lstStyle/>
+          <a:p>
+            <a:endParaRPr lang="pt-BR" sz="3200" b="0" strike="noStrike" spc="-1">
               <a:latin typeface="Arial"/>
             </a:endParaRPr>
           </a:p>
@@ -1012,11 +1247,12 @@
           </a:prstGeom>
         </p:spPr>
         <p:txBody>
-          <a:bodyPr lIns="0" rIns="0" tIns="0" bIns="0">
+          <a:bodyPr lIns="0" tIns="0" rIns="0" bIns="0">
             <a:normAutofit/>
           </a:bodyPr>
-          <a:p>
-            <a:endParaRPr b="0" lang="pt-BR" sz="3200" spc="-1" strike="noStrike">
+          <a:lstStyle/>
+          <a:p>
+            <a:endParaRPr lang="pt-BR" sz="3200" b="0" strike="noStrike" spc="-1">
               <a:latin typeface="Arial"/>
             </a:endParaRPr>
           </a:p>
@@ -1042,11 +1278,12 @@
           </a:prstGeom>
         </p:spPr>
         <p:txBody>
-          <a:bodyPr lIns="0" rIns="0" tIns="0" bIns="0">
+          <a:bodyPr lIns="0" tIns="0" rIns="0" bIns="0">
             <a:normAutofit/>
           </a:bodyPr>
-          <a:p>
-            <a:endParaRPr b="0" lang="pt-BR" sz="3200" spc="-1" strike="noStrike">
+          <a:lstStyle/>
+          <a:p>
+            <a:endParaRPr lang="pt-BR" sz="3200" b="0" strike="noStrike" spc="-1">
               <a:latin typeface="Arial"/>
             </a:endParaRPr>
           </a:p>
@@ -1072,11 +1309,12 @@
           </a:prstGeom>
         </p:spPr>
         <p:txBody>
-          <a:bodyPr lIns="0" rIns="0" tIns="0" bIns="0">
+          <a:bodyPr lIns="0" tIns="0" rIns="0" bIns="0">
             <a:normAutofit/>
           </a:bodyPr>
-          <a:p>
-            <a:endParaRPr b="0" lang="pt-BR" sz="3200" spc="-1" strike="noStrike">
+          <a:lstStyle/>
+          <a:p>
+            <a:endParaRPr lang="pt-BR" sz="3200" b="0" strike="noStrike" spc="-1">
               <a:latin typeface="Arial"/>
             </a:endParaRPr>
           </a:p>
@@ -1102,11 +1340,12 @@
           </a:prstGeom>
         </p:spPr>
         <p:txBody>
-          <a:bodyPr lIns="0" rIns="0" tIns="0" bIns="0">
+          <a:bodyPr lIns="0" tIns="0" rIns="0" bIns="0">
             <a:normAutofit/>
           </a:bodyPr>
-          <a:p>
-            <a:endParaRPr b="0" lang="pt-BR" sz="3200" spc="-1" strike="noStrike">
+          <a:lstStyle/>
+          <a:p>
+            <a:endParaRPr lang="pt-BR" sz="3200" b="0" strike="noStrike" spc="-1">
               <a:latin typeface="Arial"/>
             </a:endParaRPr>
           </a:p>
@@ -1132,11 +1371,12 @@
           </a:prstGeom>
         </p:spPr>
         <p:txBody>
-          <a:bodyPr lIns="0" rIns="0" tIns="0" bIns="0">
+          <a:bodyPr lIns="0" tIns="0" rIns="0" bIns="0">
             <a:normAutofit/>
           </a:bodyPr>
-          <a:p>
-            <a:endParaRPr b="0" lang="pt-BR" sz="3200" spc="-1" strike="noStrike">
+          <a:lstStyle/>
+          <a:p>
+            <a:endParaRPr lang="pt-BR" sz="3200" b="0" strike="noStrike" spc="-1">
               <a:latin typeface="Arial"/>
             </a:endParaRPr>
           </a:p>
@@ -1144,11 +1384,14 @@
       </p:sp>
     </p:spTree>
   </p:cSld>
+  <p:clrMapOvr>
+    <a:masterClrMapping/>
+  </p:clrMapOvr>
 </p:sldLayout>
 </file>
 
 <file path=ppt/slideLayouts/slideLayout13.xml><?xml version="1.0" encoding="utf-8"?>
-<p:sldLayout xmlns:a="http://schemas.openxmlformats.org/drawingml/2006/main" xmlns:p="http://schemas.openxmlformats.org/presentationml/2006/main" xmlns:r="http://schemas.openxmlformats.org/officeDocument/2006/relationships" xmlns:p14="http://schemas.microsoft.com/office/powerpoint/2010/main" xmlns:p15="http://schemas.microsoft.com/office/powerpoint/2012/main" xmlns:mc="http://schemas.openxmlformats.org/markup-compatibility/2006" type="blank" preserve="1">
+<p:sldLayout xmlns:a="http://schemas.openxmlformats.org/drawingml/2006/main" xmlns:r="http://schemas.openxmlformats.org/officeDocument/2006/relationships" xmlns:p="http://schemas.openxmlformats.org/presentationml/2006/main" type="blank" preserve="1">
   <p:cSld name="Blank Slide">
     <p:spTree>
       <p:nvGrpSpPr>
@@ -1166,11 +1409,14 @@
       </p:grpSpPr>
     </p:spTree>
   </p:cSld>
+  <p:clrMapOvr>
+    <a:masterClrMapping/>
+  </p:clrMapOvr>
 </p:sldLayout>
 </file>
 
 <file path=ppt/slideLayouts/slideLayout14.xml><?xml version="1.0" encoding="utf-8"?>
-<p:sldLayout xmlns:a="http://schemas.openxmlformats.org/drawingml/2006/main" xmlns:p="http://schemas.openxmlformats.org/presentationml/2006/main" xmlns:r="http://schemas.openxmlformats.org/officeDocument/2006/relationships" xmlns:p14="http://schemas.microsoft.com/office/powerpoint/2010/main" xmlns:p15="http://schemas.microsoft.com/office/powerpoint/2012/main" xmlns:mc="http://schemas.openxmlformats.org/markup-compatibility/2006" type="tx" preserve="1">
+<p:sldLayout xmlns:a="http://schemas.openxmlformats.org/drawingml/2006/main" xmlns:r="http://schemas.openxmlformats.org/officeDocument/2006/relationships" xmlns:p="http://schemas.openxmlformats.org/presentationml/2006/main" type="tx" preserve="1">
   <p:cSld name="Title Slide">
     <p:spTree>
       <p:nvGrpSpPr>
@@ -1206,10 +1452,11 @@
           </a:prstGeom>
         </p:spPr>
         <p:txBody>
-          <a:bodyPr lIns="0" rIns="0" tIns="0" bIns="0" anchor="ctr"/>
+          <a:bodyPr lIns="0" tIns="0" rIns="0" bIns="0" anchor="ctr"/>
+          <a:lstStyle/>
           <a:p>
             <a:pPr algn="ctr"/>
-            <a:endParaRPr b="0" lang="pt-BR" sz="4400" spc="-1" strike="noStrike">
+            <a:endParaRPr lang="pt-BR" sz="4400" b="0" strike="noStrike" spc="-1">
               <a:latin typeface="Arial"/>
             </a:endParaRPr>
           </a:p>
@@ -1235,10 +1482,11 @@
           </a:prstGeom>
         </p:spPr>
         <p:txBody>
-          <a:bodyPr lIns="0" rIns="0" tIns="0" bIns="0" anchor="ctr"/>
+          <a:bodyPr lIns="0" tIns="0" rIns="0" bIns="0" anchor="ctr"/>
+          <a:lstStyle/>
           <a:p>
             <a:pPr algn="ctr"/>
-            <a:endParaRPr b="0" lang="pt-BR" sz="3200" spc="-1" strike="noStrike">
+            <a:endParaRPr lang="pt-BR" sz="3200" b="0" strike="noStrike" spc="-1">
               <a:latin typeface="Arial"/>
             </a:endParaRPr>
           </a:p>
@@ -1246,11 +1494,14 @@
       </p:sp>
     </p:spTree>
   </p:cSld>
+  <p:clrMapOvr>
+    <a:masterClrMapping/>
+  </p:clrMapOvr>
 </p:sldLayout>
 </file>
 
 <file path=ppt/slideLayouts/slideLayout15.xml><?xml version="1.0" encoding="utf-8"?>
-<p:sldLayout xmlns:a="http://schemas.openxmlformats.org/drawingml/2006/main" xmlns:p="http://schemas.openxmlformats.org/presentationml/2006/main" xmlns:r="http://schemas.openxmlformats.org/officeDocument/2006/relationships" xmlns:p14="http://schemas.microsoft.com/office/powerpoint/2010/main" xmlns:p15="http://schemas.microsoft.com/office/powerpoint/2012/main" xmlns:mc="http://schemas.openxmlformats.org/markup-compatibility/2006" type="obj" preserve="1">
+<p:sldLayout xmlns:a="http://schemas.openxmlformats.org/drawingml/2006/main" xmlns:r="http://schemas.openxmlformats.org/officeDocument/2006/relationships" xmlns:p="http://schemas.openxmlformats.org/presentationml/2006/main" type="obj" preserve="1">
   <p:cSld name="Title, Content">
     <p:spTree>
       <p:nvGrpSpPr>
@@ -1286,10 +1537,11 @@
           </a:prstGeom>
         </p:spPr>
         <p:txBody>
-          <a:bodyPr lIns="0" rIns="0" tIns="0" bIns="0" anchor="ctr"/>
+          <a:bodyPr lIns="0" tIns="0" rIns="0" bIns="0" anchor="ctr"/>
+          <a:lstStyle/>
           <a:p>
             <a:pPr algn="ctr"/>
-            <a:endParaRPr b="0" lang="pt-BR" sz="4400" spc="-1" strike="noStrike">
+            <a:endParaRPr lang="pt-BR" sz="4400" b="0" strike="noStrike" spc="-1">
               <a:latin typeface="Arial"/>
             </a:endParaRPr>
           </a:p>
@@ -1315,11 +1567,12 @@
           </a:prstGeom>
         </p:spPr>
         <p:txBody>
-          <a:bodyPr lIns="0" rIns="0" tIns="0" bIns="0">
+          <a:bodyPr lIns="0" tIns="0" rIns="0" bIns="0">
             <a:normAutofit/>
           </a:bodyPr>
-          <a:p>
-            <a:endParaRPr b="0" lang="pt-BR" sz="3200" spc="-1" strike="noStrike">
+          <a:lstStyle/>
+          <a:p>
+            <a:endParaRPr lang="pt-BR" sz="3200" b="0" strike="noStrike" spc="-1">
               <a:latin typeface="Arial"/>
             </a:endParaRPr>
           </a:p>
@@ -1327,11 +1580,14 @@
       </p:sp>
     </p:spTree>
   </p:cSld>
+  <p:clrMapOvr>
+    <a:masterClrMapping/>
+  </p:clrMapOvr>
 </p:sldLayout>
 </file>
 
 <file path=ppt/slideLayouts/slideLayout16.xml><?xml version="1.0" encoding="utf-8"?>
-<p:sldLayout xmlns:a="http://schemas.openxmlformats.org/drawingml/2006/main" xmlns:p="http://schemas.openxmlformats.org/presentationml/2006/main" xmlns:r="http://schemas.openxmlformats.org/officeDocument/2006/relationships" xmlns:p14="http://schemas.microsoft.com/office/powerpoint/2010/main" xmlns:p15="http://schemas.microsoft.com/office/powerpoint/2012/main" xmlns:mc="http://schemas.openxmlformats.org/markup-compatibility/2006" type="twoObj" preserve="1">
+<p:sldLayout xmlns:a="http://schemas.openxmlformats.org/drawingml/2006/main" xmlns:r="http://schemas.openxmlformats.org/officeDocument/2006/relationships" xmlns:p="http://schemas.openxmlformats.org/presentationml/2006/main" type="twoObj" preserve="1">
   <p:cSld name="Title, 2 Content">
     <p:spTree>
       <p:nvGrpSpPr>
@@ -1367,10 +1623,11 @@
           </a:prstGeom>
         </p:spPr>
         <p:txBody>
-          <a:bodyPr lIns="0" rIns="0" tIns="0" bIns="0" anchor="ctr"/>
+          <a:bodyPr lIns="0" tIns="0" rIns="0" bIns="0" anchor="ctr"/>
+          <a:lstStyle/>
           <a:p>
             <a:pPr algn="ctr"/>
-            <a:endParaRPr b="0" lang="pt-BR" sz="4400" spc="-1" strike="noStrike">
+            <a:endParaRPr lang="pt-BR" sz="4400" b="0" strike="noStrike" spc="-1">
               <a:latin typeface="Arial"/>
             </a:endParaRPr>
           </a:p>
@@ -1396,11 +1653,12 @@
           </a:prstGeom>
         </p:spPr>
         <p:txBody>
-          <a:bodyPr lIns="0" rIns="0" tIns="0" bIns="0">
+          <a:bodyPr lIns="0" tIns="0" rIns="0" bIns="0">
             <a:normAutofit/>
           </a:bodyPr>
-          <a:p>
-            <a:endParaRPr b="0" lang="pt-BR" sz="3200" spc="-1" strike="noStrike">
+          <a:lstStyle/>
+          <a:p>
+            <a:endParaRPr lang="pt-BR" sz="3200" b="0" strike="noStrike" spc="-1">
               <a:latin typeface="Arial"/>
             </a:endParaRPr>
           </a:p>
@@ -1426,11 +1684,12 @@
           </a:prstGeom>
         </p:spPr>
         <p:txBody>
-          <a:bodyPr lIns="0" rIns="0" tIns="0" bIns="0">
+          <a:bodyPr lIns="0" tIns="0" rIns="0" bIns="0">
             <a:normAutofit/>
           </a:bodyPr>
-          <a:p>
-            <a:endParaRPr b="0" lang="pt-BR" sz="3200" spc="-1" strike="noStrike">
+          <a:lstStyle/>
+          <a:p>
+            <a:endParaRPr lang="pt-BR" sz="3200" b="0" strike="noStrike" spc="-1">
               <a:latin typeface="Arial"/>
             </a:endParaRPr>
           </a:p>
@@ -1438,11 +1697,14 @@
       </p:sp>
     </p:spTree>
   </p:cSld>
+  <p:clrMapOvr>
+    <a:masterClrMapping/>
+  </p:clrMapOvr>
 </p:sldLayout>
 </file>
 
 <file path=ppt/slideLayouts/slideLayout17.xml><?xml version="1.0" encoding="utf-8"?>
-<p:sldLayout xmlns:a="http://schemas.openxmlformats.org/drawingml/2006/main" xmlns:p="http://schemas.openxmlformats.org/presentationml/2006/main" xmlns:r="http://schemas.openxmlformats.org/officeDocument/2006/relationships" xmlns:p14="http://schemas.microsoft.com/office/powerpoint/2010/main" xmlns:p15="http://schemas.microsoft.com/office/powerpoint/2012/main" xmlns:mc="http://schemas.openxmlformats.org/markup-compatibility/2006" type="titleOnly" preserve="1">
+<p:sldLayout xmlns:a="http://schemas.openxmlformats.org/drawingml/2006/main" xmlns:r="http://schemas.openxmlformats.org/officeDocument/2006/relationships" xmlns:p="http://schemas.openxmlformats.org/presentationml/2006/main" type="titleOnly" preserve="1">
   <p:cSld name="Title Only">
     <p:spTree>
       <p:nvGrpSpPr>
@@ -1478,10 +1740,11 @@
           </a:prstGeom>
         </p:spPr>
         <p:txBody>
-          <a:bodyPr lIns="0" rIns="0" tIns="0" bIns="0" anchor="ctr"/>
+          <a:bodyPr lIns="0" tIns="0" rIns="0" bIns="0" anchor="ctr"/>
+          <a:lstStyle/>
           <a:p>
             <a:pPr algn="ctr"/>
-            <a:endParaRPr b="0" lang="pt-BR" sz="4400" spc="-1" strike="noStrike">
+            <a:endParaRPr lang="pt-BR" sz="4400" b="0" strike="noStrike" spc="-1">
               <a:latin typeface="Arial"/>
             </a:endParaRPr>
           </a:p>
@@ -1489,11 +1752,14 @@
       </p:sp>
     </p:spTree>
   </p:cSld>
+  <p:clrMapOvr>
+    <a:masterClrMapping/>
+  </p:clrMapOvr>
 </p:sldLayout>
 </file>
 
 <file path=ppt/slideLayouts/slideLayout18.xml><?xml version="1.0" encoding="utf-8"?>
-<p:sldLayout xmlns:a="http://schemas.openxmlformats.org/drawingml/2006/main" xmlns:p="http://schemas.openxmlformats.org/presentationml/2006/main" xmlns:r="http://schemas.openxmlformats.org/officeDocument/2006/relationships" xmlns:p14="http://schemas.microsoft.com/office/powerpoint/2010/main" xmlns:p15="http://schemas.microsoft.com/office/powerpoint/2012/main" xmlns:mc="http://schemas.openxmlformats.org/markup-compatibility/2006" type="objOnly" preserve="1">
+<p:sldLayout xmlns:a="http://schemas.openxmlformats.org/drawingml/2006/main" xmlns:r="http://schemas.openxmlformats.org/officeDocument/2006/relationships" xmlns:p="http://schemas.openxmlformats.org/presentationml/2006/main" type="objOnly" preserve="1">
   <p:cSld name="Centered Text">
     <p:spTree>
       <p:nvGrpSpPr>
@@ -1529,10 +1795,11 @@
           </a:prstGeom>
         </p:spPr>
         <p:txBody>
-          <a:bodyPr lIns="0" rIns="0" tIns="0" bIns="0" anchor="ctr"/>
+          <a:bodyPr lIns="0" tIns="0" rIns="0" bIns="0" anchor="ctr"/>
+          <a:lstStyle/>
           <a:p>
             <a:pPr algn="ctr"/>
-            <a:endParaRPr b="0" lang="pt-BR" sz="3200" spc="-1" strike="noStrike">
+            <a:endParaRPr lang="pt-BR" sz="3200" b="0" strike="noStrike" spc="-1">
               <a:latin typeface="Arial"/>
             </a:endParaRPr>
           </a:p>
@@ -1540,11 +1807,14 @@
       </p:sp>
     </p:spTree>
   </p:cSld>
+  <p:clrMapOvr>
+    <a:masterClrMapping/>
+  </p:clrMapOvr>
 </p:sldLayout>
 </file>
 
 <file path=ppt/slideLayouts/slideLayout19.xml><?xml version="1.0" encoding="utf-8"?>
-<p:sldLayout xmlns:a="http://schemas.openxmlformats.org/drawingml/2006/main" xmlns:p="http://schemas.openxmlformats.org/presentationml/2006/main" xmlns:r="http://schemas.openxmlformats.org/officeDocument/2006/relationships" xmlns:p14="http://schemas.microsoft.com/office/powerpoint/2010/main" xmlns:p15="http://schemas.microsoft.com/office/powerpoint/2012/main" xmlns:mc="http://schemas.openxmlformats.org/markup-compatibility/2006" type="twoObjAndObj" preserve="1">
+<p:sldLayout xmlns:a="http://schemas.openxmlformats.org/drawingml/2006/main" xmlns:r="http://schemas.openxmlformats.org/officeDocument/2006/relationships" xmlns:p="http://schemas.openxmlformats.org/presentationml/2006/main" type="twoObjAndObj" preserve="1">
   <p:cSld name="Title, 2 Content and Content">
     <p:spTree>
       <p:nvGrpSpPr>
@@ -1580,10 +1850,11 @@
           </a:prstGeom>
         </p:spPr>
         <p:txBody>
-          <a:bodyPr lIns="0" rIns="0" tIns="0" bIns="0" anchor="ctr"/>
+          <a:bodyPr lIns="0" tIns="0" rIns="0" bIns="0" anchor="ctr"/>
+          <a:lstStyle/>
           <a:p>
             <a:pPr algn="ctr"/>
-            <a:endParaRPr b="0" lang="pt-BR" sz="4400" spc="-1" strike="noStrike">
+            <a:endParaRPr lang="pt-BR" sz="4400" b="0" strike="noStrike" spc="-1">
               <a:latin typeface="Arial"/>
             </a:endParaRPr>
           </a:p>
@@ -1609,11 +1880,12 @@
           </a:prstGeom>
         </p:spPr>
         <p:txBody>
-          <a:bodyPr lIns="0" rIns="0" tIns="0" bIns="0">
+          <a:bodyPr lIns="0" tIns="0" rIns="0" bIns="0">
             <a:normAutofit/>
           </a:bodyPr>
-          <a:p>
-            <a:endParaRPr b="0" lang="pt-BR" sz="3200" spc="-1" strike="noStrike">
+          <a:lstStyle/>
+          <a:p>
+            <a:endParaRPr lang="pt-BR" sz="3200" b="0" strike="noStrike" spc="-1">
               <a:latin typeface="Arial"/>
             </a:endParaRPr>
           </a:p>
@@ -1639,11 +1911,12 @@
           </a:prstGeom>
         </p:spPr>
         <p:txBody>
-          <a:bodyPr lIns="0" rIns="0" tIns="0" bIns="0">
+          <a:bodyPr lIns="0" tIns="0" rIns="0" bIns="0">
             <a:normAutofit/>
           </a:bodyPr>
-          <a:p>
-            <a:endParaRPr b="0" lang="pt-BR" sz="3200" spc="-1" strike="noStrike">
+          <a:lstStyle/>
+          <a:p>
+            <a:endParaRPr lang="pt-BR" sz="3200" b="0" strike="noStrike" spc="-1">
               <a:latin typeface="Arial"/>
             </a:endParaRPr>
           </a:p>
@@ -1669,11 +1942,12 @@
           </a:prstGeom>
         </p:spPr>
         <p:txBody>
-          <a:bodyPr lIns="0" rIns="0" tIns="0" bIns="0">
+          <a:bodyPr lIns="0" tIns="0" rIns="0" bIns="0">
             <a:normAutofit/>
           </a:bodyPr>
-          <a:p>
-            <a:endParaRPr b="0" lang="pt-BR" sz="3200" spc="-1" strike="noStrike">
+          <a:lstStyle/>
+          <a:p>
+            <a:endParaRPr lang="pt-BR" sz="3200" b="0" strike="noStrike" spc="-1">
               <a:latin typeface="Arial"/>
             </a:endParaRPr>
           </a:p>
@@ -1681,11 +1955,14 @@
       </p:sp>
     </p:spTree>
   </p:cSld>
+  <p:clrMapOvr>
+    <a:masterClrMapping/>
+  </p:clrMapOvr>
 </p:sldLayout>
 </file>
 
 <file path=ppt/slideLayouts/slideLayout2.xml><?xml version="1.0" encoding="utf-8"?>
-<p:sldLayout xmlns:a="http://schemas.openxmlformats.org/drawingml/2006/main" xmlns:p="http://schemas.openxmlformats.org/presentationml/2006/main" xmlns:r="http://schemas.openxmlformats.org/officeDocument/2006/relationships" xmlns:p14="http://schemas.microsoft.com/office/powerpoint/2010/main" xmlns:p15="http://schemas.microsoft.com/office/powerpoint/2012/main" xmlns:mc="http://schemas.openxmlformats.org/markup-compatibility/2006" type="tx" preserve="1">
+<p:sldLayout xmlns:a="http://schemas.openxmlformats.org/drawingml/2006/main" xmlns:r="http://schemas.openxmlformats.org/officeDocument/2006/relationships" xmlns:p="http://schemas.openxmlformats.org/presentationml/2006/main" type="tx" preserve="1">
   <p:cSld name="Title Slide">
     <p:spTree>
       <p:nvGrpSpPr>
@@ -1721,10 +1998,11 @@
           </a:prstGeom>
         </p:spPr>
         <p:txBody>
-          <a:bodyPr lIns="0" rIns="0" tIns="0" bIns="0" anchor="ctr"/>
+          <a:bodyPr lIns="0" tIns="0" rIns="0" bIns="0" anchor="ctr"/>
+          <a:lstStyle/>
           <a:p>
             <a:pPr algn="ctr"/>
-            <a:endParaRPr b="0" lang="pt-BR" sz="4400" spc="-1" strike="noStrike">
+            <a:endParaRPr lang="pt-BR" sz="4400" b="0" strike="noStrike" spc="-1">
               <a:latin typeface="Arial"/>
             </a:endParaRPr>
           </a:p>
@@ -1750,10 +2028,11 @@
           </a:prstGeom>
         </p:spPr>
         <p:txBody>
-          <a:bodyPr lIns="0" rIns="0" tIns="0" bIns="0" anchor="ctr"/>
+          <a:bodyPr lIns="0" tIns="0" rIns="0" bIns="0" anchor="ctr"/>
+          <a:lstStyle/>
           <a:p>
             <a:pPr algn="ctr"/>
-            <a:endParaRPr b="0" lang="pt-BR" sz="3200" spc="-1" strike="noStrike">
+            <a:endParaRPr lang="pt-BR" sz="3200" b="0" strike="noStrike" spc="-1">
               <a:latin typeface="Arial"/>
             </a:endParaRPr>
           </a:p>
@@ -1761,11 +2040,14 @@
       </p:sp>
     </p:spTree>
   </p:cSld>
+  <p:clrMapOvr>
+    <a:masterClrMapping/>
+  </p:clrMapOvr>
 </p:sldLayout>
 </file>
 
 <file path=ppt/slideLayouts/slideLayout20.xml><?xml version="1.0" encoding="utf-8"?>
-<p:sldLayout xmlns:a="http://schemas.openxmlformats.org/drawingml/2006/main" xmlns:p="http://schemas.openxmlformats.org/presentationml/2006/main" xmlns:r="http://schemas.openxmlformats.org/officeDocument/2006/relationships" xmlns:p14="http://schemas.microsoft.com/office/powerpoint/2010/main" xmlns:p15="http://schemas.microsoft.com/office/powerpoint/2012/main" xmlns:mc="http://schemas.openxmlformats.org/markup-compatibility/2006" type="objAndTwoObj" preserve="1">
+<p:sldLayout xmlns:a="http://schemas.openxmlformats.org/drawingml/2006/main" xmlns:r="http://schemas.openxmlformats.org/officeDocument/2006/relationships" xmlns:p="http://schemas.openxmlformats.org/presentationml/2006/main" type="objAndTwoObj" preserve="1">
   <p:cSld name="Title Content and 2 Content">
     <p:spTree>
       <p:nvGrpSpPr>
@@ -1801,10 +2083,11 @@
           </a:prstGeom>
         </p:spPr>
         <p:txBody>
-          <a:bodyPr lIns="0" rIns="0" tIns="0" bIns="0" anchor="ctr"/>
+          <a:bodyPr lIns="0" tIns="0" rIns="0" bIns="0" anchor="ctr"/>
+          <a:lstStyle/>
           <a:p>
             <a:pPr algn="ctr"/>
-            <a:endParaRPr b="0" lang="pt-BR" sz="4400" spc="-1" strike="noStrike">
+            <a:endParaRPr lang="pt-BR" sz="4400" b="0" strike="noStrike" spc="-1">
               <a:latin typeface="Arial"/>
             </a:endParaRPr>
           </a:p>
@@ -1830,11 +2113,12 @@
           </a:prstGeom>
         </p:spPr>
         <p:txBody>
-          <a:bodyPr lIns="0" rIns="0" tIns="0" bIns="0">
+          <a:bodyPr lIns="0" tIns="0" rIns="0" bIns="0">
             <a:normAutofit/>
           </a:bodyPr>
-          <a:p>
-            <a:endParaRPr b="0" lang="pt-BR" sz="3200" spc="-1" strike="noStrike">
+          <a:lstStyle/>
+          <a:p>
+            <a:endParaRPr lang="pt-BR" sz="3200" b="0" strike="noStrike" spc="-1">
               <a:latin typeface="Arial"/>
             </a:endParaRPr>
           </a:p>
@@ -1860,11 +2144,12 @@
           </a:prstGeom>
         </p:spPr>
         <p:txBody>
-          <a:bodyPr lIns="0" rIns="0" tIns="0" bIns="0">
+          <a:bodyPr lIns="0" tIns="0" rIns="0" bIns="0">
             <a:normAutofit/>
           </a:bodyPr>
-          <a:p>
-            <a:endParaRPr b="0" lang="pt-BR" sz="3200" spc="-1" strike="noStrike">
+          <a:lstStyle/>
+          <a:p>
+            <a:endParaRPr lang="pt-BR" sz="3200" b="0" strike="noStrike" spc="-1">
               <a:latin typeface="Arial"/>
             </a:endParaRPr>
           </a:p>
@@ -1890,11 +2175,12 @@
           </a:prstGeom>
         </p:spPr>
         <p:txBody>
-          <a:bodyPr lIns="0" rIns="0" tIns="0" bIns="0">
+          <a:bodyPr lIns="0" tIns="0" rIns="0" bIns="0">
             <a:normAutofit/>
           </a:bodyPr>
-          <a:p>
-            <a:endParaRPr b="0" lang="pt-BR" sz="3200" spc="-1" strike="noStrike">
+          <a:lstStyle/>
+          <a:p>
+            <a:endParaRPr lang="pt-BR" sz="3200" b="0" strike="noStrike" spc="-1">
               <a:latin typeface="Arial"/>
             </a:endParaRPr>
           </a:p>
@@ -1902,11 +2188,14 @@
       </p:sp>
     </p:spTree>
   </p:cSld>
+  <p:clrMapOvr>
+    <a:masterClrMapping/>
+  </p:clrMapOvr>
 </p:sldLayout>
 </file>
 
 <file path=ppt/slideLayouts/slideLayout21.xml><?xml version="1.0" encoding="utf-8"?>
-<p:sldLayout xmlns:a="http://schemas.openxmlformats.org/drawingml/2006/main" xmlns:p="http://schemas.openxmlformats.org/presentationml/2006/main" xmlns:r="http://schemas.openxmlformats.org/officeDocument/2006/relationships" xmlns:p14="http://schemas.microsoft.com/office/powerpoint/2010/main" xmlns:p15="http://schemas.microsoft.com/office/powerpoint/2012/main" xmlns:mc="http://schemas.openxmlformats.org/markup-compatibility/2006" type="twoObjOverTx" preserve="1">
+<p:sldLayout xmlns:a="http://schemas.openxmlformats.org/drawingml/2006/main" xmlns:r="http://schemas.openxmlformats.org/officeDocument/2006/relationships" xmlns:p="http://schemas.openxmlformats.org/presentationml/2006/main" type="twoObjOverTx" preserve="1">
   <p:cSld name="Title, 2 Content over Content">
     <p:spTree>
       <p:nvGrpSpPr>
@@ -1942,10 +2231,11 @@
           </a:prstGeom>
         </p:spPr>
         <p:txBody>
-          <a:bodyPr lIns="0" rIns="0" tIns="0" bIns="0" anchor="ctr"/>
+          <a:bodyPr lIns="0" tIns="0" rIns="0" bIns="0" anchor="ctr"/>
+          <a:lstStyle/>
           <a:p>
             <a:pPr algn="ctr"/>
-            <a:endParaRPr b="0" lang="pt-BR" sz="4400" spc="-1" strike="noStrike">
+            <a:endParaRPr lang="pt-BR" sz="4400" b="0" strike="noStrike" spc="-1">
               <a:latin typeface="Arial"/>
             </a:endParaRPr>
           </a:p>
@@ -1971,11 +2261,12 @@
           </a:prstGeom>
         </p:spPr>
         <p:txBody>
-          <a:bodyPr lIns="0" rIns="0" tIns="0" bIns="0">
+          <a:bodyPr lIns="0" tIns="0" rIns="0" bIns="0">
             <a:normAutofit/>
           </a:bodyPr>
-          <a:p>
-            <a:endParaRPr b="0" lang="pt-BR" sz="3200" spc="-1" strike="noStrike">
+          <a:lstStyle/>
+          <a:p>
+            <a:endParaRPr lang="pt-BR" sz="3200" b="0" strike="noStrike" spc="-1">
               <a:latin typeface="Arial"/>
             </a:endParaRPr>
           </a:p>
@@ -2001,11 +2292,12 @@
           </a:prstGeom>
         </p:spPr>
         <p:txBody>
-          <a:bodyPr lIns="0" rIns="0" tIns="0" bIns="0">
+          <a:bodyPr lIns="0" tIns="0" rIns="0" bIns="0">
             <a:normAutofit/>
           </a:bodyPr>
-          <a:p>
-            <a:endParaRPr b="0" lang="pt-BR" sz="3200" spc="-1" strike="noStrike">
+          <a:lstStyle/>
+          <a:p>
+            <a:endParaRPr lang="pt-BR" sz="3200" b="0" strike="noStrike" spc="-1">
               <a:latin typeface="Arial"/>
             </a:endParaRPr>
           </a:p>
@@ -2031,11 +2323,12 @@
           </a:prstGeom>
         </p:spPr>
         <p:txBody>
-          <a:bodyPr lIns="0" rIns="0" tIns="0" bIns="0">
+          <a:bodyPr lIns="0" tIns="0" rIns="0" bIns="0">
             <a:normAutofit/>
           </a:bodyPr>
-          <a:p>
-            <a:endParaRPr b="0" lang="pt-BR" sz="3200" spc="-1" strike="noStrike">
+          <a:lstStyle/>
+          <a:p>
+            <a:endParaRPr lang="pt-BR" sz="3200" b="0" strike="noStrike" spc="-1">
               <a:latin typeface="Arial"/>
             </a:endParaRPr>
           </a:p>
@@ -2043,11 +2336,14 @@
       </p:sp>
     </p:spTree>
   </p:cSld>
+  <p:clrMapOvr>
+    <a:masterClrMapping/>
+  </p:clrMapOvr>
 </p:sldLayout>
 </file>
 
 <file path=ppt/slideLayouts/slideLayout22.xml><?xml version="1.0" encoding="utf-8"?>
-<p:sldLayout xmlns:a="http://schemas.openxmlformats.org/drawingml/2006/main" xmlns:p="http://schemas.openxmlformats.org/presentationml/2006/main" xmlns:r="http://schemas.openxmlformats.org/officeDocument/2006/relationships" xmlns:p14="http://schemas.microsoft.com/office/powerpoint/2010/main" xmlns:p15="http://schemas.microsoft.com/office/powerpoint/2012/main" xmlns:mc="http://schemas.openxmlformats.org/markup-compatibility/2006" type="objOverTx" preserve="1">
+<p:sldLayout xmlns:a="http://schemas.openxmlformats.org/drawingml/2006/main" xmlns:r="http://schemas.openxmlformats.org/officeDocument/2006/relationships" xmlns:p="http://schemas.openxmlformats.org/presentationml/2006/main" type="objOverTx" preserve="1">
   <p:cSld name="Title, Content over Content">
     <p:spTree>
       <p:nvGrpSpPr>
@@ -2083,10 +2379,11 @@
           </a:prstGeom>
         </p:spPr>
         <p:txBody>
-          <a:bodyPr lIns="0" rIns="0" tIns="0" bIns="0" anchor="ctr"/>
+          <a:bodyPr lIns="0" tIns="0" rIns="0" bIns="0" anchor="ctr"/>
+          <a:lstStyle/>
           <a:p>
             <a:pPr algn="ctr"/>
-            <a:endParaRPr b="0" lang="pt-BR" sz="4400" spc="-1" strike="noStrike">
+            <a:endParaRPr lang="pt-BR" sz="4400" b="0" strike="noStrike" spc="-1">
               <a:latin typeface="Arial"/>
             </a:endParaRPr>
           </a:p>
@@ -2112,11 +2409,12 @@
           </a:prstGeom>
         </p:spPr>
         <p:txBody>
-          <a:bodyPr lIns="0" rIns="0" tIns="0" bIns="0">
+          <a:bodyPr lIns="0" tIns="0" rIns="0" bIns="0">
             <a:normAutofit/>
           </a:bodyPr>
-          <a:p>
-            <a:endParaRPr b="0" lang="pt-BR" sz="3200" spc="-1" strike="noStrike">
+          <a:lstStyle/>
+          <a:p>
+            <a:endParaRPr lang="pt-BR" sz="3200" b="0" strike="noStrike" spc="-1">
               <a:latin typeface="Arial"/>
             </a:endParaRPr>
           </a:p>
@@ -2142,11 +2440,12 @@
           </a:prstGeom>
         </p:spPr>
         <p:txBody>
-          <a:bodyPr lIns="0" rIns="0" tIns="0" bIns="0">
+          <a:bodyPr lIns="0" tIns="0" rIns="0" bIns="0">
             <a:normAutofit/>
           </a:bodyPr>
-          <a:p>
-            <a:endParaRPr b="0" lang="pt-BR" sz="3200" spc="-1" strike="noStrike">
+          <a:lstStyle/>
+          <a:p>
+            <a:endParaRPr lang="pt-BR" sz="3200" b="0" strike="noStrike" spc="-1">
               <a:latin typeface="Arial"/>
             </a:endParaRPr>
           </a:p>
@@ -2154,11 +2453,14 @@
       </p:sp>
     </p:spTree>
   </p:cSld>
+  <p:clrMapOvr>
+    <a:masterClrMapping/>
+  </p:clrMapOvr>
 </p:sldLayout>
 </file>
 
 <file path=ppt/slideLayouts/slideLayout23.xml><?xml version="1.0" encoding="utf-8"?>
-<p:sldLayout xmlns:a="http://schemas.openxmlformats.org/drawingml/2006/main" xmlns:p="http://schemas.openxmlformats.org/presentationml/2006/main" xmlns:r="http://schemas.openxmlformats.org/officeDocument/2006/relationships" xmlns:p14="http://schemas.microsoft.com/office/powerpoint/2010/main" xmlns:p15="http://schemas.microsoft.com/office/powerpoint/2012/main" xmlns:mc="http://schemas.openxmlformats.org/markup-compatibility/2006" type="fourObj" preserve="1">
+<p:sldLayout xmlns:a="http://schemas.openxmlformats.org/drawingml/2006/main" xmlns:r="http://schemas.openxmlformats.org/officeDocument/2006/relationships" xmlns:p="http://schemas.openxmlformats.org/presentationml/2006/main" type="fourObj" preserve="1">
   <p:cSld name="Title, 4 Content">
     <p:spTree>
       <p:nvGrpSpPr>
@@ -2194,10 +2496,11 @@
           </a:prstGeom>
         </p:spPr>
         <p:txBody>
-          <a:bodyPr lIns="0" rIns="0" tIns="0" bIns="0" anchor="ctr"/>
+          <a:bodyPr lIns="0" tIns="0" rIns="0" bIns="0" anchor="ctr"/>
+          <a:lstStyle/>
           <a:p>
             <a:pPr algn="ctr"/>
-            <a:endParaRPr b="0" lang="pt-BR" sz="4400" spc="-1" strike="noStrike">
+            <a:endParaRPr lang="pt-BR" sz="4400" b="0" strike="noStrike" spc="-1">
               <a:latin typeface="Arial"/>
             </a:endParaRPr>
           </a:p>
@@ -2223,11 +2526,12 @@
           </a:prstGeom>
         </p:spPr>
         <p:txBody>
-          <a:bodyPr lIns="0" rIns="0" tIns="0" bIns="0">
+          <a:bodyPr lIns="0" tIns="0" rIns="0" bIns="0">
             <a:normAutofit/>
           </a:bodyPr>
-          <a:p>
-            <a:endParaRPr b="0" lang="pt-BR" sz="3200" spc="-1" strike="noStrike">
+          <a:lstStyle/>
+          <a:p>
+            <a:endParaRPr lang="pt-BR" sz="3200" b="0" strike="noStrike" spc="-1">
               <a:latin typeface="Arial"/>
             </a:endParaRPr>
           </a:p>
@@ -2253,11 +2557,12 @@
           </a:prstGeom>
         </p:spPr>
         <p:txBody>
-          <a:bodyPr lIns="0" rIns="0" tIns="0" bIns="0">
+          <a:bodyPr lIns="0" tIns="0" rIns="0" bIns="0">
             <a:normAutofit/>
           </a:bodyPr>
-          <a:p>
-            <a:endParaRPr b="0" lang="pt-BR" sz="3200" spc="-1" strike="noStrike">
+          <a:lstStyle/>
+          <a:p>
+            <a:endParaRPr lang="pt-BR" sz="3200" b="0" strike="noStrike" spc="-1">
               <a:latin typeface="Arial"/>
             </a:endParaRPr>
           </a:p>
@@ -2283,11 +2588,12 @@
           </a:prstGeom>
         </p:spPr>
         <p:txBody>
-          <a:bodyPr lIns="0" rIns="0" tIns="0" bIns="0">
+          <a:bodyPr lIns="0" tIns="0" rIns="0" bIns="0">
             <a:normAutofit/>
           </a:bodyPr>
-          <a:p>
-            <a:endParaRPr b="0" lang="pt-BR" sz="3200" spc="-1" strike="noStrike">
+          <a:lstStyle/>
+          <a:p>
+            <a:endParaRPr lang="pt-BR" sz="3200" b="0" strike="noStrike" spc="-1">
               <a:latin typeface="Arial"/>
             </a:endParaRPr>
           </a:p>
@@ -2313,11 +2619,12 @@
           </a:prstGeom>
         </p:spPr>
         <p:txBody>
-          <a:bodyPr lIns="0" rIns="0" tIns="0" bIns="0">
+          <a:bodyPr lIns="0" tIns="0" rIns="0" bIns="0">
             <a:normAutofit/>
           </a:bodyPr>
-          <a:p>
-            <a:endParaRPr b="0" lang="pt-BR" sz="3200" spc="-1" strike="noStrike">
+          <a:lstStyle/>
+          <a:p>
+            <a:endParaRPr lang="pt-BR" sz="3200" b="0" strike="noStrike" spc="-1">
               <a:latin typeface="Arial"/>
             </a:endParaRPr>
           </a:p>
@@ -2325,11 +2632,14 @@
       </p:sp>
     </p:spTree>
   </p:cSld>
+  <p:clrMapOvr>
+    <a:masterClrMapping/>
+  </p:clrMapOvr>
 </p:sldLayout>
 </file>
 
 <file path=ppt/slideLayouts/slideLayout24.xml><?xml version="1.0" encoding="utf-8"?>
-<p:sldLayout xmlns:a="http://schemas.openxmlformats.org/drawingml/2006/main" xmlns:p="http://schemas.openxmlformats.org/presentationml/2006/main" xmlns:r="http://schemas.openxmlformats.org/officeDocument/2006/relationships" xmlns:p14="http://schemas.microsoft.com/office/powerpoint/2010/main" xmlns:p15="http://schemas.microsoft.com/office/powerpoint/2012/main" xmlns:mc="http://schemas.openxmlformats.org/markup-compatibility/2006" type="blank" preserve="1">
+<p:sldLayout xmlns:a="http://schemas.openxmlformats.org/drawingml/2006/main" xmlns:r="http://schemas.openxmlformats.org/officeDocument/2006/relationships" xmlns:p="http://schemas.openxmlformats.org/presentationml/2006/main" type="blank" preserve="1">
   <p:cSld name="Title, 6 Content">
     <p:spTree>
       <p:nvGrpSpPr>
@@ -2365,10 +2675,11 @@
           </a:prstGeom>
         </p:spPr>
         <p:txBody>
-          <a:bodyPr lIns="0" rIns="0" tIns="0" bIns="0" anchor="ctr"/>
+          <a:bodyPr lIns="0" tIns="0" rIns="0" bIns="0" anchor="ctr"/>
+          <a:lstStyle/>
           <a:p>
             <a:pPr algn="ctr"/>
-            <a:endParaRPr b="0" lang="pt-BR" sz="4400" spc="-1" strike="noStrike">
+            <a:endParaRPr lang="pt-BR" sz="4400" b="0" strike="noStrike" spc="-1">
               <a:latin typeface="Arial"/>
             </a:endParaRPr>
           </a:p>
@@ -2394,11 +2705,12 @@
           </a:prstGeom>
         </p:spPr>
         <p:txBody>
-          <a:bodyPr lIns="0" rIns="0" tIns="0" bIns="0">
+          <a:bodyPr lIns="0" tIns="0" rIns="0" bIns="0">
             <a:normAutofit/>
           </a:bodyPr>
-          <a:p>
-            <a:endParaRPr b="0" lang="pt-BR" sz="3200" spc="-1" strike="noStrike">
+          <a:lstStyle/>
+          <a:p>
+            <a:endParaRPr lang="pt-BR" sz="3200" b="0" strike="noStrike" spc="-1">
               <a:latin typeface="Arial"/>
             </a:endParaRPr>
           </a:p>
@@ -2424,11 +2736,12 @@
           </a:prstGeom>
         </p:spPr>
         <p:txBody>
-          <a:bodyPr lIns="0" rIns="0" tIns="0" bIns="0">
+          <a:bodyPr lIns="0" tIns="0" rIns="0" bIns="0">
             <a:normAutofit/>
           </a:bodyPr>
-          <a:p>
-            <a:endParaRPr b="0" lang="pt-BR" sz="3200" spc="-1" strike="noStrike">
+          <a:lstStyle/>
+          <a:p>
+            <a:endParaRPr lang="pt-BR" sz="3200" b="0" strike="noStrike" spc="-1">
               <a:latin typeface="Arial"/>
             </a:endParaRPr>
           </a:p>
@@ -2454,11 +2767,12 @@
           </a:prstGeom>
         </p:spPr>
         <p:txBody>
-          <a:bodyPr lIns="0" rIns="0" tIns="0" bIns="0">
+          <a:bodyPr lIns="0" tIns="0" rIns="0" bIns="0">
             <a:normAutofit/>
           </a:bodyPr>
-          <a:p>
-            <a:endParaRPr b="0" lang="pt-BR" sz="3200" spc="-1" strike="noStrike">
+          <a:lstStyle/>
+          <a:p>
+            <a:endParaRPr lang="pt-BR" sz="3200" b="0" strike="noStrike" spc="-1">
               <a:latin typeface="Arial"/>
             </a:endParaRPr>
           </a:p>
@@ -2484,11 +2798,12 @@
           </a:prstGeom>
         </p:spPr>
         <p:txBody>
-          <a:bodyPr lIns="0" rIns="0" tIns="0" bIns="0">
+          <a:bodyPr lIns="0" tIns="0" rIns="0" bIns="0">
             <a:normAutofit/>
           </a:bodyPr>
-          <a:p>
-            <a:endParaRPr b="0" lang="pt-BR" sz="3200" spc="-1" strike="noStrike">
+          <a:lstStyle/>
+          <a:p>
+            <a:endParaRPr lang="pt-BR" sz="3200" b="0" strike="noStrike" spc="-1">
               <a:latin typeface="Arial"/>
             </a:endParaRPr>
           </a:p>
@@ -2514,11 +2829,12 @@
           </a:prstGeom>
         </p:spPr>
         <p:txBody>
-          <a:bodyPr lIns="0" rIns="0" tIns="0" bIns="0">
+          <a:bodyPr lIns="0" tIns="0" rIns="0" bIns="0">
             <a:normAutofit/>
           </a:bodyPr>
-          <a:p>
-            <a:endParaRPr b="0" lang="pt-BR" sz="3200" spc="-1" strike="noStrike">
+          <a:lstStyle/>
+          <a:p>
+            <a:endParaRPr lang="pt-BR" sz="3200" b="0" strike="noStrike" spc="-1">
               <a:latin typeface="Arial"/>
             </a:endParaRPr>
           </a:p>
@@ -2544,11 +2860,12 @@
           </a:prstGeom>
         </p:spPr>
         <p:txBody>
-          <a:bodyPr lIns="0" rIns="0" tIns="0" bIns="0">
+          <a:bodyPr lIns="0" tIns="0" rIns="0" bIns="0">
             <a:normAutofit/>
           </a:bodyPr>
-          <a:p>
-            <a:endParaRPr b="0" lang="pt-BR" sz="3200" spc="-1" strike="noStrike">
+          <a:lstStyle/>
+          <a:p>
+            <a:endParaRPr lang="pt-BR" sz="3200" b="0" strike="noStrike" spc="-1">
               <a:latin typeface="Arial"/>
             </a:endParaRPr>
           </a:p>
@@ -2556,11 +2873,14 @@
       </p:sp>
     </p:spTree>
   </p:cSld>
+  <p:clrMapOvr>
+    <a:masterClrMapping/>
+  </p:clrMapOvr>
 </p:sldLayout>
 </file>
 
 <file path=ppt/slideLayouts/slideLayout3.xml><?xml version="1.0" encoding="utf-8"?>
-<p:sldLayout xmlns:a="http://schemas.openxmlformats.org/drawingml/2006/main" xmlns:p="http://schemas.openxmlformats.org/presentationml/2006/main" xmlns:r="http://schemas.openxmlformats.org/officeDocument/2006/relationships" xmlns:p14="http://schemas.microsoft.com/office/powerpoint/2010/main" xmlns:p15="http://schemas.microsoft.com/office/powerpoint/2012/main" xmlns:mc="http://schemas.openxmlformats.org/markup-compatibility/2006" type="obj" preserve="1">
+<p:sldLayout xmlns:a="http://schemas.openxmlformats.org/drawingml/2006/main" xmlns:r="http://schemas.openxmlformats.org/officeDocument/2006/relationships" xmlns:p="http://schemas.openxmlformats.org/presentationml/2006/main" type="obj" preserve="1">
   <p:cSld name="Title, Content">
     <p:spTree>
       <p:nvGrpSpPr>
@@ -2596,10 +2916,11 @@
           </a:prstGeom>
         </p:spPr>
         <p:txBody>
-          <a:bodyPr lIns="0" rIns="0" tIns="0" bIns="0" anchor="ctr"/>
+          <a:bodyPr lIns="0" tIns="0" rIns="0" bIns="0" anchor="ctr"/>
+          <a:lstStyle/>
           <a:p>
             <a:pPr algn="ctr"/>
-            <a:endParaRPr b="0" lang="pt-BR" sz="4400" spc="-1" strike="noStrike">
+            <a:endParaRPr lang="pt-BR" sz="4400" b="0" strike="noStrike" spc="-1">
               <a:latin typeface="Arial"/>
             </a:endParaRPr>
           </a:p>
@@ -2625,11 +2946,12 @@
           </a:prstGeom>
         </p:spPr>
         <p:txBody>
-          <a:bodyPr lIns="0" rIns="0" tIns="0" bIns="0">
+          <a:bodyPr lIns="0" tIns="0" rIns="0" bIns="0">
             <a:normAutofit/>
           </a:bodyPr>
-          <a:p>
-            <a:endParaRPr b="0" lang="pt-BR" sz="3200" spc="-1" strike="noStrike">
+          <a:lstStyle/>
+          <a:p>
+            <a:endParaRPr lang="pt-BR" sz="3200" b="0" strike="noStrike" spc="-1">
               <a:latin typeface="Arial"/>
             </a:endParaRPr>
           </a:p>
@@ -2637,11 +2959,14 @@
       </p:sp>
     </p:spTree>
   </p:cSld>
+  <p:clrMapOvr>
+    <a:masterClrMapping/>
+  </p:clrMapOvr>
 </p:sldLayout>
 </file>
 
 <file path=ppt/slideLayouts/slideLayout4.xml><?xml version="1.0" encoding="utf-8"?>
-<p:sldLayout xmlns:a="http://schemas.openxmlformats.org/drawingml/2006/main" xmlns:p="http://schemas.openxmlformats.org/presentationml/2006/main" xmlns:r="http://schemas.openxmlformats.org/officeDocument/2006/relationships" xmlns:p14="http://schemas.microsoft.com/office/powerpoint/2010/main" xmlns:p15="http://schemas.microsoft.com/office/powerpoint/2012/main" xmlns:mc="http://schemas.openxmlformats.org/markup-compatibility/2006" type="twoObj" preserve="1">
+<p:sldLayout xmlns:a="http://schemas.openxmlformats.org/drawingml/2006/main" xmlns:r="http://schemas.openxmlformats.org/officeDocument/2006/relationships" xmlns:p="http://schemas.openxmlformats.org/presentationml/2006/main" type="twoObj" preserve="1">
   <p:cSld name="Title, 2 Content">
     <p:spTree>
       <p:nvGrpSpPr>
@@ -2677,10 +3002,11 @@
           </a:prstGeom>
         </p:spPr>
         <p:txBody>
-          <a:bodyPr lIns="0" rIns="0" tIns="0" bIns="0" anchor="ctr"/>
+          <a:bodyPr lIns="0" tIns="0" rIns="0" bIns="0" anchor="ctr"/>
+          <a:lstStyle/>
           <a:p>
             <a:pPr algn="ctr"/>
-            <a:endParaRPr b="0" lang="pt-BR" sz="4400" spc="-1" strike="noStrike">
+            <a:endParaRPr lang="pt-BR" sz="4400" b="0" strike="noStrike" spc="-1">
               <a:latin typeface="Arial"/>
             </a:endParaRPr>
           </a:p>
@@ -2706,11 +3032,12 @@
           </a:prstGeom>
         </p:spPr>
         <p:txBody>
-          <a:bodyPr lIns="0" rIns="0" tIns="0" bIns="0">
+          <a:bodyPr lIns="0" tIns="0" rIns="0" bIns="0">
             <a:normAutofit/>
           </a:bodyPr>
-          <a:p>
-            <a:endParaRPr b="0" lang="pt-BR" sz="3200" spc="-1" strike="noStrike">
+          <a:lstStyle/>
+          <a:p>
+            <a:endParaRPr lang="pt-BR" sz="3200" b="0" strike="noStrike" spc="-1">
               <a:latin typeface="Arial"/>
             </a:endParaRPr>
           </a:p>
@@ -2736,11 +3063,12 @@
           </a:prstGeom>
         </p:spPr>
         <p:txBody>
-          <a:bodyPr lIns="0" rIns="0" tIns="0" bIns="0">
+          <a:bodyPr lIns="0" tIns="0" rIns="0" bIns="0">
             <a:normAutofit/>
           </a:bodyPr>
-          <a:p>
-            <a:endParaRPr b="0" lang="pt-BR" sz="3200" spc="-1" strike="noStrike">
+          <a:lstStyle/>
+          <a:p>
+            <a:endParaRPr lang="pt-BR" sz="3200" b="0" strike="noStrike" spc="-1">
               <a:latin typeface="Arial"/>
             </a:endParaRPr>
           </a:p>
@@ -2748,11 +3076,14 @@
       </p:sp>
     </p:spTree>
   </p:cSld>
+  <p:clrMapOvr>
+    <a:masterClrMapping/>
+  </p:clrMapOvr>
 </p:sldLayout>
 </file>
 
 <file path=ppt/slideLayouts/slideLayout5.xml><?xml version="1.0" encoding="utf-8"?>
-<p:sldLayout xmlns:a="http://schemas.openxmlformats.org/drawingml/2006/main" xmlns:p="http://schemas.openxmlformats.org/presentationml/2006/main" xmlns:r="http://schemas.openxmlformats.org/officeDocument/2006/relationships" xmlns:p14="http://schemas.microsoft.com/office/powerpoint/2010/main" xmlns:p15="http://schemas.microsoft.com/office/powerpoint/2012/main" xmlns:mc="http://schemas.openxmlformats.org/markup-compatibility/2006" type="titleOnly" preserve="1">
+<p:sldLayout xmlns:a="http://schemas.openxmlformats.org/drawingml/2006/main" xmlns:r="http://schemas.openxmlformats.org/officeDocument/2006/relationships" xmlns:p="http://schemas.openxmlformats.org/presentationml/2006/main" type="titleOnly" preserve="1">
   <p:cSld name="Title Only">
     <p:spTree>
       <p:nvGrpSpPr>
@@ -2788,10 +3119,11 @@
           </a:prstGeom>
         </p:spPr>
         <p:txBody>
-          <a:bodyPr lIns="0" rIns="0" tIns="0" bIns="0" anchor="ctr"/>
+          <a:bodyPr lIns="0" tIns="0" rIns="0" bIns="0" anchor="ctr"/>
+          <a:lstStyle/>
           <a:p>
             <a:pPr algn="ctr"/>
-            <a:endParaRPr b="0" lang="pt-BR" sz="4400" spc="-1" strike="noStrike">
+            <a:endParaRPr lang="pt-BR" sz="4400" b="0" strike="noStrike" spc="-1">
               <a:latin typeface="Arial"/>
             </a:endParaRPr>
           </a:p>
@@ -2799,11 +3131,14 @@
       </p:sp>
     </p:spTree>
   </p:cSld>
+  <p:clrMapOvr>
+    <a:masterClrMapping/>
+  </p:clrMapOvr>
 </p:sldLayout>
 </file>
 
 <file path=ppt/slideLayouts/slideLayout6.xml><?xml version="1.0" encoding="utf-8"?>
-<p:sldLayout xmlns:a="http://schemas.openxmlformats.org/drawingml/2006/main" xmlns:p="http://schemas.openxmlformats.org/presentationml/2006/main" xmlns:r="http://schemas.openxmlformats.org/officeDocument/2006/relationships" xmlns:p14="http://schemas.microsoft.com/office/powerpoint/2010/main" xmlns:p15="http://schemas.microsoft.com/office/powerpoint/2012/main" xmlns:mc="http://schemas.openxmlformats.org/markup-compatibility/2006" type="objOnly" preserve="1">
+<p:sldLayout xmlns:a="http://schemas.openxmlformats.org/drawingml/2006/main" xmlns:r="http://schemas.openxmlformats.org/officeDocument/2006/relationships" xmlns:p="http://schemas.openxmlformats.org/presentationml/2006/main" type="objOnly" preserve="1">
   <p:cSld name="Centered Text">
     <p:spTree>
       <p:nvGrpSpPr>
@@ -2839,10 +3174,11 @@
           </a:prstGeom>
         </p:spPr>
         <p:txBody>
-          <a:bodyPr lIns="0" rIns="0" tIns="0" bIns="0" anchor="ctr"/>
+          <a:bodyPr lIns="0" tIns="0" rIns="0" bIns="0" anchor="ctr"/>
+          <a:lstStyle/>
           <a:p>
             <a:pPr algn="ctr"/>
-            <a:endParaRPr b="0" lang="pt-BR" sz="3200" spc="-1" strike="noStrike">
+            <a:endParaRPr lang="pt-BR" sz="3200" b="0" strike="noStrike" spc="-1">
               <a:latin typeface="Arial"/>
             </a:endParaRPr>
           </a:p>
@@ -2850,11 +3186,14 @@
       </p:sp>
     </p:spTree>
   </p:cSld>
+  <p:clrMapOvr>
+    <a:masterClrMapping/>
+  </p:clrMapOvr>
 </p:sldLayout>
 </file>
 
 <file path=ppt/slideLayouts/slideLayout7.xml><?xml version="1.0" encoding="utf-8"?>
-<p:sldLayout xmlns:a="http://schemas.openxmlformats.org/drawingml/2006/main" xmlns:p="http://schemas.openxmlformats.org/presentationml/2006/main" xmlns:r="http://schemas.openxmlformats.org/officeDocument/2006/relationships" xmlns:p14="http://schemas.microsoft.com/office/powerpoint/2010/main" xmlns:p15="http://schemas.microsoft.com/office/powerpoint/2012/main" xmlns:mc="http://schemas.openxmlformats.org/markup-compatibility/2006" type="twoObjAndObj" preserve="1">
+<p:sldLayout xmlns:a="http://schemas.openxmlformats.org/drawingml/2006/main" xmlns:r="http://schemas.openxmlformats.org/officeDocument/2006/relationships" xmlns:p="http://schemas.openxmlformats.org/presentationml/2006/main" type="twoObjAndObj" preserve="1">
   <p:cSld name="Title, 2 Content and Content">
     <p:spTree>
       <p:nvGrpSpPr>
@@ -2890,10 +3229,11 @@
           </a:prstGeom>
         </p:spPr>
         <p:txBody>
-          <a:bodyPr lIns="0" rIns="0" tIns="0" bIns="0" anchor="ctr"/>
+          <a:bodyPr lIns="0" tIns="0" rIns="0" bIns="0" anchor="ctr"/>
+          <a:lstStyle/>
           <a:p>
             <a:pPr algn="ctr"/>
-            <a:endParaRPr b="0" lang="pt-BR" sz="4400" spc="-1" strike="noStrike">
+            <a:endParaRPr lang="pt-BR" sz="4400" b="0" strike="noStrike" spc="-1">
               <a:latin typeface="Arial"/>
             </a:endParaRPr>
           </a:p>
@@ -2919,11 +3259,12 @@
           </a:prstGeom>
         </p:spPr>
         <p:txBody>
-          <a:bodyPr lIns="0" rIns="0" tIns="0" bIns="0">
+          <a:bodyPr lIns="0" tIns="0" rIns="0" bIns="0">
             <a:normAutofit/>
           </a:bodyPr>
-          <a:p>
-            <a:endParaRPr b="0" lang="pt-BR" sz="3200" spc="-1" strike="noStrike">
+          <a:lstStyle/>
+          <a:p>
+            <a:endParaRPr lang="pt-BR" sz="3200" b="0" strike="noStrike" spc="-1">
               <a:latin typeface="Arial"/>
             </a:endParaRPr>
           </a:p>
@@ -2949,11 +3290,12 @@
           </a:prstGeom>
         </p:spPr>
         <p:txBody>
-          <a:bodyPr lIns="0" rIns="0" tIns="0" bIns="0">
+          <a:bodyPr lIns="0" tIns="0" rIns="0" bIns="0">
             <a:normAutofit/>
           </a:bodyPr>
-          <a:p>
-            <a:endParaRPr b="0" lang="pt-BR" sz="3200" spc="-1" strike="noStrike">
+          <a:lstStyle/>
+          <a:p>
+            <a:endParaRPr lang="pt-BR" sz="3200" b="0" strike="noStrike" spc="-1">
               <a:latin typeface="Arial"/>
             </a:endParaRPr>
           </a:p>
@@ -2979,11 +3321,12 @@
           </a:prstGeom>
         </p:spPr>
         <p:txBody>
-          <a:bodyPr lIns="0" rIns="0" tIns="0" bIns="0">
+          <a:bodyPr lIns="0" tIns="0" rIns="0" bIns="0">
             <a:normAutofit/>
           </a:bodyPr>
-          <a:p>
-            <a:endParaRPr b="0" lang="pt-BR" sz="3200" spc="-1" strike="noStrike">
+          <a:lstStyle/>
+          <a:p>
+            <a:endParaRPr lang="pt-BR" sz="3200" b="0" strike="noStrike" spc="-1">
               <a:latin typeface="Arial"/>
             </a:endParaRPr>
           </a:p>
@@ -2991,11 +3334,14 @@
       </p:sp>
     </p:spTree>
   </p:cSld>
+  <p:clrMapOvr>
+    <a:masterClrMapping/>
+  </p:clrMapOvr>
 </p:sldLayout>
 </file>
 
 <file path=ppt/slideLayouts/slideLayout8.xml><?xml version="1.0" encoding="utf-8"?>
-<p:sldLayout xmlns:a="http://schemas.openxmlformats.org/drawingml/2006/main" xmlns:p="http://schemas.openxmlformats.org/presentationml/2006/main" xmlns:r="http://schemas.openxmlformats.org/officeDocument/2006/relationships" xmlns:p14="http://schemas.microsoft.com/office/powerpoint/2010/main" xmlns:p15="http://schemas.microsoft.com/office/powerpoint/2012/main" xmlns:mc="http://schemas.openxmlformats.org/markup-compatibility/2006" type="objAndTwoObj" preserve="1">
+<p:sldLayout xmlns:a="http://schemas.openxmlformats.org/drawingml/2006/main" xmlns:r="http://schemas.openxmlformats.org/officeDocument/2006/relationships" xmlns:p="http://schemas.openxmlformats.org/presentationml/2006/main" type="objAndTwoObj" preserve="1">
   <p:cSld name="Title Content and 2 Content">
     <p:spTree>
       <p:nvGrpSpPr>
@@ -3031,10 +3377,11 @@
           </a:prstGeom>
         </p:spPr>
         <p:txBody>
-          <a:bodyPr lIns="0" rIns="0" tIns="0" bIns="0" anchor="ctr"/>
+          <a:bodyPr lIns="0" tIns="0" rIns="0" bIns="0" anchor="ctr"/>
+          <a:lstStyle/>
           <a:p>
             <a:pPr algn="ctr"/>
-            <a:endParaRPr b="0" lang="pt-BR" sz="4400" spc="-1" strike="noStrike">
+            <a:endParaRPr lang="pt-BR" sz="4400" b="0" strike="noStrike" spc="-1">
               <a:latin typeface="Arial"/>
             </a:endParaRPr>
           </a:p>
@@ -3060,11 +3407,12 @@
           </a:prstGeom>
         </p:spPr>
         <p:txBody>
-          <a:bodyPr lIns="0" rIns="0" tIns="0" bIns="0">
+          <a:bodyPr lIns="0" tIns="0" rIns="0" bIns="0">
             <a:normAutofit/>
           </a:bodyPr>
-          <a:p>
-            <a:endParaRPr b="0" lang="pt-BR" sz="3200" spc="-1" strike="noStrike">
+          <a:lstStyle/>
+          <a:p>
+            <a:endParaRPr lang="pt-BR" sz="3200" b="0" strike="noStrike" spc="-1">
               <a:latin typeface="Arial"/>
             </a:endParaRPr>
           </a:p>
@@ -3090,11 +3438,12 @@
           </a:prstGeom>
         </p:spPr>
         <p:txBody>
-          <a:bodyPr lIns="0" rIns="0" tIns="0" bIns="0">
+          <a:bodyPr lIns="0" tIns="0" rIns="0" bIns="0">
             <a:normAutofit/>
           </a:bodyPr>
-          <a:p>
-            <a:endParaRPr b="0" lang="pt-BR" sz="3200" spc="-1" strike="noStrike">
+          <a:lstStyle/>
+          <a:p>
+            <a:endParaRPr lang="pt-BR" sz="3200" b="0" strike="noStrike" spc="-1">
               <a:latin typeface="Arial"/>
             </a:endParaRPr>
           </a:p>
@@ -3120,11 +3469,12 @@
           </a:prstGeom>
         </p:spPr>
         <p:txBody>
-          <a:bodyPr lIns="0" rIns="0" tIns="0" bIns="0">
+          <a:bodyPr lIns="0" tIns="0" rIns="0" bIns="0">
             <a:normAutofit/>
           </a:bodyPr>
-          <a:p>
-            <a:endParaRPr b="0" lang="pt-BR" sz="3200" spc="-1" strike="noStrike">
+          <a:lstStyle/>
+          <a:p>
+            <a:endParaRPr lang="pt-BR" sz="3200" b="0" strike="noStrike" spc="-1">
               <a:latin typeface="Arial"/>
             </a:endParaRPr>
           </a:p>
@@ -3132,11 +3482,14 @@
       </p:sp>
     </p:spTree>
   </p:cSld>
+  <p:clrMapOvr>
+    <a:masterClrMapping/>
+  </p:clrMapOvr>
 </p:sldLayout>
 </file>
 
 <file path=ppt/slideLayouts/slideLayout9.xml><?xml version="1.0" encoding="utf-8"?>
-<p:sldLayout xmlns:a="http://schemas.openxmlformats.org/drawingml/2006/main" xmlns:p="http://schemas.openxmlformats.org/presentationml/2006/main" xmlns:r="http://schemas.openxmlformats.org/officeDocument/2006/relationships" xmlns:p14="http://schemas.microsoft.com/office/powerpoint/2010/main" xmlns:p15="http://schemas.microsoft.com/office/powerpoint/2012/main" xmlns:mc="http://schemas.openxmlformats.org/markup-compatibility/2006" type="twoObjOverTx" preserve="1">
+<p:sldLayout xmlns:a="http://schemas.openxmlformats.org/drawingml/2006/main" xmlns:r="http://schemas.openxmlformats.org/officeDocument/2006/relationships" xmlns:p="http://schemas.openxmlformats.org/presentationml/2006/main" type="twoObjOverTx" preserve="1">
   <p:cSld name="Title, 2 Content over Content">
     <p:spTree>
       <p:nvGrpSpPr>
@@ -3172,10 +3525,11 @@
           </a:prstGeom>
         </p:spPr>
         <p:txBody>
-          <a:bodyPr lIns="0" rIns="0" tIns="0" bIns="0" anchor="ctr"/>
+          <a:bodyPr lIns="0" tIns="0" rIns="0" bIns="0" anchor="ctr"/>
+          <a:lstStyle/>
           <a:p>
             <a:pPr algn="ctr"/>
-            <a:endParaRPr b="0" lang="pt-BR" sz="4400" spc="-1" strike="noStrike">
+            <a:endParaRPr lang="pt-BR" sz="4400" b="0" strike="noStrike" spc="-1">
               <a:latin typeface="Arial"/>
             </a:endParaRPr>
           </a:p>
@@ -3201,11 +3555,12 @@
           </a:prstGeom>
         </p:spPr>
         <p:txBody>
-          <a:bodyPr lIns="0" rIns="0" tIns="0" bIns="0">
+          <a:bodyPr lIns="0" tIns="0" rIns="0" bIns="0">
             <a:normAutofit/>
           </a:bodyPr>
-          <a:p>
-            <a:endParaRPr b="0" lang="pt-BR" sz="3200" spc="-1" strike="noStrike">
+          <a:lstStyle/>
+          <a:p>
+            <a:endParaRPr lang="pt-BR" sz="3200" b="0" strike="noStrike" spc="-1">
               <a:latin typeface="Arial"/>
             </a:endParaRPr>
           </a:p>
@@ -3231,11 +3586,12 @@
           </a:prstGeom>
         </p:spPr>
         <p:txBody>
-          <a:bodyPr lIns="0" rIns="0" tIns="0" bIns="0">
+          <a:bodyPr lIns="0" tIns="0" rIns="0" bIns="0">
             <a:normAutofit/>
           </a:bodyPr>
-          <a:p>
-            <a:endParaRPr b="0" lang="pt-BR" sz="3200" spc="-1" strike="noStrike">
+          <a:lstStyle/>
+          <a:p>
+            <a:endParaRPr lang="pt-BR" sz="3200" b="0" strike="noStrike" spc="-1">
               <a:latin typeface="Arial"/>
             </a:endParaRPr>
           </a:p>
@@ -3261,11 +3617,12 @@
           </a:prstGeom>
         </p:spPr>
         <p:txBody>
-          <a:bodyPr lIns="0" rIns="0" tIns="0" bIns="0">
+          <a:bodyPr lIns="0" tIns="0" rIns="0" bIns="0">
             <a:normAutofit/>
           </a:bodyPr>
-          <a:p>
-            <a:endParaRPr b="0" lang="pt-BR" sz="3200" spc="-1" strike="noStrike">
+          <a:lstStyle/>
+          <a:p>
+            <a:endParaRPr lang="pt-BR" sz="3200" b="0" strike="noStrike" spc="-1">
               <a:latin typeface="Arial"/>
             </a:endParaRPr>
           </a:p>
@@ -3273,17 +3630,21 @@
       </p:sp>
     </p:spTree>
   </p:cSld>
+  <p:clrMapOvr>
+    <a:masterClrMapping/>
+  </p:clrMapOvr>
 </p:sldLayout>
 </file>
 
 <file path=ppt/slideMasters/slideMaster1.xml><?xml version="1.0" encoding="utf-8"?>
-<p:sldMaster xmlns:a="http://schemas.openxmlformats.org/drawingml/2006/main" xmlns:p="http://schemas.openxmlformats.org/presentationml/2006/main" xmlns:r="http://schemas.openxmlformats.org/officeDocument/2006/relationships" xmlns:p14="http://schemas.microsoft.com/office/powerpoint/2010/main" xmlns:p15="http://schemas.microsoft.com/office/powerpoint/2012/main" xmlns:mc="http://schemas.openxmlformats.org/markup-compatibility/2006">
+<p:sldMaster xmlns:a="http://schemas.openxmlformats.org/drawingml/2006/main" xmlns:r="http://schemas.openxmlformats.org/officeDocument/2006/relationships" xmlns:p="http://schemas.openxmlformats.org/presentationml/2006/main">
   <p:cSld>
     <p:bg>
       <p:bgPr>
         <a:solidFill>
-          <a:srgbClr val="ffffff"/>
+          <a:srgbClr val="FFFFFF"/>
         </a:solidFill>
+        <a:effectLst/>
       </p:bgPr>
     </p:bg>
     <p:spTree>
@@ -3302,7 +3663,7 @@
       </p:grpSpPr>
       <p:sp>
         <p:nvSpPr>
-          <p:cNvPr id="0" name="CustomShape 1"/>
+          <p:cNvPr id="9" name="CustomShape 1"/>
           <p:cNvSpPr/>
           <p:nvPr/>
         </p:nvSpPr>
@@ -3321,7 +3682,7 @@
             <a:noFill/>
           </a:ln>
           <a:effectLst>
-            <a:outerShdw blurRad="38100" dir="5400000" dist="25400" rotWithShape="0">
+            <a:outerShdw blurRad="38100" dist="25400" dir="5400000" rotWithShape="0">
               <a:srgbClr val="000000">
                 <a:alpha val="55000"/>
               </a:srgbClr>
@@ -3343,7 +3704,7 @@
       </p:sp>
       <p:sp>
         <p:nvSpPr>
-          <p:cNvPr id="1" name="CustomShape 2"/>
+          <p:cNvPr id="10" name="CustomShape 2"/>
           <p:cNvSpPr/>
           <p:nvPr/>
         </p:nvSpPr>
@@ -3362,7 +3723,7 @@
             <a:noFill/>
           </a:ln>
           <a:effectLst>
-            <a:outerShdw blurRad="38100" dir="5400000" dist="25400" rotWithShape="0">
+            <a:outerShdw blurRad="38100" dist="25400" dir="5400000" rotWithShape="0">
               <a:srgbClr val="000000">
                 <a:alpha val="55000"/>
               </a:srgbClr>
@@ -3403,7 +3764,7 @@
             <a:noFill/>
           </a:ln>
           <a:effectLst>
-            <a:outerShdw blurRad="38100" dir="5400000" dist="25400" rotWithShape="0">
+            <a:outerShdw blurRad="38100" dist="25400" dir="5400000" rotWithShape="0">
               <a:srgbClr val="000000">
                 <a:alpha val="55000"/>
               </a:srgbClr>
@@ -3438,7 +3799,7 @@
             <a:avLst/>
           </a:prstGeom>
           <a:solidFill>
-            <a:srgbClr val="24cf39"/>
+            <a:srgbClr val="24CF39"/>
           </a:solidFill>
           <a:ln>
             <a:noFill/>
@@ -3480,7 +3841,7 @@
             <a:noFill/>
           </a:ln>
           <a:effectLst>
-            <a:outerShdw blurRad="38100" dir="5400000" dist="25400" rotWithShape="0">
+            <a:outerShdw blurRad="38100" dist="25400" dir="5400000" rotWithShape="0">
               <a:srgbClr val="000000">
                 <a:alpha val="55000"/>
               </a:srgbClr>
@@ -3502,12 +3863,12 @@
       </p:sp>
       <p:pic>
         <p:nvPicPr>
-          <p:cNvPr id="5" name="Picture 7" descr=""/>
+          <p:cNvPr id="5" name="Picture 7"/>
           <p:cNvPicPr/>
           <p:nvPr/>
         </p:nvPicPr>
         <p:blipFill>
-          <a:blip r:embed="rId2"/>
+          <a:blip r:embed="rId14"/>
           <a:stretch/>
         </p:blipFill>
         <p:spPr>
@@ -3538,7 +3899,7 @@
             <a:avLst/>
           </a:prstGeom>
           <a:solidFill>
-            <a:srgbClr val="24cf39"/>
+            <a:srgbClr val="24CF39"/>
           </a:solidFill>
           <a:ln>
             <a:noFill/>
@@ -3579,17 +3940,15 @@
           </a:prstGeom>
         </p:spPr>
         <p:txBody>
-          <a:bodyPr lIns="0" rIns="0" tIns="0" bIns="0" anchor="ctr"/>
-          <a:p>
-            <a:r>
-              <a:rPr b="0" lang="pt-BR" sz="1800" spc="-1" strike="noStrike">
+          <a:bodyPr lIns="0" tIns="0" rIns="0" bIns="0" anchor="ctr"/>
+          <a:lstStyle/>
+          <a:p>
+            <a:r>
+              <a:rPr lang="pt-BR" sz="1800" b="0" strike="noStrike" spc="-1">
                 <a:latin typeface="Arial"/>
               </a:rPr>
               <a:t>Clique para editar o formato do texto do título</a:t>
             </a:r>
-            <a:endParaRPr b="0" lang="pt-BR" sz="1800" spc="-1" strike="noStrike">
-              <a:latin typeface="Arial"/>
-            </a:endParaRPr>
           </a:p>
         </p:txBody>
       </p:sp>
@@ -3613,9 +3972,10 @@
           </a:prstGeom>
         </p:spPr>
         <p:txBody>
-          <a:bodyPr lIns="0" rIns="0" tIns="0" bIns="0">
+          <a:bodyPr lIns="0" tIns="0" rIns="0" bIns="0">
             <a:normAutofit/>
           </a:bodyPr>
+          <a:lstStyle/>
           <a:p>
             <a:pPr marL="432000" indent="-324000">
               <a:spcBef>
@@ -3629,17 +3989,14 @@
               <a:buChar char=""/>
             </a:pPr>
             <a:r>
-              <a:rPr b="0" lang="pt-BR" sz="3200" spc="-1" strike="noStrike">
+              <a:rPr lang="pt-BR" sz="3200" b="0" strike="noStrike" spc="-1">
                 <a:latin typeface="Arial"/>
               </a:rPr>
               <a:t>Clique para editar o formato do texto da estrutura de tópicos</a:t>
             </a:r>
-            <a:endParaRPr b="0" lang="pt-BR" sz="3200" spc="-1" strike="noStrike">
-              <a:latin typeface="Arial"/>
-            </a:endParaRPr>
-          </a:p>
-          <a:p>
-            <a:pPr lvl="1" marL="864000" indent="-324000">
+          </a:p>
+          <a:p>
+            <a:pPr marL="864000" lvl="1" indent="-324000">
               <a:spcBef>
                 <a:spcPts val="1134"/>
               </a:spcBef>
@@ -3651,17 +4008,14 @@
               <a:buChar char=""/>
             </a:pPr>
             <a:r>
-              <a:rPr b="0" lang="pt-BR" sz="2800" spc="-1" strike="noStrike">
+              <a:rPr lang="pt-BR" sz="2800" b="0" strike="noStrike" spc="-1">
                 <a:latin typeface="Arial"/>
               </a:rPr>
               <a:t>2.º nível da estrutura de tópicos</a:t>
             </a:r>
-            <a:endParaRPr b="0" lang="pt-BR" sz="2800" spc="-1" strike="noStrike">
-              <a:latin typeface="Arial"/>
-            </a:endParaRPr>
-          </a:p>
-          <a:p>
-            <a:pPr lvl="2" marL="1296000" indent="-288000">
+          </a:p>
+          <a:p>
+            <a:pPr marL="1296000" lvl="2" indent="-288000">
               <a:spcBef>
                 <a:spcPts val="850"/>
               </a:spcBef>
@@ -3673,17 +4027,14 @@
               <a:buChar char=""/>
             </a:pPr>
             <a:r>
-              <a:rPr b="0" lang="pt-BR" sz="2400" spc="-1" strike="noStrike">
+              <a:rPr lang="pt-BR" sz="2400" b="0" strike="noStrike" spc="-1">
                 <a:latin typeface="Arial"/>
               </a:rPr>
               <a:t>3.º nível da estrutura de tópicos</a:t>
             </a:r>
-            <a:endParaRPr b="0" lang="pt-BR" sz="2400" spc="-1" strike="noStrike">
-              <a:latin typeface="Arial"/>
-            </a:endParaRPr>
-          </a:p>
-          <a:p>
-            <a:pPr lvl="3" marL="1728000" indent="-216000">
+          </a:p>
+          <a:p>
+            <a:pPr marL="1728000" lvl="3" indent="-216000">
               <a:spcBef>
                 <a:spcPts val="567"/>
               </a:spcBef>
@@ -3695,17 +4046,14 @@
               <a:buChar char=""/>
             </a:pPr>
             <a:r>
-              <a:rPr b="0" lang="pt-BR" sz="2000" spc="-1" strike="noStrike">
+              <a:rPr lang="pt-BR" sz="2000" b="0" strike="noStrike" spc="-1">
                 <a:latin typeface="Arial"/>
               </a:rPr>
               <a:t>4.º nível da estrutura de tópicos</a:t>
             </a:r>
-            <a:endParaRPr b="0" lang="pt-BR" sz="2000" spc="-1" strike="noStrike">
-              <a:latin typeface="Arial"/>
-            </a:endParaRPr>
-          </a:p>
-          <a:p>
-            <a:pPr lvl="4" marL="2160000" indent="-216000">
+          </a:p>
+          <a:p>
+            <a:pPr marL="2160000" lvl="4" indent="-216000">
               <a:spcBef>
                 <a:spcPts val="283"/>
               </a:spcBef>
@@ -3717,17 +4065,14 @@
               <a:buChar char=""/>
             </a:pPr>
             <a:r>
-              <a:rPr b="0" lang="pt-BR" sz="2000" spc="-1" strike="noStrike">
+              <a:rPr lang="pt-BR" sz="2000" b="0" strike="noStrike" spc="-1">
                 <a:latin typeface="Arial"/>
               </a:rPr>
               <a:t>5.º nível da estrutura de tópicos</a:t>
             </a:r>
-            <a:endParaRPr b="0" lang="pt-BR" sz="2000" spc="-1" strike="noStrike">
-              <a:latin typeface="Arial"/>
-            </a:endParaRPr>
-          </a:p>
-          <a:p>
-            <a:pPr lvl="5" marL="2592000" indent="-216000">
+          </a:p>
+          <a:p>
+            <a:pPr marL="2592000" lvl="5" indent="-216000">
               <a:spcBef>
                 <a:spcPts val="283"/>
               </a:spcBef>
@@ -3739,17 +4084,14 @@
               <a:buChar char=""/>
             </a:pPr>
             <a:r>
-              <a:rPr b="0" lang="pt-BR" sz="2000" spc="-1" strike="noStrike">
+              <a:rPr lang="pt-BR" sz="2000" b="0" strike="noStrike" spc="-1">
                 <a:latin typeface="Arial"/>
               </a:rPr>
               <a:t>6.º nível da estrutura de tópicos</a:t>
             </a:r>
-            <a:endParaRPr b="0" lang="pt-BR" sz="2000" spc="-1" strike="noStrike">
-              <a:latin typeface="Arial"/>
-            </a:endParaRPr>
-          </a:p>
-          <a:p>
-            <a:pPr lvl="6" marL="3024000" indent="-216000">
+          </a:p>
+          <a:p>
+            <a:pPr marL="3024000" lvl="6" indent="-216000">
               <a:spcBef>
                 <a:spcPts val="283"/>
               </a:spcBef>
@@ -3761,45 +4103,323 @@
               <a:buChar char=""/>
             </a:pPr>
             <a:r>
-              <a:rPr b="0" lang="pt-BR" sz="2000" spc="-1" strike="noStrike">
+              <a:rPr lang="pt-BR" sz="2000" b="0" strike="noStrike" spc="-1">
                 <a:latin typeface="Arial"/>
               </a:rPr>
               <a:t>7.º nível da estrutura de tópicos</a:t>
             </a:r>
-            <a:endParaRPr b="0" lang="pt-BR" sz="2000" spc="-1" strike="noStrike">
-              <a:latin typeface="Arial"/>
-            </a:endParaRPr>
           </a:p>
         </p:txBody>
       </p:sp>
     </p:spTree>
   </p:cSld>
-  <p:clrMap bg1="lt1" bg2="lt2" tx1="dk1" tx2="dk2" accent1="accent1" accent2="accent2" accent3="accent3" accent4="accent4" accent5="accent5" accent6="accent6" hlink="hlink" folHlink="folHlink"/>
+  <p:clrMap bg1="lt1" tx1="dk1" bg2="lt2" tx2="dk2" accent1="accent1" accent2="accent2" accent3="accent3" accent4="accent4" accent5="accent5" accent6="accent6" hlink="hlink" folHlink="folHlink"/>
   <p:sldLayoutIdLst>
-    <p:sldLayoutId id="2147483649" r:id="rId3"/>
-    <p:sldLayoutId id="2147483650" r:id="rId4"/>
-    <p:sldLayoutId id="2147483651" r:id="rId5"/>
-    <p:sldLayoutId id="2147483652" r:id="rId6"/>
-    <p:sldLayoutId id="2147483653" r:id="rId7"/>
-    <p:sldLayoutId id="2147483654" r:id="rId8"/>
-    <p:sldLayoutId id="2147483655" r:id="rId9"/>
-    <p:sldLayoutId id="2147483656" r:id="rId10"/>
-    <p:sldLayoutId id="2147483657" r:id="rId11"/>
-    <p:sldLayoutId id="2147483658" r:id="rId12"/>
-    <p:sldLayoutId id="2147483659" r:id="rId13"/>
-    <p:sldLayoutId id="2147483660" r:id="rId14"/>
+    <p:sldLayoutId id="2147483649" r:id="rId1"/>
+    <p:sldLayoutId id="2147483650" r:id="rId2"/>
+    <p:sldLayoutId id="2147483651" r:id="rId3"/>
+    <p:sldLayoutId id="2147483652" r:id="rId4"/>
+    <p:sldLayoutId id="2147483653" r:id="rId5"/>
+    <p:sldLayoutId id="2147483654" r:id="rId6"/>
+    <p:sldLayoutId id="2147483655" r:id="rId7"/>
+    <p:sldLayoutId id="2147483656" r:id="rId8"/>
+    <p:sldLayoutId id="2147483657" r:id="rId9"/>
+    <p:sldLayoutId id="2147483658" r:id="rId10"/>
+    <p:sldLayoutId id="2147483659" r:id="rId11"/>
+    <p:sldLayoutId id="2147483660" r:id="rId12"/>
   </p:sldLayoutIdLst>
+  <p:txStyles>
+    <p:titleStyle>
+      <a:lvl1pPr algn="l" defTabSz="914400" rtl="0" eaLnBrk="1" latinLnBrk="0" hangingPunct="1">
+        <a:lnSpc>
+          <a:spcPct val="90000"/>
+        </a:lnSpc>
+        <a:spcBef>
+          <a:spcPct val="0"/>
+        </a:spcBef>
+        <a:buNone/>
+        <a:defRPr sz="4400" kern="1200">
+          <a:solidFill>
+            <a:schemeClr val="tx1"/>
+          </a:solidFill>
+          <a:latin typeface="+mj-lt"/>
+          <a:ea typeface="+mj-ea"/>
+          <a:cs typeface="+mj-cs"/>
+        </a:defRPr>
+      </a:lvl1pPr>
+    </p:titleStyle>
+    <p:bodyStyle>
+      <a:lvl1pPr marL="228600" indent="-228600" algn="l" defTabSz="914400" rtl="0" eaLnBrk="1" latinLnBrk="0" hangingPunct="1">
+        <a:lnSpc>
+          <a:spcPct val="90000"/>
+        </a:lnSpc>
+        <a:spcBef>
+          <a:spcPts val="1000"/>
+        </a:spcBef>
+        <a:buFont typeface="Arial" panose="020B0604020202020204" pitchFamily="34" charset="0"/>
+        <a:buChar char="•"/>
+        <a:defRPr sz="2800" kern="1200">
+          <a:solidFill>
+            <a:schemeClr val="tx1"/>
+          </a:solidFill>
+          <a:latin typeface="+mn-lt"/>
+          <a:ea typeface="+mn-ea"/>
+          <a:cs typeface="+mn-cs"/>
+        </a:defRPr>
+      </a:lvl1pPr>
+      <a:lvl2pPr marL="685800" indent="-228600" algn="l" defTabSz="914400" rtl="0" eaLnBrk="1" latinLnBrk="0" hangingPunct="1">
+        <a:lnSpc>
+          <a:spcPct val="90000"/>
+        </a:lnSpc>
+        <a:spcBef>
+          <a:spcPts val="500"/>
+        </a:spcBef>
+        <a:buFont typeface="Arial" panose="020B0604020202020204" pitchFamily="34" charset="0"/>
+        <a:buChar char="•"/>
+        <a:defRPr sz="2400" kern="1200">
+          <a:solidFill>
+            <a:schemeClr val="tx1"/>
+          </a:solidFill>
+          <a:latin typeface="+mn-lt"/>
+          <a:ea typeface="+mn-ea"/>
+          <a:cs typeface="+mn-cs"/>
+        </a:defRPr>
+      </a:lvl2pPr>
+      <a:lvl3pPr marL="1143000" indent="-228600" algn="l" defTabSz="914400" rtl="0" eaLnBrk="1" latinLnBrk="0" hangingPunct="1">
+        <a:lnSpc>
+          <a:spcPct val="90000"/>
+        </a:lnSpc>
+        <a:spcBef>
+          <a:spcPts val="500"/>
+        </a:spcBef>
+        <a:buFont typeface="Arial" panose="020B0604020202020204" pitchFamily="34" charset="0"/>
+        <a:buChar char="•"/>
+        <a:defRPr sz="2000" kern="1200">
+          <a:solidFill>
+            <a:schemeClr val="tx1"/>
+          </a:solidFill>
+          <a:latin typeface="+mn-lt"/>
+          <a:ea typeface="+mn-ea"/>
+          <a:cs typeface="+mn-cs"/>
+        </a:defRPr>
+      </a:lvl3pPr>
+      <a:lvl4pPr marL="1600200" indent="-228600" algn="l" defTabSz="914400" rtl="0" eaLnBrk="1" latinLnBrk="0" hangingPunct="1">
+        <a:lnSpc>
+          <a:spcPct val="90000"/>
+        </a:lnSpc>
+        <a:spcBef>
+          <a:spcPts val="500"/>
+        </a:spcBef>
+        <a:buFont typeface="Arial" panose="020B0604020202020204" pitchFamily="34" charset="0"/>
+        <a:buChar char="•"/>
+        <a:defRPr sz="1800" kern="1200">
+          <a:solidFill>
+            <a:schemeClr val="tx1"/>
+          </a:solidFill>
+          <a:latin typeface="+mn-lt"/>
+          <a:ea typeface="+mn-ea"/>
+          <a:cs typeface="+mn-cs"/>
+        </a:defRPr>
+      </a:lvl4pPr>
+      <a:lvl5pPr marL="2057400" indent="-228600" algn="l" defTabSz="914400" rtl="0" eaLnBrk="1" latinLnBrk="0" hangingPunct="1">
+        <a:lnSpc>
+          <a:spcPct val="90000"/>
+        </a:lnSpc>
+        <a:spcBef>
+          <a:spcPts val="500"/>
+        </a:spcBef>
+        <a:buFont typeface="Arial" panose="020B0604020202020204" pitchFamily="34" charset="0"/>
+        <a:buChar char="•"/>
+        <a:defRPr sz="1800" kern="1200">
+          <a:solidFill>
+            <a:schemeClr val="tx1"/>
+          </a:solidFill>
+          <a:latin typeface="+mn-lt"/>
+          <a:ea typeface="+mn-ea"/>
+          <a:cs typeface="+mn-cs"/>
+        </a:defRPr>
+      </a:lvl5pPr>
+      <a:lvl6pPr marL="2514600" indent="-228600" algn="l" defTabSz="914400" rtl="0" eaLnBrk="1" latinLnBrk="0" hangingPunct="1">
+        <a:lnSpc>
+          <a:spcPct val="90000"/>
+        </a:lnSpc>
+        <a:spcBef>
+          <a:spcPts val="500"/>
+        </a:spcBef>
+        <a:buFont typeface="Arial" panose="020B0604020202020204" pitchFamily="34" charset="0"/>
+        <a:buChar char="•"/>
+        <a:defRPr sz="1800" kern="1200">
+          <a:solidFill>
+            <a:schemeClr val="tx1"/>
+          </a:solidFill>
+          <a:latin typeface="+mn-lt"/>
+          <a:ea typeface="+mn-ea"/>
+          <a:cs typeface="+mn-cs"/>
+        </a:defRPr>
+      </a:lvl6pPr>
+      <a:lvl7pPr marL="2971800" indent="-228600" algn="l" defTabSz="914400" rtl="0" eaLnBrk="1" latinLnBrk="0" hangingPunct="1">
+        <a:lnSpc>
+          <a:spcPct val="90000"/>
+        </a:lnSpc>
+        <a:spcBef>
+          <a:spcPts val="500"/>
+        </a:spcBef>
+        <a:buFont typeface="Arial" panose="020B0604020202020204" pitchFamily="34" charset="0"/>
+        <a:buChar char="•"/>
+        <a:defRPr sz="1800" kern="1200">
+          <a:solidFill>
+            <a:schemeClr val="tx1"/>
+          </a:solidFill>
+          <a:latin typeface="+mn-lt"/>
+          <a:ea typeface="+mn-ea"/>
+          <a:cs typeface="+mn-cs"/>
+        </a:defRPr>
+      </a:lvl7pPr>
+      <a:lvl8pPr marL="3429000" indent="-228600" algn="l" defTabSz="914400" rtl="0" eaLnBrk="1" latinLnBrk="0" hangingPunct="1">
+        <a:lnSpc>
+          <a:spcPct val="90000"/>
+        </a:lnSpc>
+        <a:spcBef>
+          <a:spcPts val="500"/>
+        </a:spcBef>
+        <a:buFont typeface="Arial" panose="020B0604020202020204" pitchFamily="34" charset="0"/>
+        <a:buChar char="•"/>
+        <a:defRPr sz="1800" kern="1200">
+          <a:solidFill>
+            <a:schemeClr val="tx1"/>
+          </a:solidFill>
+          <a:latin typeface="+mn-lt"/>
+          <a:ea typeface="+mn-ea"/>
+          <a:cs typeface="+mn-cs"/>
+        </a:defRPr>
+      </a:lvl8pPr>
+      <a:lvl9pPr marL="3886200" indent="-228600" algn="l" defTabSz="914400" rtl="0" eaLnBrk="1" latinLnBrk="0" hangingPunct="1">
+        <a:lnSpc>
+          <a:spcPct val="90000"/>
+        </a:lnSpc>
+        <a:spcBef>
+          <a:spcPts val="500"/>
+        </a:spcBef>
+        <a:buFont typeface="Arial" panose="020B0604020202020204" pitchFamily="34" charset="0"/>
+        <a:buChar char="•"/>
+        <a:defRPr sz="1800" kern="1200">
+          <a:solidFill>
+            <a:schemeClr val="tx1"/>
+          </a:solidFill>
+          <a:latin typeface="+mn-lt"/>
+          <a:ea typeface="+mn-ea"/>
+          <a:cs typeface="+mn-cs"/>
+        </a:defRPr>
+      </a:lvl9pPr>
+    </p:bodyStyle>
+    <p:otherStyle>
+      <a:defPPr>
+        <a:defRPr lang="en-US"/>
+      </a:defPPr>
+      <a:lvl1pPr marL="0" algn="l" defTabSz="914400" rtl="0" eaLnBrk="1" latinLnBrk="0" hangingPunct="1">
+        <a:defRPr sz="1800" kern="1200">
+          <a:solidFill>
+            <a:schemeClr val="tx1"/>
+          </a:solidFill>
+          <a:latin typeface="+mn-lt"/>
+          <a:ea typeface="+mn-ea"/>
+          <a:cs typeface="+mn-cs"/>
+        </a:defRPr>
+      </a:lvl1pPr>
+      <a:lvl2pPr marL="457200" algn="l" defTabSz="914400" rtl="0" eaLnBrk="1" latinLnBrk="0" hangingPunct="1">
+        <a:defRPr sz="1800" kern="1200">
+          <a:solidFill>
+            <a:schemeClr val="tx1"/>
+          </a:solidFill>
+          <a:latin typeface="+mn-lt"/>
+          <a:ea typeface="+mn-ea"/>
+          <a:cs typeface="+mn-cs"/>
+        </a:defRPr>
+      </a:lvl2pPr>
+      <a:lvl3pPr marL="914400" algn="l" defTabSz="914400" rtl="0" eaLnBrk="1" latinLnBrk="0" hangingPunct="1">
+        <a:defRPr sz="1800" kern="1200">
+          <a:solidFill>
+            <a:schemeClr val="tx1"/>
+          </a:solidFill>
+          <a:latin typeface="+mn-lt"/>
+          <a:ea typeface="+mn-ea"/>
+          <a:cs typeface="+mn-cs"/>
+        </a:defRPr>
+      </a:lvl3pPr>
+      <a:lvl4pPr marL="1371600" algn="l" defTabSz="914400" rtl="0" eaLnBrk="1" latinLnBrk="0" hangingPunct="1">
+        <a:defRPr sz="1800" kern="1200">
+          <a:solidFill>
+            <a:schemeClr val="tx1"/>
+          </a:solidFill>
+          <a:latin typeface="+mn-lt"/>
+          <a:ea typeface="+mn-ea"/>
+          <a:cs typeface="+mn-cs"/>
+        </a:defRPr>
+      </a:lvl4pPr>
+      <a:lvl5pPr marL="1828800" algn="l" defTabSz="914400" rtl="0" eaLnBrk="1" latinLnBrk="0" hangingPunct="1">
+        <a:defRPr sz="1800" kern="1200">
+          <a:solidFill>
+            <a:schemeClr val="tx1"/>
+          </a:solidFill>
+          <a:latin typeface="+mn-lt"/>
+          <a:ea typeface="+mn-ea"/>
+          <a:cs typeface="+mn-cs"/>
+        </a:defRPr>
+      </a:lvl5pPr>
+      <a:lvl6pPr marL="2286000" algn="l" defTabSz="914400" rtl="0" eaLnBrk="1" latinLnBrk="0" hangingPunct="1">
+        <a:defRPr sz="1800" kern="1200">
+          <a:solidFill>
+            <a:schemeClr val="tx1"/>
+          </a:solidFill>
+          <a:latin typeface="+mn-lt"/>
+          <a:ea typeface="+mn-ea"/>
+          <a:cs typeface="+mn-cs"/>
+        </a:defRPr>
+      </a:lvl6pPr>
+      <a:lvl7pPr marL="2743200" algn="l" defTabSz="914400" rtl="0" eaLnBrk="1" latinLnBrk="0" hangingPunct="1">
+        <a:defRPr sz="1800" kern="1200">
+          <a:solidFill>
+            <a:schemeClr val="tx1"/>
+          </a:solidFill>
+          <a:latin typeface="+mn-lt"/>
+          <a:ea typeface="+mn-ea"/>
+          <a:cs typeface="+mn-cs"/>
+        </a:defRPr>
+      </a:lvl7pPr>
+      <a:lvl8pPr marL="3200400" algn="l" defTabSz="914400" rtl="0" eaLnBrk="1" latinLnBrk="0" hangingPunct="1">
+        <a:defRPr sz="1800" kern="1200">
+          <a:solidFill>
+            <a:schemeClr val="tx1"/>
+          </a:solidFill>
+          <a:latin typeface="+mn-lt"/>
+          <a:ea typeface="+mn-ea"/>
+          <a:cs typeface="+mn-cs"/>
+        </a:defRPr>
+      </a:lvl8pPr>
+      <a:lvl9pPr marL="3657600" algn="l" defTabSz="914400" rtl="0" eaLnBrk="1" latinLnBrk="0" hangingPunct="1">
+        <a:defRPr sz="1800" kern="1200">
+          <a:solidFill>
+            <a:schemeClr val="tx1"/>
+          </a:solidFill>
+          <a:latin typeface="+mn-lt"/>
+          <a:ea typeface="+mn-ea"/>
+          <a:cs typeface="+mn-cs"/>
+        </a:defRPr>
+      </a:lvl9pPr>
+    </p:otherStyle>
+  </p:txStyles>
 </p:sldMaster>
 </file>
 
 <file path=ppt/slideMasters/slideMaster2.xml><?xml version="1.0" encoding="utf-8"?>
-<p:sldMaster xmlns:a="http://schemas.openxmlformats.org/drawingml/2006/main" xmlns:p="http://schemas.openxmlformats.org/presentationml/2006/main" xmlns:r="http://schemas.openxmlformats.org/officeDocument/2006/relationships" xmlns:p14="http://schemas.microsoft.com/office/powerpoint/2010/main" xmlns:p15="http://schemas.microsoft.com/office/powerpoint/2012/main" xmlns:mc="http://schemas.openxmlformats.org/markup-compatibility/2006">
+<p:sldMaster xmlns:a="http://schemas.openxmlformats.org/drawingml/2006/main" xmlns:r="http://schemas.openxmlformats.org/officeDocument/2006/relationships" xmlns:p="http://schemas.openxmlformats.org/presentationml/2006/main">
   <p:cSld>
     <p:bg>
       <p:bgPr>
         <a:solidFill>
-          <a:srgbClr val="ffffff"/>
+          <a:srgbClr val="FFFFFF"/>
         </a:solidFill>
+        <a:effectLst/>
       </p:bgPr>
     </p:bg>
     <p:spTree>
@@ -3837,7 +4457,7 @@
             <a:noFill/>
           </a:ln>
           <a:effectLst>
-            <a:outerShdw blurRad="38100" dir="5400000" dist="25400" rotWithShape="0">
+            <a:outerShdw blurRad="38100" dist="25400" dir="5400000" rotWithShape="0">
               <a:srgbClr val="000000">
                 <a:alpha val="55000"/>
               </a:srgbClr>
@@ -3878,7 +4498,7 @@
             <a:noFill/>
           </a:ln>
           <a:effectLst>
-            <a:outerShdw blurRad="38100" dir="5400000" dist="25400" rotWithShape="0">
+            <a:outerShdw blurRad="38100" dist="25400" dir="5400000" rotWithShape="0">
               <a:srgbClr val="000000">
                 <a:alpha val="55000"/>
               </a:srgbClr>
@@ -3919,7 +4539,7 @@
             <a:noFill/>
           </a:ln>
           <a:effectLst>
-            <a:outerShdw blurRad="38100" dir="5400000" dist="25400" rotWithShape="0">
+            <a:outerShdw blurRad="38100" dist="25400" dir="5400000" rotWithShape="0">
               <a:srgbClr val="000000">
                 <a:alpha val="55000"/>
               </a:srgbClr>
@@ -3954,7 +4574,7 @@
             <a:avLst/>
           </a:prstGeom>
           <a:solidFill>
-            <a:srgbClr val="24cf39"/>
+            <a:srgbClr val="24CF39"/>
           </a:solidFill>
           <a:ln>
             <a:noFill/>
@@ -3996,7 +4616,7 @@
             <a:noFill/>
           </a:ln>
           <a:effectLst>
-            <a:outerShdw blurRad="38100" dir="5400000" dist="25400" rotWithShape="0">
+            <a:outerShdw blurRad="38100" dist="25400" dir="5400000" rotWithShape="0">
               <a:srgbClr val="000000">
                 <a:alpha val="55000"/>
               </a:srgbClr>
@@ -4036,18 +4656,16 @@
           </a:prstGeom>
         </p:spPr>
         <p:txBody>
-          <a:bodyPr lIns="0" rIns="0" tIns="0" bIns="0" anchor="ctr"/>
+          <a:bodyPr lIns="0" tIns="0" rIns="0" bIns="0" anchor="ctr"/>
+          <a:lstStyle/>
           <a:p>
             <a:pPr algn="ctr"/>
             <a:r>
-              <a:rPr b="0" lang="pt-BR" sz="4400" spc="-1" strike="noStrike">
+              <a:rPr lang="pt-BR" sz="4400" b="0" strike="noStrike" spc="-1">
                 <a:latin typeface="Arial"/>
               </a:rPr>
               <a:t>Clique para editar o formato do texto do título</a:t>
             </a:r>
-            <a:endParaRPr b="0" lang="pt-BR" sz="4400" spc="-1" strike="noStrike">
-              <a:latin typeface="Arial"/>
-            </a:endParaRPr>
           </a:p>
         </p:txBody>
       </p:sp>
@@ -4071,9 +4689,10 @@
           </a:prstGeom>
         </p:spPr>
         <p:txBody>
-          <a:bodyPr lIns="0" rIns="0" tIns="0" bIns="0">
+          <a:bodyPr lIns="0" tIns="0" rIns="0" bIns="0">
             <a:normAutofit/>
           </a:bodyPr>
+          <a:lstStyle/>
           <a:p>
             <a:pPr marL="432000" indent="-324000">
               <a:spcBef>
@@ -4087,17 +4706,14 @@
               <a:buChar char=""/>
             </a:pPr>
             <a:r>
-              <a:rPr b="0" lang="pt-BR" sz="3200" spc="-1" strike="noStrike">
+              <a:rPr lang="pt-BR" sz="3200" b="0" strike="noStrike" spc="-1">
                 <a:latin typeface="Arial"/>
               </a:rPr>
               <a:t>Clique para editar o formato do texto da estrutura de tópicos</a:t>
             </a:r>
-            <a:endParaRPr b="0" lang="pt-BR" sz="3200" spc="-1" strike="noStrike">
-              <a:latin typeface="Arial"/>
-            </a:endParaRPr>
-          </a:p>
-          <a:p>
-            <a:pPr lvl="1" marL="864000" indent="-324000">
+          </a:p>
+          <a:p>
+            <a:pPr marL="864000" lvl="1" indent="-324000">
               <a:spcBef>
                 <a:spcPts val="1134"/>
               </a:spcBef>
@@ -4109,17 +4725,14 @@
               <a:buChar char=""/>
             </a:pPr>
             <a:r>
-              <a:rPr b="0" lang="pt-BR" sz="2800" spc="-1" strike="noStrike">
+              <a:rPr lang="pt-BR" sz="2800" b="0" strike="noStrike" spc="-1">
                 <a:latin typeface="Arial"/>
               </a:rPr>
               <a:t>2.º nível da estrutura de tópicos</a:t>
             </a:r>
-            <a:endParaRPr b="0" lang="pt-BR" sz="2800" spc="-1" strike="noStrike">
-              <a:latin typeface="Arial"/>
-            </a:endParaRPr>
-          </a:p>
-          <a:p>
-            <a:pPr lvl="2" marL="1296000" indent="-288000">
+          </a:p>
+          <a:p>
+            <a:pPr marL="1296000" lvl="2" indent="-288000">
               <a:spcBef>
                 <a:spcPts val="850"/>
               </a:spcBef>
@@ -4131,17 +4744,14 @@
               <a:buChar char=""/>
             </a:pPr>
             <a:r>
-              <a:rPr b="0" lang="pt-BR" sz="2400" spc="-1" strike="noStrike">
+              <a:rPr lang="pt-BR" sz="2400" b="0" strike="noStrike" spc="-1">
                 <a:latin typeface="Arial"/>
               </a:rPr>
               <a:t>3.º nível da estrutura de tópicos</a:t>
             </a:r>
-            <a:endParaRPr b="0" lang="pt-BR" sz="2400" spc="-1" strike="noStrike">
-              <a:latin typeface="Arial"/>
-            </a:endParaRPr>
-          </a:p>
-          <a:p>
-            <a:pPr lvl="3" marL="1728000" indent="-216000">
+          </a:p>
+          <a:p>
+            <a:pPr marL="1728000" lvl="3" indent="-216000">
               <a:spcBef>
                 <a:spcPts val="567"/>
               </a:spcBef>
@@ -4153,17 +4763,14 @@
               <a:buChar char=""/>
             </a:pPr>
             <a:r>
-              <a:rPr b="0" lang="pt-BR" sz="2000" spc="-1" strike="noStrike">
+              <a:rPr lang="pt-BR" sz="2000" b="0" strike="noStrike" spc="-1">
                 <a:latin typeface="Arial"/>
               </a:rPr>
               <a:t>4.º nível da estrutura de tópicos</a:t>
             </a:r>
-            <a:endParaRPr b="0" lang="pt-BR" sz="2000" spc="-1" strike="noStrike">
-              <a:latin typeface="Arial"/>
-            </a:endParaRPr>
-          </a:p>
-          <a:p>
-            <a:pPr lvl="4" marL="2160000" indent="-216000">
+          </a:p>
+          <a:p>
+            <a:pPr marL="2160000" lvl="4" indent="-216000">
               <a:spcBef>
                 <a:spcPts val="283"/>
               </a:spcBef>
@@ -4175,17 +4782,14 @@
               <a:buChar char=""/>
             </a:pPr>
             <a:r>
-              <a:rPr b="0" lang="pt-BR" sz="2000" spc="-1" strike="noStrike">
+              <a:rPr lang="pt-BR" sz="2000" b="0" strike="noStrike" spc="-1">
                 <a:latin typeface="Arial"/>
               </a:rPr>
               <a:t>5.º nível da estrutura de tópicos</a:t>
             </a:r>
-            <a:endParaRPr b="0" lang="pt-BR" sz="2000" spc="-1" strike="noStrike">
-              <a:latin typeface="Arial"/>
-            </a:endParaRPr>
-          </a:p>
-          <a:p>
-            <a:pPr lvl="5" marL="2592000" indent="-216000">
+          </a:p>
+          <a:p>
+            <a:pPr marL="2592000" lvl="5" indent="-216000">
               <a:spcBef>
                 <a:spcPts val="283"/>
               </a:spcBef>
@@ -4197,17 +4801,14 @@
               <a:buChar char=""/>
             </a:pPr>
             <a:r>
-              <a:rPr b="0" lang="pt-BR" sz="2000" spc="-1" strike="noStrike">
+              <a:rPr lang="pt-BR" sz="2000" b="0" strike="noStrike" spc="-1">
                 <a:latin typeface="Arial"/>
               </a:rPr>
               <a:t>6.º nível da estrutura de tópicos</a:t>
             </a:r>
-            <a:endParaRPr b="0" lang="pt-BR" sz="2000" spc="-1" strike="noStrike">
-              <a:latin typeface="Arial"/>
-            </a:endParaRPr>
-          </a:p>
-          <a:p>
-            <a:pPr lvl="6" marL="3024000" indent="-216000">
+          </a:p>
+          <a:p>
+            <a:pPr marL="3024000" lvl="6" indent="-216000">
               <a:spcBef>
                 <a:spcPts val="283"/>
               </a:spcBef>
@@ -4219,39 +4820,316 @@
               <a:buChar char=""/>
             </a:pPr>
             <a:r>
-              <a:rPr b="0" lang="pt-BR" sz="2000" spc="-1" strike="noStrike">
+              <a:rPr lang="pt-BR" sz="2000" b="0" strike="noStrike" spc="-1">
                 <a:latin typeface="Arial"/>
               </a:rPr>
               <a:t>7.º nível da estrutura de tópicos</a:t>
             </a:r>
-            <a:endParaRPr b="0" lang="pt-BR" sz="2000" spc="-1" strike="noStrike">
-              <a:latin typeface="Arial"/>
-            </a:endParaRPr>
           </a:p>
         </p:txBody>
       </p:sp>
     </p:spTree>
   </p:cSld>
-  <p:clrMap bg1="lt1" bg2="lt2" tx1="dk1" tx2="dk2" accent1="accent1" accent2="accent2" accent3="accent3" accent4="accent4" accent5="accent5" accent6="accent6" hlink="hlink" folHlink="folHlink"/>
+  <p:clrMap bg1="lt1" tx1="dk1" bg2="lt2" tx2="dk2" accent1="accent1" accent2="accent2" accent3="accent3" accent4="accent4" accent5="accent5" accent6="accent6" hlink="hlink" folHlink="folHlink"/>
   <p:sldLayoutIdLst>
-    <p:sldLayoutId id="2147483662" r:id="rId2"/>
-    <p:sldLayoutId id="2147483663" r:id="rId3"/>
-    <p:sldLayoutId id="2147483664" r:id="rId4"/>
-    <p:sldLayoutId id="2147483665" r:id="rId5"/>
-    <p:sldLayoutId id="2147483666" r:id="rId6"/>
-    <p:sldLayoutId id="2147483667" r:id="rId7"/>
-    <p:sldLayoutId id="2147483668" r:id="rId8"/>
-    <p:sldLayoutId id="2147483669" r:id="rId9"/>
-    <p:sldLayoutId id="2147483670" r:id="rId10"/>
-    <p:sldLayoutId id="2147483671" r:id="rId11"/>
-    <p:sldLayoutId id="2147483672" r:id="rId12"/>
-    <p:sldLayoutId id="2147483673" r:id="rId13"/>
+    <p:sldLayoutId id="2147483662" r:id="rId1"/>
+    <p:sldLayoutId id="2147483663" r:id="rId2"/>
+    <p:sldLayoutId id="2147483664" r:id="rId3"/>
+    <p:sldLayoutId id="2147483665" r:id="rId4"/>
+    <p:sldLayoutId id="2147483666" r:id="rId5"/>
+    <p:sldLayoutId id="2147483667" r:id="rId6"/>
+    <p:sldLayoutId id="2147483668" r:id="rId7"/>
+    <p:sldLayoutId id="2147483669" r:id="rId8"/>
+    <p:sldLayoutId id="2147483670" r:id="rId9"/>
+    <p:sldLayoutId id="2147483671" r:id="rId10"/>
+    <p:sldLayoutId id="2147483672" r:id="rId11"/>
+    <p:sldLayoutId id="2147483673" r:id="rId12"/>
   </p:sldLayoutIdLst>
+  <p:txStyles>
+    <p:titleStyle>
+      <a:lvl1pPr algn="l" defTabSz="914400" rtl="0" eaLnBrk="1" latinLnBrk="0" hangingPunct="1">
+        <a:lnSpc>
+          <a:spcPct val="90000"/>
+        </a:lnSpc>
+        <a:spcBef>
+          <a:spcPct val="0"/>
+        </a:spcBef>
+        <a:buNone/>
+        <a:defRPr sz="4400" kern="1200">
+          <a:solidFill>
+            <a:schemeClr val="tx1"/>
+          </a:solidFill>
+          <a:latin typeface="+mj-lt"/>
+          <a:ea typeface="+mj-ea"/>
+          <a:cs typeface="+mj-cs"/>
+        </a:defRPr>
+      </a:lvl1pPr>
+    </p:titleStyle>
+    <p:bodyStyle>
+      <a:lvl1pPr marL="228600" indent="-228600" algn="l" defTabSz="914400" rtl="0" eaLnBrk="1" latinLnBrk="0" hangingPunct="1">
+        <a:lnSpc>
+          <a:spcPct val="90000"/>
+        </a:lnSpc>
+        <a:spcBef>
+          <a:spcPts val="1000"/>
+        </a:spcBef>
+        <a:buFont typeface="Arial" panose="020B0604020202020204" pitchFamily="34" charset="0"/>
+        <a:buChar char="•"/>
+        <a:defRPr sz="2800" kern="1200">
+          <a:solidFill>
+            <a:schemeClr val="tx1"/>
+          </a:solidFill>
+          <a:latin typeface="+mn-lt"/>
+          <a:ea typeface="+mn-ea"/>
+          <a:cs typeface="+mn-cs"/>
+        </a:defRPr>
+      </a:lvl1pPr>
+      <a:lvl2pPr marL="685800" indent="-228600" algn="l" defTabSz="914400" rtl="0" eaLnBrk="1" latinLnBrk="0" hangingPunct="1">
+        <a:lnSpc>
+          <a:spcPct val="90000"/>
+        </a:lnSpc>
+        <a:spcBef>
+          <a:spcPts val="500"/>
+        </a:spcBef>
+        <a:buFont typeface="Arial" panose="020B0604020202020204" pitchFamily="34" charset="0"/>
+        <a:buChar char="•"/>
+        <a:defRPr sz="2400" kern="1200">
+          <a:solidFill>
+            <a:schemeClr val="tx1"/>
+          </a:solidFill>
+          <a:latin typeface="+mn-lt"/>
+          <a:ea typeface="+mn-ea"/>
+          <a:cs typeface="+mn-cs"/>
+        </a:defRPr>
+      </a:lvl2pPr>
+      <a:lvl3pPr marL="1143000" indent="-228600" algn="l" defTabSz="914400" rtl="0" eaLnBrk="1" latinLnBrk="0" hangingPunct="1">
+        <a:lnSpc>
+          <a:spcPct val="90000"/>
+        </a:lnSpc>
+        <a:spcBef>
+          <a:spcPts val="500"/>
+        </a:spcBef>
+        <a:buFont typeface="Arial" panose="020B0604020202020204" pitchFamily="34" charset="0"/>
+        <a:buChar char="•"/>
+        <a:defRPr sz="2000" kern="1200">
+          <a:solidFill>
+            <a:schemeClr val="tx1"/>
+          </a:solidFill>
+          <a:latin typeface="+mn-lt"/>
+          <a:ea typeface="+mn-ea"/>
+          <a:cs typeface="+mn-cs"/>
+        </a:defRPr>
+      </a:lvl3pPr>
+      <a:lvl4pPr marL="1600200" indent="-228600" algn="l" defTabSz="914400" rtl="0" eaLnBrk="1" latinLnBrk="0" hangingPunct="1">
+        <a:lnSpc>
+          <a:spcPct val="90000"/>
+        </a:lnSpc>
+        <a:spcBef>
+          <a:spcPts val="500"/>
+        </a:spcBef>
+        <a:buFont typeface="Arial" panose="020B0604020202020204" pitchFamily="34" charset="0"/>
+        <a:buChar char="•"/>
+        <a:defRPr sz="1800" kern="1200">
+          <a:solidFill>
+            <a:schemeClr val="tx1"/>
+          </a:solidFill>
+          <a:latin typeface="+mn-lt"/>
+          <a:ea typeface="+mn-ea"/>
+          <a:cs typeface="+mn-cs"/>
+        </a:defRPr>
+      </a:lvl4pPr>
+      <a:lvl5pPr marL="2057400" indent="-228600" algn="l" defTabSz="914400" rtl="0" eaLnBrk="1" latinLnBrk="0" hangingPunct="1">
+        <a:lnSpc>
+          <a:spcPct val="90000"/>
+        </a:lnSpc>
+        <a:spcBef>
+          <a:spcPts val="500"/>
+        </a:spcBef>
+        <a:buFont typeface="Arial" panose="020B0604020202020204" pitchFamily="34" charset="0"/>
+        <a:buChar char="•"/>
+        <a:defRPr sz="1800" kern="1200">
+          <a:solidFill>
+            <a:schemeClr val="tx1"/>
+          </a:solidFill>
+          <a:latin typeface="+mn-lt"/>
+          <a:ea typeface="+mn-ea"/>
+          <a:cs typeface="+mn-cs"/>
+        </a:defRPr>
+      </a:lvl5pPr>
+      <a:lvl6pPr marL="2514600" indent="-228600" algn="l" defTabSz="914400" rtl="0" eaLnBrk="1" latinLnBrk="0" hangingPunct="1">
+        <a:lnSpc>
+          <a:spcPct val="90000"/>
+        </a:lnSpc>
+        <a:spcBef>
+          <a:spcPts val="500"/>
+        </a:spcBef>
+        <a:buFont typeface="Arial" panose="020B0604020202020204" pitchFamily="34" charset="0"/>
+        <a:buChar char="•"/>
+        <a:defRPr sz="1800" kern="1200">
+          <a:solidFill>
+            <a:schemeClr val="tx1"/>
+          </a:solidFill>
+          <a:latin typeface="+mn-lt"/>
+          <a:ea typeface="+mn-ea"/>
+          <a:cs typeface="+mn-cs"/>
+        </a:defRPr>
+      </a:lvl6pPr>
+      <a:lvl7pPr marL="2971800" indent="-228600" algn="l" defTabSz="914400" rtl="0" eaLnBrk="1" latinLnBrk="0" hangingPunct="1">
+        <a:lnSpc>
+          <a:spcPct val="90000"/>
+        </a:lnSpc>
+        <a:spcBef>
+          <a:spcPts val="500"/>
+        </a:spcBef>
+        <a:buFont typeface="Arial" panose="020B0604020202020204" pitchFamily="34" charset="0"/>
+        <a:buChar char="•"/>
+        <a:defRPr sz="1800" kern="1200">
+          <a:solidFill>
+            <a:schemeClr val="tx1"/>
+          </a:solidFill>
+          <a:latin typeface="+mn-lt"/>
+          <a:ea typeface="+mn-ea"/>
+          <a:cs typeface="+mn-cs"/>
+        </a:defRPr>
+      </a:lvl7pPr>
+      <a:lvl8pPr marL="3429000" indent="-228600" algn="l" defTabSz="914400" rtl="0" eaLnBrk="1" latinLnBrk="0" hangingPunct="1">
+        <a:lnSpc>
+          <a:spcPct val="90000"/>
+        </a:lnSpc>
+        <a:spcBef>
+          <a:spcPts val="500"/>
+        </a:spcBef>
+        <a:buFont typeface="Arial" panose="020B0604020202020204" pitchFamily="34" charset="0"/>
+        <a:buChar char="•"/>
+        <a:defRPr sz="1800" kern="1200">
+          <a:solidFill>
+            <a:schemeClr val="tx1"/>
+          </a:solidFill>
+          <a:latin typeface="+mn-lt"/>
+          <a:ea typeface="+mn-ea"/>
+          <a:cs typeface="+mn-cs"/>
+        </a:defRPr>
+      </a:lvl8pPr>
+      <a:lvl9pPr marL="3886200" indent="-228600" algn="l" defTabSz="914400" rtl="0" eaLnBrk="1" latinLnBrk="0" hangingPunct="1">
+        <a:lnSpc>
+          <a:spcPct val="90000"/>
+        </a:lnSpc>
+        <a:spcBef>
+          <a:spcPts val="500"/>
+        </a:spcBef>
+        <a:buFont typeface="Arial" panose="020B0604020202020204" pitchFamily="34" charset="0"/>
+        <a:buChar char="•"/>
+        <a:defRPr sz="1800" kern="1200">
+          <a:solidFill>
+            <a:schemeClr val="tx1"/>
+          </a:solidFill>
+          <a:latin typeface="+mn-lt"/>
+          <a:ea typeface="+mn-ea"/>
+          <a:cs typeface="+mn-cs"/>
+        </a:defRPr>
+      </a:lvl9pPr>
+    </p:bodyStyle>
+    <p:otherStyle>
+      <a:defPPr>
+        <a:defRPr lang="en-US"/>
+      </a:defPPr>
+      <a:lvl1pPr marL="0" algn="l" defTabSz="914400" rtl="0" eaLnBrk="1" latinLnBrk="0" hangingPunct="1">
+        <a:defRPr sz="1800" kern="1200">
+          <a:solidFill>
+            <a:schemeClr val="tx1"/>
+          </a:solidFill>
+          <a:latin typeface="+mn-lt"/>
+          <a:ea typeface="+mn-ea"/>
+          <a:cs typeface="+mn-cs"/>
+        </a:defRPr>
+      </a:lvl1pPr>
+      <a:lvl2pPr marL="457200" algn="l" defTabSz="914400" rtl="0" eaLnBrk="1" latinLnBrk="0" hangingPunct="1">
+        <a:defRPr sz="1800" kern="1200">
+          <a:solidFill>
+            <a:schemeClr val="tx1"/>
+          </a:solidFill>
+          <a:latin typeface="+mn-lt"/>
+          <a:ea typeface="+mn-ea"/>
+          <a:cs typeface="+mn-cs"/>
+        </a:defRPr>
+      </a:lvl2pPr>
+      <a:lvl3pPr marL="914400" algn="l" defTabSz="914400" rtl="0" eaLnBrk="1" latinLnBrk="0" hangingPunct="1">
+        <a:defRPr sz="1800" kern="1200">
+          <a:solidFill>
+            <a:schemeClr val="tx1"/>
+          </a:solidFill>
+          <a:latin typeface="+mn-lt"/>
+          <a:ea typeface="+mn-ea"/>
+          <a:cs typeface="+mn-cs"/>
+        </a:defRPr>
+      </a:lvl3pPr>
+      <a:lvl4pPr marL="1371600" algn="l" defTabSz="914400" rtl="0" eaLnBrk="1" latinLnBrk="0" hangingPunct="1">
+        <a:defRPr sz="1800" kern="1200">
+          <a:solidFill>
+            <a:schemeClr val="tx1"/>
+          </a:solidFill>
+          <a:latin typeface="+mn-lt"/>
+          <a:ea typeface="+mn-ea"/>
+          <a:cs typeface="+mn-cs"/>
+        </a:defRPr>
+      </a:lvl4pPr>
+      <a:lvl5pPr marL="1828800" algn="l" defTabSz="914400" rtl="0" eaLnBrk="1" latinLnBrk="0" hangingPunct="1">
+        <a:defRPr sz="1800" kern="1200">
+          <a:solidFill>
+            <a:schemeClr val="tx1"/>
+          </a:solidFill>
+          <a:latin typeface="+mn-lt"/>
+          <a:ea typeface="+mn-ea"/>
+          <a:cs typeface="+mn-cs"/>
+        </a:defRPr>
+      </a:lvl5pPr>
+      <a:lvl6pPr marL="2286000" algn="l" defTabSz="914400" rtl="0" eaLnBrk="1" latinLnBrk="0" hangingPunct="1">
+        <a:defRPr sz="1800" kern="1200">
+          <a:solidFill>
+            <a:schemeClr val="tx1"/>
+          </a:solidFill>
+          <a:latin typeface="+mn-lt"/>
+          <a:ea typeface="+mn-ea"/>
+          <a:cs typeface="+mn-cs"/>
+        </a:defRPr>
+      </a:lvl6pPr>
+      <a:lvl7pPr marL="2743200" algn="l" defTabSz="914400" rtl="0" eaLnBrk="1" latinLnBrk="0" hangingPunct="1">
+        <a:defRPr sz="1800" kern="1200">
+          <a:solidFill>
+            <a:schemeClr val="tx1"/>
+          </a:solidFill>
+          <a:latin typeface="+mn-lt"/>
+          <a:ea typeface="+mn-ea"/>
+          <a:cs typeface="+mn-cs"/>
+        </a:defRPr>
+      </a:lvl7pPr>
+      <a:lvl8pPr marL="3200400" algn="l" defTabSz="914400" rtl="0" eaLnBrk="1" latinLnBrk="0" hangingPunct="1">
+        <a:defRPr sz="1800" kern="1200">
+          <a:solidFill>
+            <a:schemeClr val="tx1"/>
+          </a:solidFill>
+          <a:latin typeface="+mn-lt"/>
+          <a:ea typeface="+mn-ea"/>
+          <a:cs typeface="+mn-cs"/>
+        </a:defRPr>
+      </a:lvl8pPr>
+      <a:lvl9pPr marL="3657600" algn="l" defTabSz="914400" rtl="0" eaLnBrk="1" latinLnBrk="0" hangingPunct="1">
+        <a:defRPr sz="1800" kern="1200">
+          <a:solidFill>
+            <a:schemeClr val="tx1"/>
+          </a:solidFill>
+          <a:latin typeface="+mn-lt"/>
+          <a:ea typeface="+mn-ea"/>
+          <a:cs typeface="+mn-cs"/>
+        </a:defRPr>
+      </a:lvl9pPr>
+    </p:otherStyle>
+  </p:txStyles>
 </p:sldMaster>
 </file>
 
 <file path=ppt/slides/slide1.xml><?xml version="1.0" encoding="utf-8"?>
-<p:sld xmlns:a="http://schemas.openxmlformats.org/drawingml/2006/main" xmlns:p="http://schemas.openxmlformats.org/presentationml/2006/main" xmlns:r="http://schemas.openxmlformats.org/officeDocument/2006/relationships" xmlns:p14="http://schemas.microsoft.com/office/powerpoint/2010/main" xmlns:p15="http://schemas.microsoft.com/office/powerpoint/2012/main" xmlns:mc="http://schemas.openxmlformats.org/markup-compatibility/2006">
+<p:sld xmlns:a="http://schemas.openxmlformats.org/drawingml/2006/main" xmlns:r="http://schemas.openxmlformats.org/officeDocument/2006/relationships" xmlns:p="http://schemas.openxmlformats.org/presentationml/2006/main">
   <p:cSld>
     <p:spTree>
       <p:nvGrpSpPr>
@@ -4287,13 +5165,20 @@
           </a:ln>
         </p:spPr>
         <p:style>
-          <a:lnRef idx="0"/>
-          <a:fillRef idx="0"/>
-          <a:effectRef idx="0"/>
+          <a:lnRef idx="0">
+            <a:scrgbClr r="0" g="0" b="0"/>
+          </a:lnRef>
+          <a:fillRef idx="0">
+            <a:scrgbClr r="0" g="0" b="0"/>
+          </a:fillRef>
+          <a:effectRef idx="0">
+            <a:scrgbClr r="0" g="0" b="0"/>
+          </a:effectRef>
           <a:fontRef idx="minor"/>
         </p:style>
         <p:txBody>
-          <a:bodyPr lIns="90000" rIns="90000" tIns="45000" bIns="45000" anchor="b"/>
+          <a:bodyPr lIns="90000" tIns="45000" rIns="90000" bIns="45000" anchor="b"/>
+          <a:lstStyle/>
           <a:p>
             <a:pPr algn="ctr">
               <a:lnSpc>
@@ -4301,15 +5186,15 @@
               </a:lnSpc>
             </a:pPr>
             <a:r>
-              <a:rPr b="0" lang="pt-BR" sz="3600" spc="-1" strike="noStrike" cap="all">
-                <a:solidFill>
-                  <a:srgbClr val="ffffff"/>
+              <a:rPr lang="pt-BR" sz="3600" b="0" strike="noStrike" cap="all" spc="-1">
+                <a:solidFill>
+                  <a:srgbClr val="FFFFFF"/>
                 </a:solidFill>
                 <a:latin typeface="Gill Sans MT"/>
               </a:rPr>
               <a:t>Fazendo uma pesquisa com fontes de informação</a:t>
             </a:r>
-            <a:endParaRPr b="0" lang="pt-BR" sz="3600" spc="-1" strike="noStrike">
+            <a:endParaRPr lang="pt-BR" sz="3600" b="0" strike="noStrike" spc="-1">
               <a:latin typeface="Arial"/>
             </a:endParaRPr>
           </a:p>
@@ -4335,13 +5220,20 @@
           </a:ln>
         </p:spPr>
         <p:style>
-          <a:lnRef idx="0"/>
-          <a:fillRef idx="0"/>
-          <a:effectRef idx="0"/>
+          <a:lnRef idx="0">
+            <a:scrgbClr r="0" g="0" b="0"/>
+          </a:lnRef>
+          <a:fillRef idx="0">
+            <a:scrgbClr r="0" g="0" b="0"/>
+          </a:fillRef>
+          <a:effectRef idx="0">
+            <a:scrgbClr r="0" g="0" b="0"/>
+          </a:effectRef>
           <a:fontRef idx="minor"/>
         </p:style>
         <p:txBody>
-          <a:bodyPr lIns="90000" rIns="90000" tIns="45000" bIns="45000"/>
+          <a:bodyPr lIns="90000" tIns="45000" rIns="90000" bIns="45000"/>
+          <a:lstStyle/>
           <a:p>
             <a:pPr algn="ctr">
               <a:lnSpc>
@@ -4355,33 +5247,33 @@
               </a:spcAft>
             </a:pPr>
             <a:r>
-              <a:rPr b="0" lang="pt-BR" sz="1600" spc="-1" strike="noStrike" cap="all">
-                <a:solidFill>
-                  <a:srgbClr val="ffffff"/>
+              <a:rPr lang="pt-BR" sz="1600" b="0" strike="noStrike" cap="all" spc="-1">
+                <a:solidFill>
+                  <a:srgbClr val="FFFFFF"/>
                 </a:solidFill>
                 <a:latin typeface="Gill Sans MT"/>
               </a:rPr>
               <a:t>por BAYOU bUILDERS &amp; N</a:t>
             </a:r>
             <a:r>
-              <a:rPr b="0" lang="pt-BR" sz="1600" spc="-1" strike="noStrike">
-                <a:solidFill>
-                  <a:srgbClr val="ffffff"/>
+              <a:rPr lang="pt-BR" sz="1600" b="0" strike="noStrike" spc="-1">
+                <a:solidFill>
+                  <a:srgbClr val="FFFFFF"/>
                 </a:solidFill>
                 <a:latin typeface="Gill Sans MT"/>
               </a:rPr>
               <a:t>e</a:t>
             </a:r>
             <a:r>
-              <a:rPr b="0" lang="pt-BR" sz="1600" spc="-1" strike="noStrike" cap="all">
-                <a:solidFill>
-                  <a:srgbClr val="ffffff"/>
+              <a:rPr lang="pt-BR" sz="1600" b="0" strike="noStrike" cap="all" spc="-1">
+                <a:solidFill>
+                  <a:srgbClr val="FFFFFF"/>
                 </a:solidFill>
                 <a:latin typeface="Gill Sans MT"/>
               </a:rPr>
               <a:t>Xt Gen</a:t>
             </a:r>
-            <a:endParaRPr b="0" lang="pt-BR" sz="1600" spc="-1" strike="noStrike">
+            <a:endParaRPr lang="pt-BR" sz="1600" b="0" strike="noStrike" spc="-1">
               <a:latin typeface="Arial"/>
             </a:endParaRPr>
           </a:p>
@@ -4398,15 +5290,15 @@
               </a:spcAft>
             </a:pPr>
             <a:r>
-              <a:rPr b="0" lang="pt-BR" sz="1600" spc="-1" strike="noStrike" cap="all">
-                <a:solidFill>
-                  <a:srgbClr val="ffffff"/>
+              <a:rPr lang="pt-BR" sz="1600" b="0" strike="noStrike" cap="all" spc="-1">
+                <a:solidFill>
+                  <a:srgbClr val="FFFFFF"/>
                 </a:solidFill>
                 <a:latin typeface="Gill Sans MT"/>
               </a:rPr>
               <a:t>Traduzido por equipe sunrise</a:t>
             </a:r>
-            <a:endParaRPr b="0" lang="pt-BR" sz="1600" spc="-1" strike="noStrike">
+            <a:endParaRPr lang="pt-BR" sz="1600" b="0" strike="noStrike" spc="-1">
               <a:latin typeface="Arial"/>
             </a:endParaRPr>
           </a:p>
@@ -4422,7 +5314,7 @@
                 <a:spcPts val="601"/>
               </a:spcAft>
             </a:pPr>
-            <a:endParaRPr b="0" lang="pt-BR" sz="1600" spc="-1" strike="noStrike">
+            <a:endParaRPr lang="pt-BR" sz="1600" b="0" strike="noStrike" spc="-1">
               <a:latin typeface="Arial"/>
             </a:endParaRPr>
           </a:p>
@@ -4430,6 +5322,9 @@
       </p:sp>
     </p:spTree>
   </p:cSld>
+  <p:clrMapOvr>
+    <a:masterClrMapping/>
+  </p:clrMapOvr>
   <p:timing>
     <p:tnLst>
       <p:par>
@@ -4438,14 +5333,14 @@
             <p:seq>
               <p:cTn id="2" dur="indefinite" nodeType="mainSeq"/>
               <p:prevCondLst>
-                <p:cond delay="0" evt="onPrev">
+                <p:cond evt="onPrev" delay="0">
                   <p:tgtEl>
                     <p:sldTgt/>
                   </p:tgtEl>
                 </p:cond>
               </p:prevCondLst>
               <p:nextCondLst>
-                <p:cond delay="0" evt="onNext">
+                <p:cond evt="onNext" delay="0">
                   <p:tgtEl>
                     <p:sldTgt/>
                   </p:tgtEl>
@@ -4461,7 +5356,7 @@
 </file>
 
 <file path=ppt/slides/slide10.xml><?xml version="1.0" encoding="utf-8"?>
-<p:sld xmlns:a="http://schemas.openxmlformats.org/drawingml/2006/main" xmlns:p="http://schemas.openxmlformats.org/presentationml/2006/main" xmlns:r="http://schemas.openxmlformats.org/officeDocument/2006/relationships" xmlns:p14="http://schemas.microsoft.com/office/powerpoint/2010/main" xmlns:p15="http://schemas.microsoft.com/office/powerpoint/2012/main" xmlns:mc="http://schemas.openxmlformats.org/markup-compatibility/2006">
+<p:sld xmlns:a="http://schemas.openxmlformats.org/drawingml/2006/main" xmlns:r="http://schemas.openxmlformats.org/officeDocument/2006/relationships" xmlns:p="http://schemas.openxmlformats.org/presentationml/2006/main">
   <p:cSld>
     <p:spTree>
       <p:nvGrpSpPr>
@@ -4497,13 +5392,20 @@
           </a:ln>
         </p:spPr>
         <p:style>
-          <a:lnRef idx="0"/>
-          <a:fillRef idx="0"/>
-          <a:effectRef idx="0"/>
+          <a:lnRef idx="0">
+            <a:scrgbClr r="0" g="0" b="0"/>
+          </a:lnRef>
+          <a:fillRef idx="0">
+            <a:scrgbClr r="0" g="0" b="0"/>
+          </a:fillRef>
+          <a:effectRef idx="0">
+            <a:scrgbClr r="0" g="0" b="0"/>
+          </a:effectRef>
           <a:fontRef idx="minor"/>
         </p:style>
         <p:txBody>
-          <a:bodyPr lIns="90000" rIns="90000" tIns="45000" bIns="45000" anchor="b"/>
+          <a:bodyPr lIns="90000" tIns="45000" rIns="90000" bIns="45000" anchor="b"/>
+          <a:lstStyle/>
           <a:p>
             <a:pPr>
               <a:lnSpc>
@@ -4511,15 +5413,15 @@
               </a:lnSpc>
             </a:pPr>
             <a:r>
-              <a:rPr b="0" lang="pt-BR" sz="2800" spc="-1" strike="noStrike" cap="all">
-                <a:solidFill>
-                  <a:srgbClr val="ffffff"/>
+              <a:rPr lang="pt-BR" sz="2800" b="0" strike="noStrike" cap="all" spc="-1">
+                <a:solidFill>
+                  <a:srgbClr val="FFFFFF"/>
                 </a:solidFill>
                 <a:latin typeface="Gill Sans MT"/>
               </a:rPr>
               <a:t>Créditos</a:t>
             </a:r>
-            <a:endParaRPr b="0" lang="pt-BR" sz="2800" spc="-1" strike="noStrike">
+            <a:endParaRPr lang="pt-BR" sz="2800" b="0" strike="noStrike" spc="-1">
               <a:latin typeface="Arial"/>
             </a:endParaRPr>
           </a:p>
@@ -4545,15 +5447,22 @@
           </a:ln>
         </p:spPr>
         <p:style>
-          <a:lnRef idx="0"/>
-          <a:fillRef idx="0"/>
-          <a:effectRef idx="0"/>
+          <a:lnRef idx="0">
+            <a:scrgbClr r="0" g="0" b="0"/>
+          </a:lnRef>
+          <a:fillRef idx="0">
+            <a:scrgbClr r="0" g="0" b="0"/>
+          </a:fillRef>
+          <a:effectRef idx="0">
+            <a:scrgbClr r="0" g="0" b="0"/>
+          </a:effectRef>
           <a:fontRef idx="minor"/>
         </p:style>
         <p:txBody>
-          <a:bodyPr lIns="90000" rIns="90000" tIns="45000" bIns="45000">
+          <a:bodyPr lIns="90000" tIns="45000" rIns="90000" bIns="45000">
             <a:normAutofit/>
           </a:bodyPr>
+          <a:lstStyle/>
           <a:p>
             <a:pPr marL="306000" indent="-305280">
               <a:lnSpc>
@@ -4566,42 +5475,42 @@
                 <a:spcPts val="601"/>
               </a:spcAft>
               <a:buClr>
-                <a:srgbClr val="4590b8"/>
+                <a:srgbClr val="4590B8"/>
               </a:buClr>
               <a:buSzPct val="92000"/>
               <a:buFont typeface="Wingdings 2" charset="2"/>
               <a:buChar char=""/>
             </a:pPr>
             <a:r>
-              <a:rPr b="0" lang="pt-BR" sz="1800" spc="-1" strike="noStrike">
-                <a:solidFill>
-                  <a:srgbClr val="3d3d3d"/>
+              <a:rPr lang="pt-BR" sz="1800" b="0" strike="noStrike" spc="-1">
+                <a:solidFill>
+                  <a:srgbClr val="3D3D3D"/>
                 </a:solidFill>
                 <a:latin typeface="Gill Sans MT"/>
               </a:rPr>
               <a:t>Essa lição foi escrita por Bayou Builders FLL Team #4043 (</a:t>
             </a:r>
             <a:r>
-              <a:rPr b="0" lang="pt-BR" sz="1800" spc="-1" strike="noStrike" u="sng">
-                <a:solidFill>
-                  <a:srgbClr val="0000ff"/>
+              <a:rPr lang="pt-BR" sz="1800" b="0" u="sng" strike="noStrike" spc="-1">
+                <a:solidFill>
+                  <a:srgbClr val="0000FF"/>
                 </a:solidFill>
                 <a:uFillTx/>
                 <a:latin typeface="Gill Sans MT"/>
-                <a:hlinkClick r:id="rId1"/>
+                <a:hlinkClick r:id="rId3"/>
               </a:rPr>
               <a:t>www.bayoubuilders.org)</a:t>
             </a:r>
             <a:r>
-              <a:rPr b="0" lang="pt-BR" sz="1800" spc="-1" strike="noStrike">
-                <a:solidFill>
-                  <a:srgbClr val="3d3d3d"/>
+              <a:rPr lang="pt-BR" sz="1800" b="0" strike="noStrike" spc="-1">
+                <a:solidFill>
+                  <a:srgbClr val="3D3D3D"/>
                 </a:solidFill>
                 <a:latin typeface="Gill Sans MT"/>
               </a:rPr>
               <a:t> e Team 3659 NeXT GEN (Facebook:Garrett County FIRST LEGO League Team 3659). </a:t>
             </a:r>
-            <a:endParaRPr b="0" lang="pt-BR" sz="1800" spc="-1" strike="noStrike">
+            <a:endParaRPr lang="pt-BR" sz="1800" b="0" strike="noStrike" spc="-1">
               <a:latin typeface="Arial"/>
             </a:endParaRPr>
           </a:p>
@@ -4617,53 +5526,53 @@
                 <a:spcPts val="601"/>
               </a:spcAft>
               <a:buClr>
-                <a:srgbClr val="4590b8"/>
+                <a:srgbClr val="4590B8"/>
               </a:buClr>
               <a:buSzPct val="92000"/>
               <a:buFont typeface="Wingdings 2" charset="2"/>
               <a:buChar char=""/>
             </a:pPr>
             <a:r>
-              <a:rPr b="0" lang="pt-BR" sz="1800" spc="-1" strike="noStrike">
-                <a:solidFill>
-                  <a:srgbClr val="3d3d3d"/>
+              <a:rPr lang="pt-BR" sz="1800" b="0" strike="noStrike" spc="-1">
+                <a:solidFill>
+                  <a:srgbClr val="3D3D3D"/>
                 </a:solidFill>
                 <a:latin typeface="Gill Sans MT"/>
               </a:rPr>
               <a:t>Mais lições disponíveis no site </a:t>
             </a:r>
             <a:r>
-              <a:rPr b="0" lang="pt-BR" sz="1800" spc="-1" strike="noStrike" u="sng">
-                <a:solidFill>
-                  <a:srgbClr val="0000ff"/>
+              <a:rPr lang="pt-BR" sz="1800" b="0" u="sng" strike="noStrike" spc="-1">
+                <a:solidFill>
+                  <a:srgbClr val="0000FF"/>
                 </a:solidFill>
                 <a:uFillTx/>
                 <a:latin typeface="Gill Sans MT"/>
-                <a:hlinkClick r:id="rId2"/>
+                <a:hlinkClick r:id="rId4"/>
               </a:rPr>
               <a:t>www.ev3lessons.com</a:t>
             </a:r>
             <a:r>
-              <a:rPr b="0" lang="pt-BR" sz="1800" spc="-1" strike="noStrike">
-                <a:solidFill>
-                  <a:srgbClr val="3d3d3d"/>
+              <a:rPr lang="pt-BR" sz="1800" b="0" strike="noStrike" spc="-1">
+                <a:solidFill>
+                  <a:srgbClr val="3D3D3D"/>
                 </a:solidFill>
                 <a:latin typeface="Gill Sans MT"/>
               </a:rPr>
               <a:t> e </a:t>
             </a:r>
             <a:r>
-              <a:rPr b="0" lang="pt-BR" sz="1800" spc="-1" strike="noStrike" u="sng">
-                <a:solidFill>
-                  <a:srgbClr val="0000ff"/>
+              <a:rPr lang="pt-BR" sz="1800" b="0" u="sng" strike="noStrike" spc="-1">
+                <a:solidFill>
+                  <a:srgbClr val="0000FF"/>
                 </a:solidFill>
                 <a:uFillTx/>
                 <a:latin typeface="Gill Sans MT"/>
-                <a:hlinkClick r:id="rId3"/>
+                <a:hlinkClick r:id="rId5"/>
               </a:rPr>
               <a:t>www.flltutorials.com</a:t>
             </a:r>
-            <a:endParaRPr b="0" lang="pt-BR" sz="1800" spc="-1" strike="noStrike">
+            <a:endParaRPr lang="pt-BR" sz="1800" b="0" strike="noStrike" spc="-1">
               <a:latin typeface="Arial"/>
             </a:endParaRPr>
           </a:p>
@@ -4679,14 +5588,14 @@
                 <a:spcPts val="601"/>
               </a:spcAft>
               <a:buClr>
-                <a:srgbClr val="4590b8"/>
+                <a:srgbClr val="4590B8"/>
               </a:buClr>
               <a:buSzPct val="92000"/>
               <a:buFont typeface="Wingdings 2" charset="2"/>
               <a:buChar char=""/>
             </a:pPr>
             <a:r>
-              <a:rPr b="0" lang="pt-BR" sz="1800" spc="-1" strike="noStrike">
+              <a:rPr lang="pt-BR" sz="1800" b="0" strike="noStrike" spc="-1">
                 <a:solidFill>
                   <a:srgbClr val="000000"/>
                 </a:solidFill>
@@ -4694,7 +5603,7 @@
               </a:rPr>
               <a:t>Traduzido por Equipe Sunrise, de Santa Catarina, Brasil</a:t>
             </a:r>
-            <a:endParaRPr b="0" lang="pt-BR" sz="1800" spc="-1" strike="noStrike">
+            <a:endParaRPr lang="pt-BR" sz="1800" b="0" strike="noStrike" spc="-1">
               <a:latin typeface="Arial"/>
             </a:endParaRPr>
           </a:p>
@@ -4710,7 +5619,7 @@
                 <a:spcPts val="601"/>
               </a:spcAft>
             </a:pPr>
-            <a:endParaRPr b="0" lang="pt-BR" sz="1800" spc="-1" strike="noStrike">
+            <a:endParaRPr lang="pt-BR" sz="1800" b="0" strike="noStrike" spc="-1">
               <a:latin typeface="Arial"/>
             </a:endParaRPr>
           </a:p>
@@ -4726,7 +5635,7 @@
                 <a:spcPts val="601"/>
               </a:spcAft>
             </a:pPr>
-            <a:endParaRPr b="0" lang="pt-BR" sz="1800" spc="-1" strike="noStrike">
+            <a:endParaRPr lang="pt-BR" sz="1800" b="0" strike="noStrike" spc="-1">
               <a:latin typeface="Arial"/>
             </a:endParaRPr>
           </a:p>
@@ -4742,7 +5651,7 @@
                 <a:spcPts val="601"/>
               </a:spcAft>
             </a:pPr>
-            <a:endParaRPr b="0" lang="pt-BR" sz="1800" spc="-1" strike="noStrike">
+            <a:endParaRPr lang="pt-BR" sz="1800" b="0" strike="noStrike" spc="-1">
               <a:latin typeface="Arial"/>
             </a:endParaRPr>
           </a:p>
@@ -4768,13 +5677,20 @@
           </a:ln>
         </p:spPr>
         <p:style>
-          <a:lnRef idx="0"/>
-          <a:fillRef idx="0"/>
-          <a:effectRef idx="0"/>
+          <a:lnRef idx="0">
+            <a:scrgbClr r="0" g="0" b="0"/>
+          </a:lnRef>
+          <a:fillRef idx="0">
+            <a:scrgbClr r="0" g="0" b="0"/>
+          </a:fillRef>
+          <a:effectRef idx="0">
+            <a:scrgbClr r="0" g="0" b="0"/>
+          </a:effectRef>
           <a:fontRef idx="minor"/>
         </p:style>
         <p:txBody>
-          <a:bodyPr lIns="90000" rIns="90000" tIns="45000" bIns="45000"/>
+          <a:bodyPr lIns="90000" tIns="45000" rIns="90000" bIns="45000"/>
+          <a:lstStyle/>
           <a:p>
             <a:pPr>
               <a:lnSpc>
@@ -4782,15 +5698,15 @@
               </a:lnSpc>
             </a:pPr>
             <a:r>
-              <a:rPr b="0" lang="pt-BR" sz="1800" spc="-1" strike="noStrike">
-                <a:solidFill>
-                  <a:srgbClr val="537ed0"/>
+              <a:rPr lang="pt-BR" sz="1800" b="0" strike="noStrike" spc="-1">
+                <a:solidFill>
+                  <a:srgbClr val="537ED0"/>
                 </a:solidFill>
                 <a:latin typeface="Gill Sans MT"/>
               </a:rPr>
               <a:t>© 2018, FLL Tutorials (Last Edit 6/11/2018)</a:t>
             </a:r>
-            <a:endParaRPr b="0" lang="pt-BR" sz="1800" spc="-1" strike="noStrike">
+            <a:endParaRPr lang="pt-BR" sz="1800" b="0" strike="noStrike" spc="-1">
               <a:latin typeface="Arial"/>
             </a:endParaRPr>
           </a:p>
@@ -4816,13 +5732,20 @@
           </a:ln>
         </p:spPr>
         <p:style>
-          <a:lnRef idx="0"/>
-          <a:fillRef idx="0"/>
-          <a:effectRef idx="0"/>
+          <a:lnRef idx="0">
+            <a:scrgbClr r="0" g="0" b="0"/>
+          </a:lnRef>
+          <a:fillRef idx="0">
+            <a:scrgbClr r="0" g="0" b="0"/>
+          </a:fillRef>
+          <a:effectRef idx="0">
+            <a:scrgbClr r="0" g="0" b="0"/>
+          </a:effectRef>
           <a:fontRef idx="minor"/>
         </p:style>
         <p:txBody>
-          <a:bodyPr lIns="90000" rIns="90000" tIns="45000" bIns="45000"/>
+          <a:bodyPr lIns="90000" tIns="45000" rIns="90000" bIns="45000"/>
+          <a:lstStyle/>
           <a:p>
             <a:pPr>
               <a:lnSpc>
@@ -4830,15 +5753,15 @@
               </a:lnSpc>
             </a:pPr>
             <a:fld id="{AB07BA31-E7C5-45C1-9E71-FFAA7D2C67A5}" type="slidenum">
-              <a:rPr b="0" lang="pt-BR" sz="1800" spc="-1" strike="noStrike">
-                <a:solidFill>
-                  <a:srgbClr val="537ed0"/>
-                </a:solidFill>
-                <a:latin typeface="Gill Sans MT"/>
-              </a:rPr>
-              <a:t>&lt;número&gt;</a:t>
+              <a:rPr lang="pt-BR" sz="1800" b="0" strike="noStrike" spc="-1">
+                <a:solidFill>
+                  <a:srgbClr val="537ED0"/>
+                </a:solidFill>
+                <a:latin typeface="Gill Sans MT"/>
+              </a:rPr>
+              <a:t>10</a:t>
             </a:fld>
-            <a:endParaRPr b="0" lang="pt-BR" sz="1800" spc="-1" strike="noStrike">
+            <a:endParaRPr lang="pt-BR" sz="1800" b="0" strike="noStrike" spc="-1">
               <a:latin typeface="Arial"/>
             </a:endParaRPr>
           </a:p>
@@ -4846,12 +5769,12 @@
       </p:sp>
       <p:pic>
         <p:nvPicPr>
-          <p:cNvPr id="147" name="Picture 5" descr=""/>
+          <p:cNvPr id="147" name="Picture 5"/>
           <p:cNvPicPr/>
           <p:nvPr/>
         </p:nvPicPr>
         <p:blipFill>
-          <a:blip r:embed="rId4"/>
+          <a:blip r:embed="rId6"/>
           <a:stretch/>
         </p:blipFill>
         <p:spPr>
@@ -4869,22 +5792,25 @@
       </p:pic>
     </p:spTree>
   </p:cSld>
+  <p:clrMapOvr>
+    <a:masterClrMapping/>
+  </p:clrMapOvr>
   <p:timing>
     <p:tnLst>
       <p:par>
-        <p:cTn id="19" dur="indefinite" restart="never" nodeType="tmRoot">
+        <p:cTn id="1" dur="indefinite" restart="never" nodeType="tmRoot">
           <p:childTnLst>
             <p:seq>
-              <p:cTn id="20" dur="indefinite" nodeType="mainSeq"/>
+              <p:cTn id="2" dur="indefinite" nodeType="mainSeq"/>
               <p:prevCondLst>
-                <p:cond delay="0" evt="onPrev">
+                <p:cond evt="onPrev" delay="0">
                   <p:tgtEl>
                     <p:sldTgt/>
                   </p:tgtEl>
                 </p:cond>
               </p:prevCondLst>
               <p:nextCondLst>
-                <p:cond delay="0" evt="onNext">
+                <p:cond evt="onNext" delay="0">
                   <p:tgtEl>
                     <p:sldTgt/>
                   </p:tgtEl>
@@ -4900,7 +5826,7 @@
 </file>
 
 <file path=ppt/slides/slide2.xml><?xml version="1.0" encoding="utf-8"?>
-<p:sld xmlns:a="http://schemas.openxmlformats.org/drawingml/2006/main" xmlns:p="http://schemas.openxmlformats.org/presentationml/2006/main" xmlns:r="http://schemas.openxmlformats.org/officeDocument/2006/relationships" xmlns:p14="http://schemas.microsoft.com/office/powerpoint/2010/main" xmlns:p15="http://schemas.microsoft.com/office/powerpoint/2012/main" xmlns:mc="http://schemas.openxmlformats.org/markup-compatibility/2006">
+<p:sld xmlns:a="http://schemas.openxmlformats.org/drawingml/2006/main" xmlns:r="http://schemas.openxmlformats.org/officeDocument/2006/relationships" xmlns:p="http://schemas.openxmlformats.org/presentationml/2006/main">
   <p:cSld>
     <p:spTree>
       <p:nvGrpSpPr>
@@ -4936,13 +5862,20 @@
           </a:ln>
         </p:spPr>
         <p:style>
-          <a:lnRef idx="0"/>
-          <a:fillRef idx="0"/>
-          <a:effectRef idx="0"/>
+          <a:lnRef idx="0">
+            <a:scrgbClr r="0" g="0" b="0"/>
+          </a:lnRef>
+          <a:fillRef idx="0">
+            <a:scrgbClr r="0" g="0" b="0"/>
+          </a:fillRef>
+          <a:effectRef idx="0">
+            <a:scrgbClr r="0" g="0" b="0"/>
+          </a:effectRef>
           <a:fontRef idx="minor"/>
         </p:style>
         <p:txBody>
-          <a:bodyPr lIns="90000" rIns="90000" tIns="45000" bIns="45000" anchor="b"/>
+          <a:bodyPr lIns="90000" tIns="45000" rIns="90000" bIns="45000" anchor="b"/>
+          <a:lstStyle/>
           <a:p>
             <a:pPr>
               <a:lnSpc>
@@ -4950,15 +5883,15 @@
               </a:lnSpc>
             </a:pPr>
             <a:r>
-              <a:rPr b="0" lang="pt-BR" sz="2800" spc="-1" strike="noStrike" cap="all">
-                <a:solidFill>
-                  <a:srgbClr val="ffffff"/>
+              <a:rPr lang="pt-BR" sz="2800" b="0" strike="noStrike" cap="all" spc="-1">
+                <a:solidFill>
+                  <a:srgbClr val="FFFFFF"/>
                 </a:solidFill>
                 <a:latin typeface="Gill Sans MT"/>
               </a:rPr>
               <a:t>Sobre nós</a:t>
             </a:r>
-            <a:endParaRPr b="0" lang="pt-BR" sz="2800" spc="-1" strike="noStrike">
+            <a:endParaRPr lang="pt-BR" sz="2800" b="0" strike="noStrike" spc="-1">
               <a:latin typeface="Arial"/>
             </a:endParaRPr>
           </a:p>
@@ -4984,15 +5917,22 @@
           </a:ln>
         </p:spPr>
         <p:style>
-          <a:lnRef idx="0"/>
-          <a:fillRef idx="0"/>
-          <a:effectRef idx="0"/>
+          <a:lnRef idx="0">
+            <a:scrgbClr r="0" g="0" b="0"/>
+          </a:lnRef>
+          <a:fillRef idx="0">
+            <a:scrgbClr r="0" g="0" b="0"/>
+          </a:fillRef>
+          <a:effectRef idx="0">
+            <a:scrgbClr r="0" g="0" b="0"/>
+          </a:effectRef>
           <a:fontRef idx="minor"/>
         </p:style>
         <p:txBody>
-          <a:bodyPr lIns="90000" rIns="90000" tIns="45000" bIns="45000">
+          <a:bodyPr lIns="90000" tIns="45000" rIns="90000" bIns="45000">
             <a:normAutofit/>
           </a:bodyPr>
+          <a:lstStyle/>
           <a:p>
             <a:pPr marL="306000" indent="-305280">
               <a:lnSpc>
@@ -5005,22 +5945,22 @@
                 <a:spcPts val="601"/>
               </a:spcAft>
               <a:buClr>
-                <a:srgbClr val="4590b8"/>
+                <a:srgbClr val="4590B8"/>
               </a:buClr>
               <a:buSzPct val="92000"/>
               <a:buFont typeface="Wingdings 2" charset="2"/>
               <a:buChar char=""/>
             </a:pPr>
             <a:r>
-              <a:rPr b="0" lang="pt-BR" sz="1600" spc="-1" strike="noStrike">
-                <a:solidFill>
-                  <a:srgbClr val="3d3d3d"/>
+              <a:rPr lang="pt-BR" sz="1600" b="0" strike="noStrike" spc="-1">
+                <a:solidFill>
+                  <a:srgbClr val="3D3D3D"/>
                 </a:solidFill>
                 <a:latin typeface="Gill Sans MT"/>
               </a:rPr>
               <a:t>Bayou Builders é uma equipe baseada na comunidade, de 10 pessoas, em Hammond, Louisiana.</a:t>
             </a:r>
-            <a:endParaRPr b="0" lang="pt-BR" sz="1600" spc="-1" strike="noStrike">
+            <a:endParaRPr lang="pt-BR" sz="1600" b="0" strike="noStrike" spc="-1">
               <a:latin typeface="Arial"/>
             </a:endParaRPr>
           </a:p>
@@ -5036,22 +5976,22 @@
                 <a:spcPts val="601"/>
               </a:spcAft>
               <a:buClr>
-                <a:srgbClr val="4590b8"/>
+                <a:srgbClr val="4590B8"/>
               </a:buClr>
               <a:buSzPct val="92000"/>
               <a:buFont typeface="Wingdings 2" charset="2"/>
               <a:buChar char=""/>
             </a:pPr>
             <a:r>
-              <a:rPr b="0" lang="pt-BR" sz="1600" spc="-1" strike="noStrike">
-                <a:solidFill>
-                  <a:srgbClr val="3d3d3d"/>
+              <a:rPr lang="pt-BR" sz="1600" b="0" strike="noStrike" spc="-1">
+                <a:solidFill>
+                  <a:srgbClr val="3D3D3D"/>
                 </a:solidFill>
                 <a:latin typeface="Gill Sans MT"/>
               </a:rPr>
               <a:t>Eles ganharam o Champions’ award todos os anos e participaram do North American Open assim como o World Festival. EM 2017, também foram nomeados para o Global Innovation Award de Louisiana.</a:t>
             </a:r>
-            <a:endParaRPr b="0" lang="pt-BR" sz="1600" spc="-1" strike="noStrike">
+            <a:endParaRPr lang="pt-BR" sz="1600" b="0" strike="noStrike" spc="-1">
               <a:latin typeface="Arial"/>
             </a:endParaRPr>
           </a:p>
@@ -5077,13 +6017,20 @@
           </a:ln>
         </p:spPr>
         <p:style>
-          <a:lnRef idx="0"/>
-          <a:fillRef idx="0"/>
-          <a:effectRef idx="0"/>
+          <a:lnRef idx="0">
+            <a:scrgbClr r="0" g="0" b="0"/>
+          </a:lnRef>
+          <a:fillRef idx="0">
+            <a:scrgbClr r="0" g="0" b="0"/>
+          </a:fillRef>
+          <a:effectRef idx="0">
+            <a:scrgbClr r="0" g="0" b="0"/>
+          </a:effectRef>
           <a:fontRef idx="minor"/>
         </p:style>
         <p:txBody>
-          <a:bodyPr lIns="90000" rIns="90000" tIns="45000" bIns="45000"/>
+          <a:bodyPr lIns="90000" tIns="45000" rIns="90000" bIns="45000"/>
+          <a:lstStyle/>
           <a:p>
             <a:pPr>
               <a:lnSpc>
@@ -5091,15 +6038,15 @@
               </a:lnSpc>
             </a:pPr>
             <a:r>
-              <a:rPr b="0" lang="pt-BR" sz="1800" spc="-1" strike="noStrike">
-                <a:solidFill>
-                  <a:srgbClr val="537ed0"/>
+              <a:rPr lang="pt-BR" sz="1800" b="0" strike="noStrike" spc="-1">
+                <a:solidFill>
+                  <a:srgbClr val="537ED0"/>
                 </a:solidFill>
                 <a:latin typeface="Gill Sans MT"/>
               </a:rPr>
               <a:t>© 2018, FLL Tutorials (Última edição em 30/08/2018)</a:t>
             </a:r>
-            <a:endParaRPr b="0" lang="pt-BR" sz="1800" spc="-1" strike="noStrike">
+            <a:endParaRPr lang="pt-BR" sz="1800" b="0" strike="noStrike" spc="-1">
               <a:latin typeface="Arial"/>
             </a:endParaRPr>
           </a:p>
@@ -5125,13 +6072,20 @@
           </a:ln>
         </p:spPr>
         <p:style>
-          <a:lnRef idx="0"/>
-          <a:fillRef idx="0"/>
-          <a:effectRef idx="0"/>
+          <a:lnRef idx="0">
+            <a:scrgbClr r="0" g="0" b="0"/>
+          </a:lnRef>
+          <a:fillRef idx="0">
+            <a:scrgbClr r="0" g="0" b="0"/>
+          </a:fillRef>
+          <a:effectRef idx="0">
+            <a:scrgbClr r="0" g="0" b="0"/>
+          </a:effectRef>
           <a:fontRef idx="minor"/>
         </p:style>
         <p:txBody>
-          <a:bodyPr lIns="90000" rIns="90000" tIns="45000" bIns="45000"/>
+          <a:bodyPr lIns="90000" tIns="45000" rIns="90000" bIns="45000"/>
+          <a:lstStyle/>
           <a:p>
             <a:pPr>
               <a:lnSpc>
@@ -5139,15 +6093,15 @@
               </a:lnSpc>
             </a:pPr>
             <a:fld id="{73C57964-45F3-47D3-9F9C-E337DF37AD32}" type="slidenum">
-              <a:rPr b="0" lang="pt-BR" sz="1800" spc="-1" strike="noStrike">
-                <a:solidFill>
-                  <a:srgbClr val="537ed0"/>
-                </a:solidFill>
-                <a:latin typeface="Gill Sans MT"/>
-              </a:rPr>
-              <a:t>&lt;número&gt;</a:t>
+              <a:rPr lang="pt-BR" sz="1800" b="0" strike="noStrike" spc="-1">
+                <a:solidFill>
+                  <a:srgbClr val="537ED0"/>
+                </a:solidFill>
+                <a:latin typeface="Gill Sans MT"/>
+              </a:rPr>
+              <a:t>2</a:t>
             </a:fld>
-            <a:endParaRPr b="0" lang="pt-BR" sz="1800" spc="-1" strike="noStrike">
+            <a:endParaRPr lang="pt-BR" sz="1800" b="0" strike="noStrike" spc="-1">
               <a:latin typeface="Arial"/>
             </a:endParaRPr>
           </a:p>
@@ -5155,12 +6109,12 @@
       </p:sp>
       <p:pic>
         <p:nvPicPr>
-          <p:cNvPr id="100" name="Picture 6" descr=""/>
+          <p:cNvPr id="100" name="Picture 6"/>
           <p:cNvPicPr/>
           <p:nvPr/>
         </p:nvPicPr>
         <p:blipFill>
-          <a:blip r:embed="rId1"/>
+          <a:blip r:embed="rId2"/>
           <a:stretch/>
         </p:blipFill>
         <p:spPr>
@@ -5196,13 +6150,20 @@
           </a:ln>
         </p:spPr>
         <p:style>
-          <a:lnRef idx="0"/>
-          <a:fillRef idx="0"/>
-          <a:effectRef idx="0"/>
+          <a:lnRef idx="0">
+            <a:scrgbClr r="0" g="0" b="0"/>
+          </a:lnRef>
+          <a:fillRef idx="0">
+            <a:scrgbClr r="0" g="0" b="0"/>
+          </a:fillRef>
+          <a:effectRef idx="0">
+            <a:scrgbClr r="0" g="0" b="0"/>
+          </a:effectRef>
           <a:fontRef idx="minor"/>
         </p:style>
         <p:txBody>
-          <a:bodyPr lIns="90000" rIns="90000" tIns="45000" bIns="45000"/>
+          <a:bodyPr lIns="90000" tIns="45000" rIns="90000" bIns="45000"/>
+          <a:lstStyle/>
           <a:p>
             <a:pPr marL="285840" indent="-285120">
               <a:lnSpc>
@@ -5215,13 +6176,13 @@
                 <a:spcPts val="201"/>
               </a:spcAft>
               <a:buClr>
-                <a:srgbClr val="1a3260"/>
+                <a:srgbClr val="1A3260"/>
               </a:buClr>
               <a:buFont typeface="Wingdings" charset="2"/>
               <a:buChar char=""/>
             </a:pPr>
             <a:r>
-              <a:rPr b="0" lang="pt-BR" sz="1600" spc="-1" strike="noStrike">
+              <a:rPr lang="pt-BR" sz="1600" b="0" strike="noStrike" spc="-1">
                 <a:solidFill>
                   <a:srgbClr val="404040"/>
                 </a:solidFill>
@@ -5230,7 +6191,7 @@
               </a:rPr>
               <a:t>NeXT Gen é uma escola de ensino médio de Garrett County, Maryland, com 13 anos de FIRST LEGO League.</a:t>
             </a:r>
-            <a:endParaRPr b="0" lang="pt-BR" sz="1600" spc="-1" strike="noStrike">
+            <a:endParaRPr lang="pt-BR" sz="1600" b="0" strike="noStrike" spc="-1">
               <a:latin typeface="Arial"/>
             </a:endParaRPr>
           </a:p>
@@ -5246,13 +6207,13 @@
                 <a:spcPts val="201"/>
               </a:spcAft>
               <a:buClr>
-                <a:srgbClr val="1a3260"/>
+                <a:srgbClr val="1A3260"/>
               </a:buClr>
               <a:buFont typeface="Wingdings" charset="2"/>
               <a:buChar char=""/>
             </a:pPr>
             <a:r>
-              <a:rPr b="0" lang="pt-BR" sz="1600" spc="-1" strike="noStrike">
+              <a:rPr lang="pt-BR" sz="1600" b="0" strike="noStrike" spc="-1">
                 <a:solidFill>
                   <a:srgbClr val="404040"/>
                 </a:solidFill>
@@ -5261,7 +6222,7 @@
               </a:rPr>
               <a:t>Eles ganharam em primeiro lugar no 2013 Global Innovation Award. Também ganharam no Top 20 GIA Semi-Finalist em 2017, por solução inovadora, BeeHaven.</a:t>
             </a:r>
-            <a:endParaRPr b="0" lang="pt-BR" sz="1600" spc="-1" strike="noStrike">
+            <a:endParaRPr lang="pt-BR" sz="1600" b="0" strike="noStrike" spc="-1">
               <a:latin typeface="Arial"/>
             </a:endParaRPr>
           </a:p>
@@ -5277,13 +6238,13 @@
                 <a:spcPts val="201"/>
               </a:spcAft>
               <a:buClr>
-                <a:srgbClr val="1a3260"/>
+                <a:srgbClr val="1A3260"/>
               </a:buClr>
               <a:buFont typeface="Wingdings" charset="2"/>
               <a:buChar char=""/>
             </a:pPr>
             <a:r>
-              <a:rPr b="0" lang="pt-BR" sz="1600" spc="-1" strike="noStrike">
+              <a:rPr lang="pt-BR" sz="1600" b="0" strike="noStrike" spc="-1">
                 <a:solidFill>
                   <a:srgbClr val="404040"/>
                 </a:solidFill>
@@ -5292,7 +6253,7 @@
               </a:rPr>
               <a:t>Ganharam em primeiro lugar em Innovative Solution no Mountain State Invitational em 2017.</a:t>
             </a:r>
-            <a:endParaRPr b="0" lang="pt-BR" sz="1600" spc="-1" strike="noStrike">
+            <a:endParaRPr lang="pt-BR" sz="1600" b="0" strike="noStrike" spc="-1">
               <a:latin typeface="Arial"/>
             </a:endParaRPr>
           </a:p>
@@ -5300,12 +6261,12 @@
       </p:sp>
       <p:pic>
         <p:nvPicPr>
-          <p:cNvPr id="102" name="Picture 8" descr=""/>
+          <p:cNvPr id="102" name="Picture 8"/>
           <p:cNvPicPr/>
           <p:nvPr/>
         </p:nvPicPr>
         <p:blipFill>
-          <a:blip r:embed="rId2"/>
+          <a:blip r:embed="rId3"/>
           <a:stretch/>
         </p:blipFill>
         <p:spPr>
@@ -5323,22 +6284,25 @@
       </p:pic>
     </p:spTree>
   </p:cSld>
+  <p:clrMapOvr>
+    <a:masterClrMapping/>
+  </p:clrMapOvr>
   <p:timing>
     <p:tnLst>
       <p:par>
-        <p:cTn id="3" dur="indefinite" restart="never" nodeType="tmRoot">
+        <p:cTn id="1" dur="indefinite" restart="never" nodeType="tmRoot">
           <p:childTnLst>
             <p:seq>
-              <p:cTn id="4" dur="indefinite" nodeType="mainSeq"/>
+              <p:cTn id="2" dur="indefinite" nodeType="mainSeq"/>
               <p:prevCondLst>
-                <p:cond delay="0" evt="onPrev">
+                <p:cond evt="onPrev" delay="0">
                   <p:tgtEl>
                     <p:sldTgt/>
                   </p:tgtEl>
                 </p:cond>
               </p:prevCondLst>
               <p:nextCondLst>
-                <p:cond delay="0" evt="onNext">
+                <p:cond evt="onNext" delay="0">
                   <p:tgtEl>
                     <p:sldTgt/>
                   </p:tgtEl>
@@ -5354,7 +6318,7 @@
 </file>
 
 <file path=ppt/slides/slide3.xml><?xml version="1.0" encoding="utf-8"?>
-<p:sld xmlns:a="http://schemas.openxmlformats.org/drawingml/2006/main" xmlns:p="http://schemas.openxmlformats.org/presentationml/2006/main" xmlns:r="http://schemas.openxmlformats.org/officeDocument/2006/relationships" xmlns:p14="http://schemas.microsoft.com/office/powerpoint/2010/main" xmlns:p15="http://schemas.microsoft.com/office/powerpoint/2012/main" xmlns:mc="http://schemas.openxmlformats.org/markup-compatibility/2006">
+<p:sld xmlns:a="http://schemas.openxmlformats.org/drawingml/2006/main" xmlns:r="http://schemas.openxmlformats.org/officeDocument/2006/relationships" xmlns:p="http://schemas.openxmlformats.org/presentationml/2006/main">
   <p:cSld>
     <p:spTree>
       <p:nvGrpSpPr>
@@ -5390,13 +6354,20 @@
           </a:ln>
         </p:spPr>
         <p:style>
-          <a:lnRef idx="0"/>
-          <a:fillRef idx="0"/>
-          <a:effectRef idx="0"/>
+          <a:lnRef idx="0">
+            <a:scrgbClr r="0" g="0" b="0"/>
+          </a:lnRef>
+          <a:fillRef idx="0">
+            <a:scrgbClr r="0" g="0" b="0"/>
+          </a:fillRef>
+          <a:effectRef idx="0">
+            <a:scrgbClr r="0" g="0" b="0"/>
+          </a:effectRef>
           <a:fontRef idx="minor"/>
         </p:style>
         <p:txBody>
-          <a:bodyPr lIns="90000" rIns="90000" tIns="45000" bIns="45000" anchor="b"/>
+          <a:bodyPr lIns="90000" tIns="45000" rIns="90000" bIns="45000" anchor="b"/>
+          <a:lstStyle/>
           <a:p>
             <a:pPr>
               <a:lnSpc>
@@ -5404,15 +6375,15 @@
               </a:lnSpc>
             </a:pPr>
             <a:r>
-              <a:rPr b="0" lang="pt-BR" sz="2800" spc="-1" strike="noStrike" cap="all">
-                <a:solidFill>
-                  <a:srgbClr val="ffffff"/>
+              <a:rPr lang="pt-BR" sz="2800" b="0" strike="noStrike" cap="all" spc="-1">
+                <a:solidFill>
+                  <a:srgbClr val="FFFFFF"/>
                 </a:solidFill>
                 <a:latin typeface="Gill Sans MT"/>
               </a:rPr>
               <a:t>Types of Sources</a:t>
             </a:r>
-            <a:endParaRPr b="0" lang="pt-BR" sz="2800" spc="-1" strike="noStrike">
+            <a:endParaRPr lang="pt-BR" sz="2800" b="0" strike="noStrike" spc="-1">
               <a:latin typeface="Arial"/>
             </a:endParaRPr>
           </a:p>
@@ -5438,15 +6409,22 @@
           </a:ln>
         </p:spPr>
         <p:style>
-          <a:lnRef idx="0"/>
-          <a:fillRef idx="0"/>
-          <a:effectRef idx="0"/>
+          <a:lnRef idx="0">
+            <a:scrgbClr r="0" g="0" b="0"/>
+          </a:lnRef>
+          <a:fillRef idx="0">
+            <a:scrgbClr r="0" g="0" b="0"/>
+          </a:fillRef>
+          <a:effectRef idx="0">
+            <a:scrgbClr r="0" g="0" b="0"/>
+          </a:effectRef>
           <a:fontRef idx="minor"/>
         </p:style>
         <p:txBody>
-          <a:bodyPr lIns="90000" rIns="90000" tIns="45000" bIns="45000">
+          <a:bodyPr lIns="90000" tIns="45000" rIns="90000" bIns="45000">
             <a:normAutofit/>
           </a:bodyPr>
+          <a:lstStyle/>
           <a:p>
             <a:pPr marL="306000" indent="-305280">
               <a:lnSpc>
@@ -5459,22 +6437,22 @@
                 <a:spcPts val="601"/>
               </a:spcAft>
               <a:buClr>
-                <a:srgbClr val="4590b8"/>
+                <a:srgbClr val="4590B8"/>
               </a:buClr>
               <a:buSzPct val="92000"/>
               <a:buFont typeface="Wingdings" charset="2"/>
               <a:buChar char=""/>
             </a:pPr>
             <a:r>
-              <a:rPr b="0" lang="pt-BR" sz="2300" spc="-1" strike="noStrike">
-                <a:solidFill>
-                  <a:srgbClr val="3d3d3d"/>
+              <a:rPr lang="pt-BR" sz="2300" b="0" strike="noStrike" spc="-1">
+                <a:solidFill>
+                  <a:srgbClr val="3D3D3D"/>
                 </a:solidFill>
                 <a:latin typeface="Gill Sans MT"/>
               </a:rPr>
               <a:t>Use uma variedade de fontes, incluindo sites, livros, revistas, reportagens, profissionais, etc.</a:t>
             </a:r>
-            <a:endParaRPr b="0" lang="pt-BR" sz="2300" spc="-1" strike="noStrike">
+            <a:endParaRPr lang="pt-BR" sz="2300" b="0" strike="noStrike" spc="-1">
               <a:latin typeface="Arial"/>
             </a:endParaRPr>
           </a:p>
@@ -5490,31 +6468,22 @@
                 <a:spcPts val="601"/>
               </a:spcAft>
               <a:buClr>
-                <a:srgbClr val="4590b8"/>
+                <a:srgbClr val="4590B8"/>
               </a:buClr>
               <a:buSzPct val="92000"/>
               <a:buFont typeface="Wingdings" charset="2"/>
               <a:buChar char=""/>
             </a:pPr>
             <a:r>
-              <a:rPr b="0" lang="pt-BR" sz="2300" spc="-1" strike="noStrike">
-                <a:solidFill>
-                  <a:srgbClr val="3d3d3d"/>
-                </a:solidFill>
-                <a:latin typeface="Gill Sans MT"/>
-              </a:rPr>
-              <a:t> </a:t>
-            </a:r>
-            <a:r>
-              <a:rPr b="0" lang="pt-BR" sz="2300" spc="-1" strike="noStrike">
-                <a:solidFill>
-                  <a:srgbClr val="3d3d3d"/>
-                </a:solidFill>
-                <a:latin typeface="Gill Sans MT"/>
-              </a:rPr>
-              <a:t>Façam viagens de campo</a:t>
-            </a:r>
-            <a:endParaRPr b="0" lang="pt-BR" sz="2300" spc="-1" strike="noStrike">
+              <a:rPr lang="pt-BR" sz="2300" b="0" strike="noStrike" spc="-1">
+                <a:solidFill>
+                  <a:srgbClr val="3D3D3D"/>
+                </a:solidFill>
+                <a:latin typeface="Gill Sans MT"/>
+              </a:rPr>
+              <a:t> Façam viagens de campo</a:t>
+            </a:r>
+            <a:endParaRPr lang="pt-BR" sz="2300" b="0" strike="noStrike" spc="-1">
               <a:latin typeface="Arial"/>
             </a:endParaRPr>
           </a:p>
@@ -5530,22 +6499,22 @@
                 <a:spcPts val="601"/>
               </a:spcAft>
               <a:buClr>
-                <a:srgbClr val="4590b8"/>
+                <a:srgbClr val="4590B8"/>
               </a:buClr>
               <a:buSzPct val="92000"/>
               <a:buFont typeface="Wingdings" charset="2"/>
               <a:buChar char=""/>
             </a:pPr>
             <a:r>
-              <a:rPr b="0" lang="pt-BR" sz="2300" spc="-1" strike="noStrike">
-                <a:solidFill>
-                  <a:srgbClr val="3d3d3d"/>
+              <a:rPr lang="pt-BR" sz="2300" b="0" strike="noStrike" spc="-1">
+                <a:solidFill>
+                  <a:srgbClr val="3D3D3D"/>
                 </a:solidFill>
                 <a:latin typeface="Gill Sans MT"/>
               </a:rPr>
               <a:t>Coletem seus próprios dados</a:t>
             </a:r>
-            <a:endParaRPr b="0" lang="pt-BR" sz="2300" spc="-1" strike="noStrike">
+            <a:endParaRPr lang="pt-BR" sz="2300" b="0" strike="noStrike" spc="-1">
               <a:latin typeface="Arial"/>
             </a:endParaRPr>
           </a:p>
@@ -5561,22 +6530,22 @@
                 <a:spcPts val="601"/>
               </a:spcAft>
               <a:buClr>
-                <a:srgbClr val="4590b8"/>
+                <a:srgbClr val="4590B8"/>
               </a:buClr>
               <a:buSzPct val="92000"/>
               <a:buFont typeface="Wingdings" charset="2"/>
               <a:buChar char=""/>
             </a:pPr>
             <a:r>
-              <a:rPr b="0" lang="pt-BR" sz="2300" spc="-1" strike="noStrike">
-                <a:solidFill>
-                  <a:srgbClr val="3d3d3d"/>
+              <a:rPr lang="pt-BR" sz="2300" b="0" strike="noStrike" spc="-1">
+                <a:solidFill>
+                  <a:srgbClr val="3D3D3D"/>
                 </a:solidFill>
                 <a:latin typeface="Gill Sans MT"/>
               </a:rPr>
               <a:t>Lembrem que todas as fontes precisam ser citadas</a:t>
             </a:r>
-            <a:endParaRPr b="0" lang="pt-BR" sz="2300" spc="-1" strike="noStrike">
+            <a:endParaRPr lang="pt-BR" sz="2300" b="0" strike="noStrike" spc="-1">
               <a:latin typeface="Arial"/>
             </a:endParaRPr>
           </a:p>
@@ -5592,7 +6561,7 @@
                 <a:spcPts val="601"/>
               </a:spcAft>
             </a:pPr>
-            <a:endParaRPr b="0" lang="pt-BR" sz="2300" spc="-1" strike="noStrike">
+            <a:endParaRPr lang="pt-BR" sz="2300" b="0" strike="noStrike" spc="-1">
               <a:latin typeface="Arial"/>
             </a:endParaRPr>
           </a:p>
@@ -5618,13 +6587,20 @@
           </a:ln>
         </p:spPr>
         <p:style>
-          <a:lnRef idx="0"/>
-          <a:fillRef idx="0"/>
-          <a:effectRef idx="0"/>
+          <a:lnRef idx="0">
+            <a:scrgbClr r="0" g="0" b="0"/>
+          </a:lnRef>
+          <a:fillRef idx="0">
+            <a:scrgbClr r="0" g="0" b="0"/>
+          </a:fillRef>
+          <a:effectRef idx="0">
+            <a:scrgbClr r="0" g="0" b="0"/>
+          </a:effectRef>
           <a:fontRef idx="minor"/>
         </p:style>
         <p:txBody>
-          <a:bodyPr lIns="90000" rIns="90000" tIns="45000" bIns="45000"/>
+          <a:bodyPr lIns="90000" tIns="45000" rIns="90000" bIns="45000"/>
+          <a:lstStyle/>
           <a:p>
             <a:pPr>
               <a:lnSpc>
@@ -5632,15 +6608,15 @@
               </a:lnSpc>
             </a:pPr>
             <a:fld id="{9013B16A-4135-490B-95FB-C212A6B1C48C}" type="slidenum">
-              <a:rPr b="0" lang="pt-BR" sz="1800" spc="-1" strike="noStrike">
-                <a:solidFill>
-                  <a:srgbClr val="537ed0"/>
-                </a:solidFill>
-                <a:latin typeface="Gill Sans MT"/>
-              </a:rPr>
-              <a:t>&lt;número&gt;</a:t>
+              <a:rPr lang="pt-BR" sz="1800" b="0" strike="noStrike" spc="-1">
+                <a:solidFill>
+                  <a:srgbClr val="537ED0"/>
+                </a:solidFill>
+                <a:latin typeface="Gill Sans MT"/>
+              </a:rPr>
+              <a:t>3</a:t>
             </a:fld>
-            <a:endParaRPr b="0" lang="pt-BR" sz="1800" spc="-1" strike="noStrike">
+            <a:endParaRPr lang="pt-BR" sz="1800" b="0" strike="noStrike" spc="-1">
               <a:latin typeface="Arial"/>
             </a:endParaRPr>
           </a:p>
@@ -5648,12 +6624,12 @@
       </p:sp>
       <p:pic>
         <p:nvPicPr>
-          <p:cNvPr id="106" name="Picture 7" descr=""/>
+          <p:cNvPr id="106" name="Picture 7"/>
           <p:cNvPicPr/>
           <p:nvPr/>
         </p:nvPicPr>
         <p:blipFill>
-          <a:blip r:embed="rId1"/>
+          <a:blip r:embed="rId3"/>
           <a:stretch/>
         </p:blipFill>
         <p:spPr>
@@ -5671,7 +6647,7 @@
             <a:miter/>
           </a:ln>
           <a:effectLst>
-            <a:outerShdw algn="tl" blurRad="50800" dir="2700000" dist="38100" rotWithShape="0">
+            <a:outerShdw blurRad="50800" dist="38100" dir="2700000" algn="tl" rotWithShape="0">
               <a:srgbClr val="000000">
                 <a:alpha val="43000"/>
               </a:srgbClr>
@@ -5681,12 +6657,12 @@
       </p:pic>
       <p:pic>
         <p:nvPicPr>
-          <p:cNvPr id="107" name="Picture 8" descr=""/>
+          <p:cNvPr id="107" name="Picture 8"/>
           <p:cNvPicPr/>
           <p:nvPr/>
         </p:nvPicPr>
         <p:blipFill>
-          <a:blip r:embed="rId2"/>
+          <a:blip r:embed="rId4"/>
           <a:stretch/>
         </p:blipFill>
         <p:spPr>
@@ -5719,7 +6695,7 @@
           <a:noFill/>
           <a:ln w="38160">
             <a:solidFill>
-              <a:srgbClr val="ff0000"/>
+              <a:srgbClr val="FF0000"/>
             </a:solidFill>
             <a:round/>
           </a:ln>
@@ -5759,13 +6735,20 @@
           </a:ln>
         </p:spPr>
         <p:style>
-          <a:lnRef idx="0"/>
-          <a:fillRef idx="0"/>
-          <a:effectRef idx="0"/>
+          <a:lnRef idx="0">
+            <a:scrgbClr r="0" g="0" b="0"/>
+          </a:lnRef>
+          <a:fillRef idx="0">
+            <a:scrgbClr r="0" g="0" b="0"/>
+          </a:fillRef>
+          <a:effectRef idx="0">
+            <a:scrgbClr r="0" g="0" b="0"/>
+          </a:effectRef>
           <a:fontRef idx="minor"/>
         </p:style>
         <p:txBody>
-          <a:bodyPr lIns="90000" rIns="90000" tIns="45000" bIns="45000"/>
+          <a:bodyPr lIns="90000" tIns="45000" rIns="90000" bIns="45000"/>
+          <a:lstStyle/>
           <a:p>
             <a:pPr>
               <a:lnSpc>
@@ -5773,15 +6756,15 @@
               </a:lnSpc>
             </a:pPr>
             <a:r>
-              <a:rPr b="0" lang="pt-BR" sz="1800" spc="-1" strike="noStrike">
-                <a:solidFill>
-                  <a:srgbClr val="537ed0"/>
+              <a:rPr lang="pt-BR" sz="1800" b="0" strike="noStrike" spc="-1">
+                <a:solidFill>
+                  <a:srgbClr val="537ED0"/>
                 </a:solidFill>
                 <a:latin typeface="Gill Sans MT"/>
               </a:rPr>
               <a:t>© 2018, FLL Tutorials (Última edição em 30/08/2018)</a:t>
             </a:r>
-            <a:endParaRPr b="0" lang="pt-BR" sz="1800" spc="-1" strike="noStrike">
+            <a:endParaRPr lang="pt-BR" sz="1800" b="0" strike="noStrike" spc="-1">
               <a:latin typeface="Arial"/>
             </a:endParaRPr>
           </a:p>
@@ -5789,22 +6772,25 @@
       </p:sp>
     </p:spTree>
   </p:cSld>
+  <p:clrMapOvr>
+    <a:masterClrMapping/>
+  </p:clrMapOvr>
   <p:timing>
     <p:tnLst>
       <p:par>
-        <p:cTn id="5" dur="indefinite" restart="never" nodeType="tmRoot">
+        <p:cTn id="1" dur="indefinite" restart="never" nodeType="tmRoot">
           <p:childTnLst>
             <p:seq>
-              <p:cTn id="6" dur="indefinite" nodeType="mainSeq"/>
+              <p:cTn id="2" dur="indefinite" nodeType="mainSeq"/>
               <p:prevCondLst>
-                <p:cond delay="0" evt="onPrev">
+                <p:cond evt="onPrev" delay="0">
                   <p:tgtEl>
                     <p:sldTgt/>
                   </p:tgtEl>
                 </p:cond>
               </p:prevCondLst>
               <p:nextCondLst>
-                <p:cond delay="0" evt="onNext">
+                <p:cond evt="onNext" delay="0">
                   <p:tgtEl>
                     <p:sldTgt/>
                   </p:tgtEl>
@@ -5820,7 +6806,7 @@
 </file>
 
 <file path=ppt/slides/slide4.xml><?xml version="1.0" encoding="utf-8"?>
-<p:sld xmlns:a="http://schemas.openxmlformats.org/drawingml/2006/main" xmlns:p="http://schemas.openxmlformats.org/presentationml/2006/main" xmlns:r="http://schemas.openxmlformats.org/officeDocument/2006/relationships" xmlns:p14="http://schemas.microsoft.com/office/powerpoint/2010/main" xmlns:p15="http://schemas.microsoft.com/office/powerpoint/2012/main" xmlns:mc="http://schemas.openxmlformats.org/markup-compatibility/2006">
+<p:sld xmlns:a="http://schemas.openxmlformats.org/drawingml/2006/main" xmlns:r="http://schemas.openxmlformats.org/officeDocument/2006/relationships" xmlns:p="http://schemas.openxmlformats.org/presentationml/2006/main">
   <p:cSld>
     <p:spTree>
       <p:nvGrpSpPr>
@@ -5856,13 +6842,20 @@
           </a:ln>
         </p:spPr>
         <p:style>
-          <a:lnRef idx="0"/>
-          <a:fillRef idx="0"/>
-          <a:effectRef idx="0"/>
+          <a:lnRef idx="0">
+            <a:scrgbClr r="0" g="0" b="0"/>
+          </a:lnRef>
+          <a:fillRef idx="0">
+            <a:scrgbClr r="0" g="0" b="0"/>
+          </a:fillRef>
+          <a:effectRef idx="0">
+            <a:scrgbClr r="0" g="0" b="0"/>
+          </a:effectRef>
           <a:fontRef idx="minor"/>
         </p:style>
         <p:txBody>
-          <a:bodyPr lIns="90000" rIns="90000" tIns="45000" bIns="45000" anchor="b"/>
+          <a:bodyPr lIns="90000" tIns="45000" rIns="90000" bIns="45000" anchor="b"/>
+          <a:lstStyle/>
           <a:p>
             <a:pPr>
               <a:lnSpc>
@@ -5870,15 +6863,15 @@
               </a:lnSpc>
             </a:pPr>
             <a:r>
-              <a:rPr b="0" lang="pt-BR" sz="2800" spc="-1" strike="noStrike" cap="all">
-                <a:solidFill>
-                  <a:srgbClr val="ffffff"/>
+              <a:rPr lang="pt-BR" sz="2800" b="0" strike="noStrike" cap="all" spc="-1">
+                <a:solidFill>
+                  <a:srgbClr val="FFFFFF"/>
                 </a:solidFill>
                 <a:latin typeface="Gill Sans MT"/>
               </a:rPr>
               <a:t>Criando uma bibliografia</a:t>
             </a:r>
-            <a:endParaRPr b="0" lang="pt-BR" sz="2800" spc="-1" strike="noStrike">
+            <a:endParaRPr lang="pt-BR" sz="2800" b="0" strike="noStrike" spc="-1">
               <a:latin typeface="Arial"/>
             </a:endParaRPr>
           </a:p>
@@ -5904,15 +6897,22 @@
           </a:ln>
         </p:spPr>
         <p:style>
-          <a:lnRef idx="0"/>
-          <a:fillRef idx="0"/>
-          <a:effectRef idx="0"/>
+          <a:lnRef idx="0">
+            <a:scrgbClr r="0" g="0" b="0"/>
+          </a:lnRef>
+          <a:fillRef idx="0">
+            <a:scrgbClr r="0" g="0" b="0"/>
+          </a:fillRef>
+          <a:effectRef idx="0">
+            <a:scrgbClr r="0" g="0" b="0"/>
+          </a:effectRef>
           <a:fontRef idx="minor"/>
         </p:style>
         <p:txBody>
-          <a:bodyPr lIns="90000" rIns="90000" tIns="45000" bIns="45000">
-            <a:normAutofit/>
+          <a:bodyPr lIns="90000" tIns="45000" rIns="90000" bIns="45000">
+            <a:noAutofit/>
           </a:bodyPr>
+          <a:lstStyle/>
           <a:p>
             <a:pPr marL="306000" indent="-305280">
               <a:lnSpc>
@@ -5925,36 +6925,27 @@
                 <a:spcPts val="601"/>
               </a:spcAft>
               <a:buClr>
-                <a:srgbClr val="4590b8"/>
+                <a:srgbClr val="4590B8"/>
               </a:buClr>
               <a:buSzPct val="92000"/>
               <a:buFont typeface="Wingdings" charset="2"/>
               <a:buChar char=""/>
             </a:pPr>
             <a:r>
-              <a:rPr b="0" lang="pt-BR" sz="3600" spc="-1" strike="noStrike">
-                <a:solidFill>
-                  <a:srgbClr val="3d3d3d"/>
-                </a:solidFill>
-                <a:latin typeface="Gill Sans MT"/>
-              </a:rPr>
-              <a:t> </a:t>
-            </a:r>
-            <a:r>
-              <a:rPr b="0" lang="pt-BR" sz="3600" spc="-1" strike="noStrike">
-                <a:solidFill>
-                  <a:srgbClr val="3d3d3d"/>
-                </a:solidFill>
-                <a:latin typeface="Gill Sans MT"/>
-              </a:rPr>
-              <a:t>Criar uma bibliografia da equipe pode ser útil </a:t>
-            </a:r>
-            <a:endParaRPr b="0" lang="pt-BR" sz="3600" spc="-1" strike="noStrike">
-              <a:latin typeface="Arial"/>
-            </a:endParaRPr>
-          </a:p>
-          <a:p>
-            <a:pPr lvl="1" marL="630000" indent="-305280">
+              <a:rPr lang="pt-BR" b="0" strike="noStrike" spc="-1" dirty="0">
+                <a:solidFill>
+                  <a:srgbClr val="3D3D3D"/>
+                </a:solidFill>
+                <a:latin typeface="Gill Sans MT"/>
+              </a:rPr>
+              <a:t> Criar uma bibliografia da equipe pode ser útil </a:t>
+            </a:r>
+            <a:endParaRPr lang="pt-BR" b="0" strike="noStrike" spc="-1" dirty="0">
+              <a:latin typeface="Arial"/>
+            </a:endParaRPr>
+          </a:p>
+          <a:p>
+            <a:pPr marL="630000" lvl="1" indent="-305280">
               <a:lnSpc>
                 <a:spcPct val="170000"/>
               </a:lnSpc>
@@ -5965,27 +6956,27 @@
                 <a:spcPts val="601"/>
               </a:spcAft>
               <a:buClr>
-                <a:srgbClr val="4590b8"/>
+                <a:srgbClr val="4590B8"/>
               </a:buClr>
               <a:buSzPct val="92000"/>
               <a:buFont typeface="Wingdings" charset="2"/>
               <a:buChar char=""/>
             </a:pPr>
             <a:r>
-              <a:rPr b="0" lang="pt-BR" sz="3200" spc="-1" strike="noStrike">
-                <a:solidFill>
-                  <a:srgbClr val="3d3d3d"/>
+              <a:rPr lang="pt-BR" sz="1600" b="0" strike="noStrike" spc="-1" dirty="0">
+                <a:solidFill>
+                  <a:srgbClr val="3D3D3D"/>
                 </a:solidFill>
                 <a:latin typeface="Gill Sans MT"/>
               </a:rPr>
               <a:t>Permita que a equipe encontre as fontes novamente, se informações adicionais forem necessárias</a:t>
             </a:r>
-            <a:endParaRPr b="0" lang="pt-BR" sz="3200" spc="-1" strike="noStrike">
-              <a:latin typeface="Arial"/>
-            </a:endParaRPr>
-          </a:p>
-          <a:p>
-            <a:pPr lvl="1" marL="630000" indent="-305280">
+            <a:endParaRPr lang="pt-BR" sz="1600" b="0" strike="noStrike" spc="-1" dirty="0">
+              <a:latin typeface="Arial"/>
+            </a:endParaRPr>
+          </a:p>
+          <a:p>
+            <a:pPr marL="630000" lvl="1" indent="-305280">
               <a:lnSpc>
                 <a:spcPct val="170000"/>
               </a:lnSpc>
@@ -5996,22 +6987,22 @@
                 <a:spcPts val="601"/>
               </a:spcAft>
               <a:buClr>
-                <a:srgbClr val="4590b8"/>
+                <a:srgbClr val="4590B8"/>
               </a:buClr>
               <a:buSzPct val="92000"/>
               <a:buFont typeface="Wingdings" charset="2"/>
               <a:buChar char=""/>
             </a:pPr>
             <a:r>
-              <a:rPr b="0" lang="pt-BR" sz="3200" spc="-1" strike="noStrike">
-                <a:solidFill>
-                  <a:srgbClr val="3d3d3d"/>
+              <a:rPr lang="pt-BR" sz="1600" b="0" strike="noStrike" spc="-1" dirty="0">
+                <a:solidFill>
+                  <a:srgbClr val="3D3D3D"/>
                 </a:solidFill>
                 <a:latin typeface="Gill Sans MT"/>
               </a:rPr>
               <a:t>Bibliografias podem ser entregues para juízes</a:t>
             </a:r>
-            <a:endParaRPr b="0" lang="pt-BR" sz="3200" spc="-1" strike="noStrike">
+            <a:endParaRPr lang="pt-BR" sz="1600" b="0" strike="noStrike" spc="-1" dirty="0">
               <a:latin typeface="Arial"/>
             </a:endParaRPr>
           </a:p>
@@ -6028,20 +7019,20 @@
               </a:spcAft>
             </a:pPr>
             <a:r>
-              <a:rPr b="0" lang="pt-BR" sz="3600" spc="-1" strike="noStrike">
-                <a:solidFill>
-                  <a:srgbClr val="3d3d3d"/>
+              <a:rPr lang="pt-BR" b="0" strike="noStrike" spc="-1" dirty="0">
+                <a:solidFill>
+                  <a:srgbClr val="3D3D3D"/>
                 </a:solidFill>
                 <a:latin typeface="Gill Sans MT"/>
               </a:rPr>
               <a:t>Dicas:</a:t>
             </a:r>
-            <a:endParaRPr b="0" lang="pt-BR" sz="3600" spc="-1" strike="noStrike">
-              <a:latin typeface="Arial"/>
-            </a:endParaRPr>
-          </a:p>
-          <a:p>
-            <a:pPr lvl="1" marL="543960" indent="-342360">
+            <a:endParaRPr lang="pt-BR" b="0" strike="noStrike" spc="-1" dirty="0">
+              <a:latin typeface="Arial"/>
+            </a:endParaRPr>
+          </a:p>
+          <a:p>
+            <a:pPr marL="543960" lvl="1" indent="-342360">
               <a:lnSpc>
                 <a:spcPct val="170000"/>
               </a:lnSpc>
@@ -6052,36 +7043,36 @@
                 <a:spcPts val="601"/>
               </a:spcAft>
               <a:buClr>
-                <a:srgbClr val="4590b8"/>
+                <a:srgbClr val="4590B8"/>
               </a:buClr>
               <a:buSzPct val="92000"/>
               <a:buFont typeface="Gill Sans MT"/>
               <a:buAutoNum type="alphaLcPeriod"/>
             </a:pPr>
             <a:r>
-              <a:rPr b="1" lang="pt-BR" sz="3200" spc="-1" strike="noStrike">
-                <a:solidFill>
-                  <a:srgbClr val="3d3d3d"/>
+              <a:rPr lang="pt-BR" sz="1600" b="1" strike="noStrike" spc="-1" dirty="0">
+                <a:solidFill>
+                  <a:srgbClr val="3D3D3D"/>
                 </a:solidFill>
                 <a:latin typeface="Gill Sans MT"/>
               </a:rPr>
               <a:t>Google Drive: </a:t>
             </a:r>
             <a:r>
-              <a:rPr b="0" lang="pt-BR" sz="3200" spc="-1" strike="noStrike">
-                <a:solidFill>
-                  <a:srgbClr val="3d3d3d"/>
+              <a:rPr lang="pt-BR" sz="1600" b="0" strike="noStrike" spc="-1" dirty="0">
+                <a:solidFill>
+                  <a:srgbClr val="3D3D3D"/>
                 </a:solidFill>
                 <a:latin typeface="Gill Sans MT"/>
               </a:rPr>
               <a:t>Compartilhe suas fontes com a equipe utilizando o Google Drive</a:t>
             </a:r>
-            <a:endParaRPr b="0" lang="pt-BR" sz="3200" spc="-1" strike="noStrike">
-              <a:latin typeface="Arial"/>
-            </a:endParaRPr>
-          </a:p>
-          <a:p>
-            <a:pPr lvl="1" marL="543960" indent="-342360">
+            <a:endParaRPr lang="pt-BR" sz="1600" b="0" strike="noStrike" spc="-1" dirty="0">
+              <a:latin typeface="Arial"/>
+            </a:endParaRPr>
+          </a:p>
+          <a:p>
+            <a:pPr marL="543960" lvl="1" indent="-342360">
               <a:lnSpc>
                 <a:spcPct val="170000"/>
               </a:lnSpc>
@@ -6092,31 +7083,31 @@
                 <a:spcPts val="601"/>
               </a:spcAft>
               <a:buClr>
-                <a:srgbClr val="4590b8"/>
+                <a:srgbClr val="4590B8"/>
               </a:buClr>
               <a:buSzPct val="92000"/>
               <a:buFont typeface="Gill Sans MT"/>
               <a:buAutoNum type="alphaLcPeriod"/>
             </a:pPr>
             <a:r>
-              <a:rPr b="1" lang="pt-BR" sz="3200" spc="-1" strike="noStrike">
-                <a:solidFill>
-                  <a:srgbClr val="3d3d3d"/>
+              <a:rPr lang="pt-BR" sz="1600" b="1" strike="noStrike" spc="-1" dirty="0">
+                <a:solidFill>
+                  <a:srgbClr val="3D3D3D"/>
                 </a:solidFill>
                 <a:latin typeface="Gill Sans MT"/>
               </a:rPr>
               <a:t>Bibliografia Anotada:  </a:t>
             </a:r>
             <a:r>
-              <a:rPr b="0" lang="pt-BR" sz="3200" spc="-1" strike="noStrike">
-                <a:solidFill>
-                  <a:srgbClr val="3d3d3d"/>
+              <a:rPr lang="pt-BR" sz="1600" b="0" strike="noStrike" spc="-1" dirty="0">
+                <a:solidFill>
+                  <a:srgbClr val="3D3D3D"/>
                 </a:solidFill>
                 <a:latin typeface="Gill Sans MT"/>
               </a:rPr>
               <a:t>Uma bibliografia anotada descreve brevemente o conteúdo de cada fonte</a:t>
             </a:r>
-            <a:endParaRPr b="0" lang="pt-BR" sz="3200" spc="-1" strike="noStrike">
+            <a:endParaRPr lang="pt-BR" sz="1600" b="0" strike="noStrike" spc="-1" dirty="0">
               <a:latin typeface="Arial"/>
             </a:endParaRPr>
           </a:p>
@@ -6142,13 +7133,20 @@
           </a:ln>
         </p:spPr>
         <p:style>
-          <a:lnRef idx="0"/>
-          <a:fillRef idx="0"/>
-          <a:effectRef idx="0"/>
+          <a:lnRef idx="0">
+            <a:scrgbClr r="0" g="0" b="0"/>
+          </a:lnRef>
+          <a:fillRef idx="0">
+            <a:scrgbClr r="0" g="0" b="0"/>
+          </a:fillRef>
+          <a:effectRef idx="0">
+            <a:scrgbClr r="0" g="0" b="0"/>
+          </a:effectRef>
           <a:fontRef idx="minor"/>
         </p:style>
         <p:txBody>
-          <a:bodyPr lIns="90000" rIns="90000" tIns="45000" bIns="45000"/>
+          <a:bodyPr lIns="90000" tIns="45000" rIns="90000" bIns="45000"/>
+          <a:lstStyle/>
           <a:p>
             <a:pPr>
               <a:lnSpc>
@@ -6156,15 +7154,15 @@
               </a:lnSpc>
             </a:pPr>
             <a:fld id="{B3A1C78D-319A-44B6-BDBE-47FC867332D7}" type="slidenum">
-              <a:rPr b="0" lang="pt-BR" sz="1800" spc="-1" strike="noStrike">
-                <a:solidFill>
-                  <a:srgbClr val="537ed0"/>
-                </a:solidFill>
-                <a:latin typeface="Gill Sans MT"/>
-              </a:rPr>
-              <a:t>&lt;número&gt;</a:t>
+              <a:rPr lang="pt-BR" sz="1800" b="0" strike="noStrike" spc="-1">
+                <a:solidFill>
+                  <a:srgbClr val="537ED0"/>
+                </a:solidFill>
+                <a:latin typeface="Gill Sans MT"/>
+              </a:rPr>
+              <a:t>4</a:t>
             </a:fld>
-            <a:endParaRPr b="0" lang="pt-BR" sz="1800" spc="-1" strike="noStrike">
+            <a:endParaRPr lang="pt-BR" sz="1800" b="0" strike="noStrike" spc="-1">
               <a:latin typeface="Arial"/>
             </a:endParaRPr>
           </a:p>
@@ -6190,13 +7188,20 @@
           </a:ln>
         </p:spPr>
         <p:style>
-          <a:lnRef idx="0"/>
-          <a:fillRef idx="0"/>
-          <a:effectRef idx="0"/>
+          <a:lnRef idx="0">
+            <a:scrgbClr r="0" g="0" b="0"/>
+          </a:lnRef>
+          <a:fillRef idx="0">
+            <a:scrgbClr r="0" g="0" b="0"/>
+          </a:fillRef>
+          <a:effectRef idx="0">
+            <a:scrgbClr r="0" g="0" b="0"/>
+          </a:effectRef>
           <a:fontRef idx="minor"/>
         </p:style>
         <p:txBody>
-          <a:bodyPr lIns="90000" rIns="90000" tIns="45000" bIns="45000"/>
+          <a:bodyPr lIns="90000" tIns="45000" rIns="90000" bIns="45000"/>
+          <a:lstStyle/>
           <a:p>
             <a:pPr>
               <a:lnSpc>
@@ -6204,15 +7209,15 @@
               </a:lnSpc>
             </a:pPr>
             <a:r>
-              <a:rPr b="0" lang="pt-BR" sz="1800" spc="-1" strike="noStrike">
-                <a:solidFill>
-                  <a:srgbClr val="537ed0"/>
+              <a:rPr lang="pt-BR" sz="1800" b="0" strike="noStrike" spc="-1">
+                <a:solidFill>
+                  <a:srgbClr val="537ED0"/>
                 </a:solidFill>
                 <a:latin typeface="Gill Sans MT"/>
               </a:rPr>
               <a:t>© 2018, FLL Tutorials (Última edição em 30/08/2018)</a:t>
             </a:r>
-            <a:endParaRPr b="0" lang="pt-BR" sz="1800" spc="-1" strike="noStrike">
+            <a:endParaRPr lang="pt-BR" sz="1800" b="0" strike="noStrike" spc="-1">
               <a:latin typeface="Arial"/>
             </a:endParaRPr>
           </a:p>
@@ -6220,22 +7225,25 @@
       </p:sp>
     </p:spTree>
   </p:cSld>
+  <p:clrMapOvr>
+    <a:masterClrMapping/>
+  </p:clrMapOvr>
   <p:timing>
     <p:tnLst>
       <p:par>
-        <p:cTn id="7" dur="indefinite" restart="never" nodeType="tmRoot">
+        <p:cTn id="1" dur="indefinite" restart="never" nodeType="tmRoot">
           <p:childTnLst>
             <p:seq>
-              <p:cTn id="8" dur="indefinite" nodeType="mainSeq"/>
+              <p:cTn id="2" dur="indefinite" nodeType="mainSeq"/>
               <p:prevCondLst>
-                <p:cond delay="0" evt="onPrev">
+                <p:cond evt="onPrev" delay="0">
                   <p:tgtEl>
                     <p:sldTgt/>
                   </p:tgtEl>
                 </p:cond>
               </p:prevCondLst>
               <p:nextCondLst>
-                <p:cond delay="0" evt="onNext">
+                <p:cond evt="onNext" delay="0">
                   <p:tgtEl>
                     <p:sldTgt/>
                   </p:tgtEl>
@@ -6251,7 +7259,7 @@
 </file>
 
 <file path=ppt/slides/slide5.xml><?xml version="1.0" encoding="utf-8"?>
-<p:sld xmlns:a="http://schemas.openxmlformats.org/drawingml/2006/main" xmlns:p="http://schemas.openxmlformats.org/presentationml/2006/main" xmlns:r="http://schemas.openxmlformats.org/officeDocument/2006/relationships" xmlns:p14="http://schemas.microsoft.com/office/powerpoint/2010/main" xmlns:p15="http://schemas.microsoft.com/office/powerpoint/2012/main" xmlns:mc="http://schemas.openxmlformats.org/markup-compatibility/2006">
+<p:sld xmlns:a="http://schemas.openxmlformats.org/drawingml/2006/main" xmlns:r="http://schemas.openxmlformats.org/officeDocument/2006/relationships" xmlns:p="http://schemas.openxmlformats.org/presentationml/2006/main">
   <p:cSld>
     <p:spTree>
       <p:nvGrpSpPr>
@@ -6287,13 +7295,20 @@
           </a:ln>
         </p:spPr>
         <p:style>
-          <a:lnRef idx="0"/>
-          <a:fillRef idx="0"/>
-          <a:effectRef idx="0"/>
+          <a:lnRef idx="0">
+            <a:scrgbClr r="0" g="0" b="0"/>
+          </a:lnRef>
+          <a:fillRef idx="0">
+            <a:scrgbClr r="0" g="0" b="0"/>
+          </a:fillRef>
+          <a:effectRef idx="0">
+            <a:scrgbClr r="0" g="0" b="0"/>
+          </a:effectRef>
           <a:fontRef idx="minor"/>
         </p:style>
         <p:txBody>
-          <a:bodyPr lIns="90000" rIns="90000" tIns="45000" bIns="45000" anchor="b"/>
+          <a:bodyPr lIns="90000" tIns="45000" rIns="90000" bIns="45000" anchor="b"/>
+          <a:lstStyle/>
           <a:p>
             <a:pPr>
               <a:lnSpc>
@@ -6301,15 +7316,15 @@
               </a:lnSpc>
             </a:pPr>
             <a:r>
-              <a:rPr b="0" lang="pt-BR" sz="2800" spc="-1" strike="noStrike" cap="all">
-                <a:solidFill>
-                  <a:srgbClr val="ffffff"/>
+              <a:rPr lang="pt-BR" sz="2800" b="0" strike="noStrike" cap="all" spc="-1">
+                <a:solidFill>
+                  <a:srgbClr val="FFFFFF"/>
                 </a:solidFill>
                 <a:latin typeface="Gill Sans MT"/>
               </a:rPr>
               <a:t>Fazendo viagens de campo</a:t>
             </a:r>
-            <a:endParaRPr b="0" lang="pt-BR" sz="2800" spc="-1" strike="noStrike">
+            <a:endParaRPr lang="pt-BR" sz="2800" b="0" strike="noStrike" spc="-1">
               <a:latin typeface="Arial"/>
             </a:endParaRPr>
           </a:p>
@@ -6335,15 +7350,22 @@
           </a:ln>
         </p:spPr>
         <p:style>
-          <a:lnRef idx="0"/>
-          <a:fillRef idx="0"/>
-          <a:effectRef idx="0"/>
+          <a:lnRef idx="0">
+            <a:scrgbClr r="0" g="0" b="0"/>
+          </a:lnRef>
+          <a:fillRef idx="0">
+            <a:scrgbClr r="0" g="0" b="0"/>
+          </a:fillRef>
+          <a:effectRef idx="0">
+            <a:scrgbClr r="0" g="0" b="0"/>
+          </a:effectRef>
           <a:fontRef idx="minor"/>
         </p:style>
         <p:txBody>
-          <a:bodyPr lIns="90000" rIns="90000" tIns="45000" bIns="45000">
-            <a:normAutofit/>
+          <a:bodyPr lIns="90000" tIns="45000" rIns="90000" bIns="45000">
+            <a:noAutofit/>
           </a:bodyPr>
+          <a:lstStyle/>
           <a:p>
             <a:pPr marL="306000" indent="-305280">
               <a:lnSpc>
@@ -6356,22 +7378,22 @@
                 <a:spcPts val="601"/>
               </a:spcAft>
               <a:buClr>
-                <a:srgbClr val="4590b8"/>
+                <a:srgbClr val="4590B8"/>
               </a:buClr>
               <a:buSzPct val="92000"/>
               <a:buFont typeface="Wingdings 2" charset="2"/>
               <a:buChar char=""/>
             </a:pPr>
             <a:r>
-              <a:rPr b="0" lang="pt-BR" sz="3600" spc="-1" strike="noStrike">
-                <a:solidFill>
-                  <a:srgbClr val="3d3d3d"/>
+              <a:rPr lang="pt-BR" sz="1600" b="0" strike="noStrike" spc="-1" dirty="0">
+                <a:solidFill>
+                  <a:srgbClr val="3D3D3D"/>
                 </a:solidFill>
                 <a:latin typeface="Gill Sans MT"/>
               </a:rPr>
               <a:t>Algumas viagens de campo para companhias e organizações são possíveis</a:t>
             </a:r>
-            <a:endParaRPr b="0" lang="pt-BR" sz="3600" spc="-1" strike="noStrike">
+            <a:endParaRPr lang="pt-BR" sz="1600" b="0" strike="noStrike" spc="-1" dirty="0">
               <a:latin typeface="Arial"/>
             </a:endParaRPr>
           </a:p>
@@ -6387,27 +7409,27 @@
                 <a:spcPts val="601"/>
               </a:spcAft>
               <a:buClr>
-                <a:srgbClr val="4590b8"/>
+                <a:srgbClr val="4590B8"/>
               </a:buClr>
               <a:buSzPct val="92000"/>
               <a:buFont typeface="Wingdings 2" charset="2"/>
               <a:buChar char=""/>
             </a:pPr>
             <a:r>
-              <a:rPr b="0" lang="pt-BR" sz="3600" spc="-1" strike="noStrike">
-                <a:solidFill>
-                  <a:srgbClr val="3d3d3d"/>
+              <a:rPr lang="pt-BR" sz="1600" b="0" strike="noStrike" spc="-1" dirty="0">
+                <a:solidFill>
+                  <a:srgbClr val="3D3D3D"/>
                 </a:solidFill>
                 <a:latin typeface="Gill Sans MT"/>
               </a:rPr>
               <a:t>Viagens de campo são baseadas no problema que estão estudando ou a solução que vocês estão desenvolvendo</a:t>
             </a:r>
-            <a:endParaRPr b="0" lang="pt-BR" sz="3600" spc="-1" strike="noStrike">
-              <a:latin typeface="Arial"/>
-            </a:endParaRPr>
-          </a:p>
-          <a:p>
-            <a:pPr lvl="1" marL="630000" indent="-305280">
+            <a:endParaRPr lang="pt-BR" sz="1600" b="0" strike="noStrike" spc="-1" dirty="0">
+              <a:latin typeface="Arial"/>
+            </a:endParaRPr>
+          </a:p>
+          <a:p>
+            <a:pPr marL="630000" lvl="1" indent="-305280">
               <a:lnSpc>
                 <a:spcPct val="100000"/>
               </a:lnSpc>
@@ -6418,63 +7440,99 @@
                 <a:spcPts val="601"/>
               </a:spcAft>
               <a:buClr>
-                <a:srgbClr val="4590b8"/>
+                <a:srgbClr val="4590B8"/>
               </a:buClr>
               <a:buSzPct val="92000"/>
               <a:buFont typeface="Wingdings 2" charset="2"/>
               <a:buChar char=""/>
             </a:pPr>
             <a:r>
-              <a:rPr b="0" lang="pt-BR" sz="3200" spc="-1" strike="noStrike">
-                <a:solidFill>
-                  <a:srgbClr val="3d3d3d"/>
-                </a:solidFill>
-                <a:latin typeface="Gill Sans MT"/>
-              </a:rPr>
-              <a:t>Na World Class, decidimos criar um computador baseado em um jogo matemático para ajudar estudantes a praticarem diferentes enquanto aprendem um pouco sobre música. Nós acabamos identificando uma compania de </a:t>
-            </a:r>
-            <a:r>
-              <a:rPr b="0" i="1" lang="pt-BR" sz="3200" spc="-1" strike="noStrike">
-                <a:solidFill>
-                  <a:srgbClr val="3d3d3d"/>
+              <a:rPr lang="pt-BR" sz="1400" b="0" strike="noStrike" spc="-1" dirty="0">
+                <a:solidFill>
+                  <a:srgbClr val="3D3D3D"/>
+                </a:solidFill>
+                <a:latin typeface="Gill Sans MT"/>
+              </a:rPr>
+              <a:t>Na World </a:t>
+            </a:r>
+            <a:r>
+              <a:rPr lang="pt-BR" sz="1400" b="0" strike="noStrike" spc="-1" dirty="0" err="1">
+                <a:solidFill>
+                  <a:srgbClr val="3D3D3D"/>
+                </a:solidFill>
+                <a:latin typeface="Gill Sans MT"/>
+              </a:rPr>
+              <a:t>Class</a:t>
+            </a:r>
+            <a:r>
+              <a:rPr lang="pt-BR" sz="1400" b="0" strike="noStrike" spc="-1" dirty="0">
+                <a:solidFill>
+                  <a:srgbClr val="3D3D3D"/>
+                </a:solidFill>
+                <a:latin typeface="Gill Sans MT"/>
+              </a:rPr>
+              <a:t>, decidimos criar um computador baseado em um jogo matemático para ajudar estudantes a praticarem diferentes enquanto aprendem um pouco sobre música. Nós acabamos identificando uma </a:t>
+            </a:r>
+            <a:r>
+              <a:rPr lang="pt-BR" sz="1400" b="0" strike="noStrike" spc="-1" dirty="0" err="1">
+                <a:solidFill>
+                  <a:srgbClr val="3D3D3D"/>
+                </a:solidFill>
+                <a:latin typeface="Gill Sans MT"/>
+              </a:rPr>
+              <a:t>compania</a:t>
+            </a:r>
+            <a:r>
+              <a:rPr lang="pt-BR" sz="1400" b="0" strike="noStrike" spc="-1" dirty="0">
+                <a:solidFill>
+                  <a:srgbClr val="3D3D3D"/>
+                </a:solidFill>
+                <a:latin typeface="Gill Sans MT"/>
+              </a:rPr>
+              <a:t> de </a:t>
+            </a:r>
+            <a:r>
+              <a:rPr lang="pt-BR" sz="1400" b="0" i="1" strike="noStrike" spc="-1" dirty="0">
+                <a:solidFill>
+                  <a:srgbClr val="3D3D3D"/>
                 </a:solidFill>
                 <a:latin typeface="Gill Sans MT"/>
               </a:rPr>
               <a:t>design </a:t>
             </a:r>
             <a:r>
-              <a:rPr b="0" lang="pt-BR" sz="3200" spc="-1" strike="noStrike">
-                <a:solidFill>
-                  <a:srgbClr val="3d3d3d"/>
+              <a:rPr lang="pt-BR" sz="1400" b="0" strike="noStrike" spc="-1" dirty="0">
+                <a:solidFill>
+                  <a:srgbClr val="3D3D3D"/>
                 </a:solidFill>
                 <a:latin typeface="Gill Sans MT"/>
               </a:rPr>
               <a:t>de </a:t>
             </a:r>
             <a:r>
-              <a:rPr b="0" i="1" lang="pt-BR" sz="3200" spc="-1" strike="noStrike">
-                <a:solidFill>
-                  <a:srgbClr val="3d3d3d"/>
+              <a:rPr lang="pt-BR" sz="1400" b="0" i="1" strike="noStrike" spc="-1" dirty="0">
+                <a:solidFill>
+                  <a:srgbClr val="3D3D3D"/>
                 </a:solidFill>
                 <a:latin typeface="Gill Sans MT"/>
               </a:rPr>
               <a:t>software </a:t>
             </a:r>
             <a:r>
-              <a:rPr b="0" lang="pt-BR" sz="3200" spc="-1" strike="noStrike">
-                <a:solidFill>
-                  <a:srgbClr val="3d3d3d"/>
+              <a:rPr lang="pt-BR" sz="1400" b="0" strike="noStrike" spc="-1" dirty="0">
+                <a:solidFill>
+                  <a:srgbClr val="3D3D3D"/>
                 </a:solidFill>
                 <a:latin typeface="Gill Sans MT"/>
               </a:rPr>
               <a:t>local. Nós conversamos e nos encontramos na empresa para mostrar nosso projeto e como implementá-lo</a:t>
             </a:r>
-            <a:endParaRPr b="0" lang="pt-BR" sz="3200" spc="-1" strike="noStrike">
-              <a:latin typeface="Arial"/>
-            </a:endParaRPr>
-          </a:p>
-          <a:p>
-            <a:pPr lvl="1" marL="630000" indent="-305280">
+            <a:endParaRPr lang="pt-BR" sz="1400" b="0" strike="noStrike" spc="-1" dirty="0">
+              <a:latin typeface="Arial"/>
+            </a:endParaRPr>
+          </a:p>
+          <a:p>
+            <a:pPr marL="630000" lvl="1" indent="-305280">
               <a:lnSpc>
                 <a:spcPct val="100000"/>
               </a:lnSpc>
@@ -6485,27 +7543,81 @@
                 <a:spcPts val="601"/>
               </a:spcAft>
               <a:buClr>
-                <a:srgbClr val="4590b8"/>
+                <a:srgbClr val="4590B8"/>
               </a:buClr>
               <a:buSzPct val="92000"/>
               <a:buFont typeface="Wingdings 2" charset="2"/>
               <a:buChar char=""/>
             </a:pPr>
             <a:r>
-              <a:rPr b="0" lang="pt-BR" sz="3200" spc="-1" strike="noStrike">
-                <a:solidFill>
-                  <a:srgbClr val="3d3d3d"/>
-                </a:solidFill>
-                <a:latin typeface="Gill Sans MT"/>
-              </a:rPr>
-              <a:t>Na Trash Trek, nós ouvimos que o vidro que enviamos para a reciclagem é coletado somente por uma empresa de reciclagem local, e depois despejados em aterros. Consiguimos contato e perguntamos para o gerente se seria possível uma visita na planta da empresa</a:t>
-            </a:r>
-            <a:endParaRPr b="0" lang="pt-BR" sz="3200" spc="-1" strike="noStrike">
-              <a:latin typeface="Arial"/>
-            </a:endParaRPr>
-          </a:p>
-          <a:p>
-            <a:pPr lvl="1" marL="630000" indent="-305280">
+              <a:rPr lang="pt-BR" sz="1400" b="0" strike="noStrike" spc="-1" dirty="0">
+                <a:solidFill>
+                  <a:srgbClr val="3D3D3D"/>
+                </a:solidFill>
+                <a:latin typeface="Gill Sans MT"/>
+              </a:rPr>
+              <a:t>Na </a:t>
+            </a:r>
+            <a:r>
+              <a:rPr lang="pt-BR" sz="1400" b="0" strike="noStrike" spc="-1" dirty="0" err="1">
+                <a:solidFill>
+                  <a:srgbClr val="3D3D3D"/>
+                </a:solidFill>
+                <a:latin typeface="Gill Sans MT"/>
+              </a:rPr>
+              <a:t>Trash</a:t>
+            </a:r>
+            <a:r>
+              <a:rPr lang="pt-BR" sz="1400" b="0" strike="noStrike" spc="-1" dirty="0">
+                <a:solidFill>
+                  <a:srgbClr val="3D3D3D"/>
+                </a:solidFill>
+                <a:latin typeface="Gill Sans MT"/>
+              </a:rPr>
+              <a:t> </a:t>
+            </a:r>
+            <a:r>
+              <a:rPr lang="pt-BR" sz="1400" b="0" strike="noStrike" spc="-1" dirty="0" err="1">
+                <a:solidFill>
+                  <a:srgbClr val="3D3D3D"/>
+                </a:solidFill>
+                <a:latin typeface="Gill Sans MT"/>
+              </a:rPr>
+              <a:t>Trek</a:t>
+            </a:r>
+            <a:r>
+              <a:rPr lang="pt-BR" sz="1400" b="0" strike="noStrike" spc="-1" dirty="0">
+                <a:solidFill>
+                  <a:srgbClr val="3D3D3D"/>
+                </a:solidFill>
+                <a:latin typeface="Gill Sans MT"/>
+              </a:rPr>
+              <a:t>, nós ouvimos que o vidro que enviamos para a reciclagem é coletado somente por uma empresa de reciclagem local, e depois despejados em aterros. </a:t>
+            </a:r>
+            <a:r>
+              <a:rPr lang="pt-BR" sz="1400" b="0" strike="noStrike" spc="-1" dirty="0" err="1">
+                <a:solidFill>
+                  <a:srgbClr val="3D3D3D"/>
+                </a:solidFill>
+                <a:latin typeface="Gill Sans MT"/>
+              </a:rPr>
+              <a:t>Consiguimos</a:t>
+            </a:r>
+            <a:r>
+              <a:rPr lang="pt-BR" sz="1400" b="0" strike="noStrike" spc="-1" dirty="0">
+                <a:solidFill>
+                  <a:srgbClr val="3D3D3D"/>
+                </a:solidFill>
+                <a:latin typeface="Gill Sans MT"/>
+              </a:rPr>
+              <a:t> contato e perguntamos para o gerente se seria possível uma visita na planta da empresa</a:t>
+            </a:r>
+            <a:endParaRPr lang="pt-BR" sz="1400" b="0" strike="noStrike" spc="-1" dirty="0">
+              <a:latin typeface="Arial"/>
+            </a:endParaRPr>
+          </a:p>
+          <a:p>
+            <a:pPr marL="630000" lvl="1" indent="-305280">
               <a:lnSpc>
                 <a:spcPct val="100000"/>
               </a:lnSpc>
@@ -6516,22 +7628,112 @@
                 <a:spcPts val="601"/>
               </a:spcAft>
               <a:buClr>
-                <a:srgbClr val="4590b8"/>
+                <a:srgbClr val="4590B8"/>
               </a:buClr>
               <a:buSzPct val="92000"/>
               <a:buFont typeface="Wingdings 2" charset="2"/>
               <a:buChar char=""/>
             </a:pPr>
             <a:r>
-              <a:rPr b="0" lang="pt-BR" sz="3200" spc="-1" strike="noStrike">
-                <a:solidFill>
-                  <a:srgbClr val="3d3d3d"/>
-                </a:solidFill>
-                <a:latin typeface="Gill Sans MT"/>
-              </a:rPr>
-              <a:t>Na Animal Allies, mandamos um e-mail para o Water Quality Specialist em New Orleans Aquarium para sabermos mais sobre o seu sistema de filtro de água para seus tanques, que possuem animais</a:t>
-            </a:r>
-            <a:endParaRPr b="0" lang="pt-BR" sz="3200" spc="-1" strike="noStrike">
+              <a:rPr lang="pt-BR" sz="1400" b="0" strike="noStrike" spc="-1" dirty="0">
+                <a:solidFill>
+                  <a:srgbClr val="3D3D3D"/>
+                </a:solidFill>
+                <a:latin typeface="Gill Sans MT"/>
+              </a:rPr>
+              <a:t>Na Animal </a:t>
+            </a:r>
+            <a:r>
+              <a:rPr lang="pt-BR" sz="1400" b="0" strike="noStrike" spc="-1" dirty="0" err="1">
+                <a:solidFill>
+                  <a:srgbClr val="3D3D3D"/>
+                </a:solidFill>
+                <a:latin typeface="Gill Sans MT"/>
+              </a:rPr>
+              <a:t>Allies</a:t>
+            </a:r>
+            <a:r>
+              <a:rPr lang="pt-BR" sz="1400" b="0" strike="noStrike" spc="-1" dirty="0">
+                <a:solidFill>
+                  <a:srgbClr val="3D3D3D"/>
+                </a:solidFill>
+                <a:latin typeface="Gill Sans MT"/>
+              </a:rPr>
+              <a:t>, mandamos um e-mail para o </a:t>
+            </a:r>
+            <a:r>
+              <a:rPr lang="pt-BR" sz="1400" b="0" strike="noStrike" spc="-1" dirty="0" err="1">
+                <a:solidFill>
+                  <a:srgbClr val="3D3D3D"/>
+                </a:solidFill>
+                <a:latin typeface="Gill Sans MT"/>
+              </a:rPr>
+              <a:t>Water</a:t>
+            </a:r>
+            <a:r>
+              <a:rPr lang="pt-BR" sz="1400" b="0" strike="noStrike" spc="-1" dirty="0">
+                <a:solidFill>
+                  <a:srgbClr val="3D3D3D"/>
+                </a:solidFill>
+                <a:latin typeface="Gill Sans MT"/>
+              </a:rPr>
+              <a:t> </a:t>
+            </a:r>
+            <a:r>
+              <a:rPr lang="pt-BR" sz="1400" b="0" strike="noStrike" spc="-1" dirty="0" err="1">
+                <a:solidFill>
+                  <a:srgbClr val="3D3D3D"/>
+                </a:solidFill>
+                <a:latin typeface="Gill Sans MT"/>
+              </a:rPr>
+              <a:t>Quality</a:t>
+            </a:r>
+            <a:r>
+              <a:rPr lang="pt-BR" sz="1400" b="0" strike="noStrike" spc="-1" dirty="0">
+                <a:solidFill>
+                  <a:srgbClr val="3D3D3D"/>
+                </a:solidFill>
+                <a:latin typeface="Gill Sans MT"/>
+              </a:rPr>
+              <a:t> </a:t>
+            </a:r>
+            <a:r>
+              <a:rPr lang="pt-BR" sz="1400" b="0" strike="noStrike" spc="-1" dirty="0" err="1">
+                <a:solidFill>
+                  <a:srgbClr val="3D3D3D"/>
+                </a:solidFill>
+                <a:latin typeface="Gill Sans MT"/>
+              </a:rPr>
+              <a:t>Specialist</a:t>
+            </a:r>
+            <a:r>
+              <a:rPr lang="pt-BR" sz="1400" b="0" strike="noStrike" spc="-1" dirty="0">
+                <a:solidFill>
+                  <a:srgbClr val="3D3D3D"/>
+                </a:solidFill>
+                <a:latin typeface="Gill Sans MT"/>
+              </a:rPr>
+              <a:t> em New Orleans </a:t>
+            </a:r>
+            <a:r>
+              <a:rPr lang="pt-BR" sz="1400" b="0" strike="noStrike" spc="-1" dirty="0" err="1">
+                <a:solidFill>
+                  <a:srgbClr val="3D3D3D"/>
+                </a:solidFill>
+                <a:latin typeface="Gill Sans MT"/>
+              </a:rPr>
+              <a:t>Aquarium</a:t>
+            </a:r>
+            <a:r>
+              <a:rPr lang="pt-BR" sz="1400" b="0" strike="noStrike" spc="-1" dirty="0">
+                <a:solidFill>
+                  <a:srgbClr val="3D3D3D"/>
+                </a:solidFill>
+                <a:latin typeface="Gill Sans MT"/>
+              </a:rPr>
+              <a:t> para sabermos mais sobre o seu sistema de filtro de água para seus tanques, que possuem animais</a:t>
+            </a:r>
+            <a:endParaRPr lang="pt-BR" sz="1400" b="0" strike="noStrike" spc="-1" dirty="0">
               <a:latin typeface="Arial"/>
             </a:endParaRPr>
           </a:p>
@@ -6557,13 +7759,20 @@
           </a:ln>
         </p:spPr>
         <p:style>
-          <a:lnRef idx="0"/>
-          <a:fillRef idx="0"/>
-          <a:effectRef idx="0"/>
+          <a:lnRef idx="0">
+            <a:scrgbClr r="0" g="0" b="0"/>
+          </a:lnRef>
+          <a:fillRef idx="0">
+            <a:scrgbClr r="0" g="0" b="0"/>
+          </a:fillRef>
+          <a:effectRef idx="0">
+            <a:scrgbClr r="0" g="0" b="0"/>
+          </a:effectRef>
           <a:fontRef idx="minor"/>
         </p:style>
         <p:txBody>
-          <a:bodyPr lIns="90000" rIns="90000" tIns="45000" bIns="45000"/>
+          <a:bodyPr lIns="90000" tIns="45000" rIns="90000" bIns="45000"/>
+          <a:lstStyle/>
           <a:p>
             <a:pPr>
               <a:lnSpc>
@@ -6571,15 +7780,15 @@
               </a:lnSpc>
             </a:pPr>
             <a:fld id="{74FE6398-105E-4BF8-AF94-EA7E911438AB}" type="slidenum">
-              <a:rPr b="0" lang="pt-BR" sz="1800" spc="-1" strike="noStrike">
-                <a:solidFill>
-                  <a:srgbClr val="537ed0"/>
-                </a:solidFill>
-                <a:latin typeface="Gill Sans MT"/>
-              </a:rPr>
-              <a:t>&lt;número&gt;</a:t>
+              <a:rPr lang="pt-BR" sz="1800" b="0" strike="noStrike" spc="-1">
+                <a:solidFill>
+                  <a:srgbClr val="537ED0"/>
+                </a:solidFill>
+                <a:latin typeface="Gill Sans MT"/>
+              </a:rPr>
+              <a:t>5</a:t>
             </a:fld>
-            <a:endParaRPr b="0" lang="pt-BR" sz="1800" spc="-1" strike="noStrike">
+            <a:endParaRPr lang="pt-BR" sz="1800" b="0" strike="noStrike" spc="-1">
               <a:latin typeface="Arial"/>
             </a:endParaRPr>
           </a:p>
@@ -6587,30 +7796,7 @@
       </p:sp>
       <p:pic>
         <p:nvPicPr>
-          <p:cNvPr id="117" name="Picture 5" descr=""/>
-          <p:cNvPicPr/>
-          <p:nvPr/>
-        </p:nvPicPr>
-        <p:blipFill>
-          <a:blip r:embed="rId1"/>
-          <a:stretch/>
-        </p:blipFill>
-        <p:spPr>
-          <a:xfrm>
-            <a:off x="6469560" y="3857400"/>
-            <a:ext cx="2453040" cy="1416960"/>
-          </a:xfrm>
-          <a:prstGeom prst="rect">
-            <a:avLst/>
-          </a:prstGeom>
-          <a:ln>
-            <a:noFill/>
-          </a:ln>
-        </p:spPr>
-      </p:pic>
-      <p:pic>
-        <p:nvPicPr>
-          <p:cNvPr id="118" name="Picture 9" descr=""/>
+          <p:cNvPr id="117" name="Picture 5"/>
           <p:cNvPicPr/>
           <p:nvPr/>
         </p:nvPicPr>
@@ -6620,8 +7806,8 @@
         </p:blipFill>
         <p:spPr>
           <a:xfrm>
-            <a:off x="6469560" y="1974960"/>
-            <a:ext cx="2453040" cy="1395360"/>
+            <a:off x="6469560" y="3857400"/>
+            <a:ext cx="2453040" cy="1416960"/>
           </a:xfrm>
           <a:prstGeom prst="rect">
             <a:avLst/>
@@ -6631,6 +7817,29 @@
           </a:ln>
         </p:spPr>
       </p:pic>
+      <p:pic>
+        <p:nvPicPr>
+          <p:cNvPr id="118" name="Picture 9"/>
+          <p:cNvPicPr/>
+          <p:nvPr/>
+        </p:nvPicPr>
+        <p:blipFill>
+          <a:blip r:embed="rId3"/>
+          <a:stretch/>
+        </p:blipFill>
+        <p:spPr>
+          <a:xfrm>
+            <a:off x="6469560" y="1974960"/>
+            <a:ext cx="2453040" cy="1395360"/>
+          </a:xfrm>
+          <a:prstGeom prst="rect">
+            <a:avLst/>
+          </a:prstGeom>
+          <a:ln>
+            <a:noFill/>
+          </a:ln>
+        </p:spPr>
+      </p:pic>
       <p:sp>
         <p:nvSpPr>
           <p:cNvPr id="119" name="TextShape 4"/>
@@ -6639,7 +7848,7 @@
         </p:nvSpPr>
         <p:spPr>
           <a:xfrm>
-            <a:off x="4101120" y="3281400"/>
+            <a:off x="6652800" y="5538600"/>
             <a:ext cx="1043280" cy="346680"/>
           </a:xfrm>
           <a:prstGeom prst="rect">
@@ -6651,17 +7860,15 @@
           </a:ln>
         </p:spPr>
         <p:txBody>
-          <a:bodyPr lIns="90000" rIns="90000" tIns="45000" bIns="45000"/>
-          <a:p>
-            <a:r>
-              <a:rPr b="0" lang="pt-BR" sz="1800" spc="-1" strike="noStrike">
+          <a:bodyPr lIns="90000" tIns="45000" rIns="90000" bIns="45000"/>
+          <a:lstStyle/>
+          <a:p>
+            <a:r>
+              <a:rPr lang="pt-BR" sz="1800" b="0" strike="noStrike" spc="-1" dirty="0">
                 <a:latin typeface="Arial"/>
               </a:rPr>
               <a:t>Teste 10</a:t>
             </a:r>
-            <a:endParaRPr b="0" lang="pt-BR" sz="1800" spc="-1" strike="noStrike">
-              <a:latin typeface="Arial"/>
-            </a:endParaRPr>
           </a:p>
         </p:txBody>
       </p:sp>
@@ -6685,13 +7892,20 @@
           </a:ln>
         </p:spPr>
         <p:style>
-          <a:lnRef idx="0"/>
-          <a:fillRef idx="0"/>
-          <a:effectRef idx="0"/>
+          <a:lnRef idx="0">
+            <a:scrgbClr r="0" g="0" b="0"/>
+          </a:lnRef>
+          <a:fillRef idx="0">
+            <a:scrgbClr r="0" g="0" b="0"/>
+          </a:fillRef>
+          <a:effectRef idx="0">
+            <a:scrgbClr r="0" g="0" b="0"/>
+          </a:effectRef>
           <a:fontRef idx="minor"/>
         </p:style>
         <p:txBody>
-          <a:bodyPr lIns="90000" rIns="90000" tIns="45000" bIns="45000"/>
+          <a:bodyPr lIns="90000" tIns="45000" rIns="90000" bIns="45000"/>
+          <a:lstStyle/>
           <a:p>
             <a:pPr>
               <a:lnSpc>
@@ -6699,15 +7913,15 @@
               </a:lnSpc>
             </a:pPr>
             <a:r>
-              <a:rPr b="0" lang="pt-BR" sz="1800" spc="-1" strike="noStrike">
-                <a:solidFill>
-                  <a:srgbClr val="537ed0"/>
+              <a:rPr lang="pt-BR" sz="1800" b="0" strike="noStrike" spc="-1">
+                <a:solidFill>
+                  <a:srgbClr val="537ED0"/>
                 </a:solidFill>
                 <a:latin typeface="Gill Sans MT"/>
               </a:rPr>
               <a:t>© 2018, FLL Tutorials (Última edição em 30/08/2018)</a:t>
             </a:r>
-            <a:endParaRPr b="0" lang="pt-BR" sz="1800" spc="-1" strike="noStrike">
+            <a:endParaRPr lang="pt-BR" sz="1800" b="0" strike="noStrike" spc="-1">
               <a:latin typeface="Arial"/>
             </a:endParaRPr>
           </a:p>
@@ -6715,22 +7929,25 @@
       </p:sp>
     </p:spTree>
   </p:cSld>
+  <p:clrMapOvr>
+    <a:masterClrMapping/>
+  </p:clrMapOvr>
   <p:timing>
     <p:tnLst>
       <p:par>
-        <p:cTn id="9" dur="indefinite" restart="never" nodeType="tmRoot">
+        <p:cTn id="1" dur="indefinite" restart="never" nodeType="tmRoot">
           <p:childTnLst>
             <p:seq>
-              <p:cTn id="10" dur="indefinite" nodeType="mainSeq"/>
+              <p:cTn id="2" dur="indefinite" nodeType="mainSeq"/>
               <p:prevCondLst>
-                <p:cond delay="0" evt="onPrev">
+                <p:cond evt="onPrev" delay="0">
                   <p:tgtEl>
                     <p:sldTgt/>
                   </p:tgtEl>
                 </p:cond>
               </p:prevCondLst>
               <p:nextCondLst>
-                <p:cond delay="0" evt="onNext">
+                <p:cond evt="onNext" delay="0">
                   <p:tgtEl>
                     <p:sldTgt/>
                   </p:tgtEl>
@@ -6746,7 +7963,7 @@
 </file>
 
 <file path=ppt/slides/slide6.xml><?xml version="1.0" encoding="utf-8"?>
-<p:sld xmlns:a="http://schemas.openxmlformats.org/drawingml/2006/main" xmlns:p="http://schemas.openxmlformats.org/presentationml/2006/main" xmlns:r="http://schemas.openxmlformats.org/officeDocument/2006/relationships" xmlns:p14="http://schemas.microsoft.com/office/powerpoint/2010/main" xmlns:p15="http://schemas.microsoft.com/office/powerpoint/2012/main" xmlns:mc="http://schemas.openxmlformats.org/markup-compatibility/2006">
+<p:sld xmlns:a="http://schemas.openxmlformats.org/drawingml/2006/main" xmlns:r="http://schemas.openxmlformats.org/officeDocument/2006/relationships" xmlns:p="http://schemas.openxmlformats.org/presentationml/2006/main">
   <p:cSld>
     <p:spTree>
       <p:nvGrpSpPr>
@@ -6782,13 +7999,20 @@
           </a:ln>
         </p:spPr>
         <p:style>
-          <a:lnRef idx="0"/>
-          <a:fillRef idx="0"/>
-          <a:effectRef idx="0"/>
+          <a:lnRef idx="0">
+            <a:scrgbClr r="0" g="0" b="0"/>
+          </a:lnRef>
+          <a:fillRef idx="0">
+            <a:scrgbClr r="0" g="0" b="0"/>
+          </a:fillRef>
+          <a:effectRef idx="0">
+            <a:scrgbClr r="0" g="0" b="0"/>
+          </a:effectRef>
           <a:fontRef idx="minor"/>
         </p:style>
         <p:txBody>
-          <a:bodyPr lIns="90000" rIns="90000" tIns="45000" bIns="45000" anchor="b"/>
+          <a:bodyPr lIns="90000" tIns="45000" rIns="90000" bIns="45000" anchor="b"/>
+          <a:lstStyle/>
           <a:p>
             <a:pPr>
               <a:lnSpc>
@@ -6796,15 +8020,15 @@
               </a:lnSpc>
             </a:pPr>
             <a:r>
-              <a:rPr b="0" lang="pt-BR" sz="2800" spc="-1" strike="noStrike" cap="all">
-                <a:solidFill>
-                  <a:srgbClr val="ffffff"/>
+              <a:rPr lang="pt-BR" sz="2800" b="0" strike="noStrike" cap="all" spc="-1">
+                <a:solidFill>
+                  <a:srgbClr val="FFFFFF"/>
                 </a:solidFill>
                 <a:latin typeface="Gill Sans MT"/>
               </a:rPr>
               <a:t>Conversando com especialistas</a:t>
             </a:r>
-            <a:endParaRPr b="0" lang="pt-BR" sz="2800" spc="-1" strike="noStrike">
+            <a:endParaRPr lang="pt-BR" sz="2800" b="0" strike="noStrike" spc="-1">
               <a:latin typeface="Arial"/>
             </a:endParaRPr>
           </a:p>
@@ -6830,17 +8054,24 @@
           </a:ln>
         </p:spPr>
         <p:style>
-          <a:lnRef idx="0"/>
-          <a:fillRef idx="0"/>
-          <a:effectRef idx="0"/>
+          <a:lnRef idx="0">
+            <a:scrgbClr r="0" g="0" b="0"/>
+          </a:lnRef>
+          <a:fillRef idx="0">
+            <a:scrgbClr r="0" g="0" b="0"/>
+          </a:fillRef>
+          <a:effectRef idx="0">
+            <a:scrgbClr r="0" g="0" b="0"/>
+          </a:effectRef>
           <a:fontRef idx="minor"/>
         </p:style>
         <p:txBody>
-          <a:bodyPr lIns="90000" rIns="90000" tIns="45000" bIns="45000">
-            <a:normAutofit/>
+          <a:bodyPr lIns="90000" tIns="45000" rIns="90000" bIns="45000">
+            <a:noAutofit/>
           </a:bodyPr>
-          <a:p>
-            <a:pPr lvl="1" marL="630000" indent="-305280">
+          <a:lstStyle/>
+          <a:p>
+            <a:pPr marL="630000" lvl="1" indent="-305280">
               <a:lnSpc>
                 <a:spcPct val="100000"/>
               </a:lnSpc>
@@ -6851,45 +8082,45 @@
                 <a:spcPts val="601"/>
               </a:spcAft>
               <a:buClr>
-                <a:srgbClr val="4590b8"/>
+                <a:srgbClr val="4590B8"/>
               </a:buClr>
               <a:buSzPct val="92000"/>
               <a:buFont typeface="Wingdings 2" charset="2"/>
               <a:buChar char=""/>
             </a:pPr>
             <a:r>
-              <a:rPr b="0" lang="pt-BR" sz="3200" spc="-1" strike="noStrike">
-                <a:solidFill>
-                  <a:srgbClr val="3d3d3d"/>
+              <a:rPr lang="pt-BR" sz="1600" b="0" strike="noStrike" spc="-1" dirty="0">
+                <a:solidFill>
+                  <a:srgbClr val="3D3D3D"/>
                 </a:solidFill>
                 <a:latin typeface="Gill Sans MT"/>
               </a:rPr>
               <a:t>Faça </a:t>
             </a:r>
             <a:r>
-              <a:rPr b="0" i="1" lang="pt-BR" sz="3200" spc="-1" strike="noStrike">
-                <a:solidFill>
-                  <a:srgbClr val="3d3d3d"/>
+              <a:rPr lang="pt-BR" sz="1600" b="0" i="1" strike="noStrike" spc="-1" dirty="0">
+                <a:solidFill>
+                  <a:srgbClr val="3D3D3D"/>
                 </a:solidFill>
                 <a:latin typeface="Gill Sans MT"/>
               </a:rPr>
               <a:t>brainstorming </a:t>
             </a:r>
             <a:r>
-              <a:rPr b="0" lang="pt-BR" sz="3200" spc="-1" strike="noStrike">
-                <a:solidFill>
-                  <a:srgbClr val="3d3d3d"/>
+              <a:rPr lang="pt-BR" sz="1600" b="0" strike="noStrike" spc="-1" dirty="0">
+                <a:solidFill>
+                  <a:srgbClr val="3D3D3D"/>
                 </a:solidFill>
                 <a:latin typeface="Gill Sans MT"/>
               </a:rPr>
               <a:t>sobre potenciais profissionais que possam saber sobre o assunto </a:t>
             </a:r>
-            <a:endParaRPr b="0" lang="pt-BR" sz="3200" spc="-1" strike="noStrike">
-              <a:latin typeface="Arial"/>
-            </a:endParaRPr>
-          </a:p>
-          <a:p>
-            <a:pPr lvl="1" marL="630000" indent="-305280">
+            <a:endParaRPr lang="pt-BR" sz="1600" b="0" strike="noStrike" spc="-1" dirty="0">
+              <a:latin typeface="Arial"/>
+            </a:endParaRPr>
+          </a:p>
+          <a:p>
+            <a:pPr marL="630000" lvl="1" indent="-305280">
               <a:lnSpc>
                 <a:spcPct val="100000"/>
               </a:lnSpc>
@@ -6900,27 +8131,27 @@
                 <a:spcPts val="601"/>
               </a:spcAft>
               <a:buClr>
-                <a:srgbClr val="4590b8"/>
+                <a:srgbClr val="4590B8"/>
               </a:buClr>
               <a:buSzPct val="92000"/>
               <a:buFont typeface="Wingdings 2" charset="2"/>
               <a:buChar char=""/>
             </a:pPr>
             <a:r>
-              <a:rPr b="0" lang="pt-BR" sz="3200" spc="-1" strike="noStrike">
-                <a:solidFill>
-                  <a:srgbClr val="3d3d3d"/>
+              <a:rPr lang="pt-BR" sz="1600" b="0" strike="noStrike" spc="-1" dirty="0">
+                <a:solidFill>
+                  <a:srgbClr val="3D3D3D"/>
                 </a:solidFill>
                 <a:latin typeface="Gill Sans MT"/>
               </a:rPr>
               <a:t>Faça pesquisas na internet para encontrar profissionais na região</a:t>
             </a:r>
-            <a:endParaRPr b="0" lang="pt-BR" sz="3200" spc="-1" strike="noStrike">
-              <a:latin typeface="Arial"/>
-            </a:endParaRPr>
-          </a:p>
-          <a:p>
-            <a:pPr lvl="1" marL="630000" indent="-305280">
+            <a:endParaRPr lang="pt-BR" sz="1600" b="0" strike="noStrike" spc="-1" dirty="0">
+              <a:latin typeface="Arial"/>
+            </a:endParaRPr>
+          </a:p>
+          <a:p>
+            <a:pPr marL="630000" lvl="1" indent="-305280">
               <a:lnSpc>
                 <a:spcPct val="100000"/>
               </a:lnSpc>
@@ -6931,27 +8162,27 @@
                 <a:spcPts val="601"/>
               </a:spcAft>
               <a:buClr>
-                <a:srgbClr val="4590b8"/>
+                <a:srgbClr val="4590B8"/>
               </a:buClr>
               <a:buSzPct val="92000"/>
               <a:buFont typeface="Wingdings 2" charset="2"/>
               <a:buChar char=""/>
             </a:pPr>
             <a:r>
-              <a:rPr b="0" lang="pt-BR" sz="3200" spc="-1" strike="noStrike">
-                <a:solidFill>
-                  <a:srgbClr val="3d3d3d"/>
+              <a:rPr lang="pt-BR" sz="1600" b="0" strike="noStrike" spc="-1" dirty="0">
+                <a:solidFill>
+                  <a:srgbClr val="3D3D3D"/>
                 </a:solidFill>
                 <a:latin typeface="Gill Sans MT"/>
               </a:rPr>
               <a:t>Desenvolva um e-mail inicial para esses profissionais, explicando quem são, o que é a FLL e que informações estão buscando</a:t>
             </a:r>
-            <a:endParaRPr b="0" lang="pt-BR" sz="3200" spc="-1" strike="noStrike">
-              <a:latin typeface="Arial"/>
-            </a:endParaRPr>
-          </a:p>
-          <a:p>
-            <a:pPr lvl="1" marL="630000" indent="-305280">
+            <a:endParaRPr lang="pt-BR" sz="1600" b="0" strike="noStrike" spc="-1" dirty="0">
+              <a:latin typeface="Arial"/>
+            </a:endParaRPr>
+          </a:p>
+          <a:p>
+            <a:pPr marL="630000" lvl="1" indent="-305280">
               <a:lnSpc>
                 <a:spcPct val="100000"/>
               </a:lnSpc>
@@ -6962,27 +8193,63 @@
                 <a:spcPts val="601"/>
               </a:spcAft>
               <a:buClr>
-                <a:srgbClr val="4590b8"/>
+                <a:srgbClr val="4590B8"/>
               </a:buClr>
               <a:buSzPct val="92000"/>
               <a:buFont typeface="Wingdings 2" charset="2"/>
               <a:buChar char=""/>
             </a:pPr>
             <a:r>
-              <a:rPr b="0" lang="pt-BR" sz="3200" spc="-1" strike="noStrike">
-                <a:solidFill>
-                  <a:srgbClr val="3d3d3d"/>
-                </a:solidFill>
-                <a:latin typeface="Gill Sans MT"/>
-              </a:rPr>
-              <a:t>Especialistas não precisam estarem próximos a você, na Animal Allies, nós fizemos uma vídeoconferência com um professor de química</a:t>
-            </a:r>
-            <a:endParaRPr b="0" lang="pt-BR" sz="3200" spc="-1" strike="noStrike">
-              <a:latin typeface="Arial"/>
-            </a:endParaRPr>
-          </a:p>
-          <a:p>
-            <a:pPr lvl="1" marL="630000" indent="-305280">
+              <a:rPr lang="pt-BR" sz="1600" b="0" strike="noStrike" spc="-1" dirty="0">
+                <a:solidFill>
+                  <a:srgbClr val="3D3D3D"/>
+                </a:solidFill>
+                <a:latin typeface="Gill Sans MT"/>
+              </a:rPr>
+              <a:t>Especialistas não precisam estarem próximos a você, na Animal </a:t>
+            </a:r>
+            <a:r>
+              <a:rPr lang="pt-BR" sz="1600" b="0" strike="noStrike" spc="-1" dirty="0" err="1">
+                <a:solidFill>
+                  <a:srgbClr val="3D3D3D"/>
+                </a:solidFill>
+                <a:latin typeface="Gill Sans MT"/>
+              </a:rPr>
+              <a:t>Allies</a:t>
+            </a:r>
+            <a:r>
+              <a:rPr lang="pt-BR" sz="1600" b="0" strike="noStrike" spc="-1" dirty="0">
+                <a:solidFill>
+                  <a:srgbClr val="3D3D3D"/>
+                </a:solidFill>
+                <a:latin typeface="Gill Sans MT"/>
+              </a:rPr>
+              <a:t>, nós fizemos uma </a:t>
+            </a:r>
+            <a:r>
+              <a:rPr lang="pt-BR" sz="1600" b="0" strike="noStrike" spc="-1" dirty="0" err="1">
+                <a:solidFill>
+                  <a:srgbClr val="3D3D3D"/>
+                </a:solidFill>
+                <a:latin typeface="Gill Sans MT"/>
+              </a:rPr>
+              <a:t>vídeoconferência</a:t>
+            </a:r>
+            <a:r>
+              <a:rPr lang="pt-BR" sz="1600" b="0" strike="noStrike" spc="-1" dirty="0">
+                <a:solidFill>
+                  <a:srgbClr val="3D3D3D"/>
+                </a:solidFill>
+                <a:latin typeface="Gill Sans MT"/>
+              </a:rPr>
+              <a:t> com um professor de química</a:t>
+            </a:r>
+            <a:endParaRPr lang="pt-BR" sz="1600" b="0" strike="noStrike" spc="-1" dirty="0">
+              <a:latin typeface="Arial"/>
+            </a:endParaRPr>
+          </a:p>
+          <a:p>
+            <a:pPr marL="630000" lvl="1" indent="-305280">
               <a:lnSpc>
                 <a:spcPct val="100000"/>
               </a:lnSpc>
@@ -6993,22 +8260,112 @@
                 <a:spcPts val="601"/>
               </a:spcAft>
               <a:buClr>
-                <a:srgbClr val="4590b8"/>
+                <a:srgbClr val="4590B8"/>
               </a:buClr>
               <a:buSzPct val="92000"/>
               <a:buFont typeface="Wingdings 2" charset="2"/>
               <a:buChar char=""/>
             </a:pPr>
             <a:r>
-              <a:rPr b="0" lang="pt-BR" sz="3200" spc="-1" strike="noStrike">
-                <a:solidFill>
-                  <a:srgbClr val="3d3d3d"/>
-                </a:solidFill>
-                <a:latin typeface="Gill Sans MT"/>
-              </a:rPr>
-              <a:t>Você pode encontrar profissionais na comunidade que podem te ajudar, por exemplo, em março nós apresentamos nosso projeto na Louisiana Green School Summit, e lá conhecemos especialistas da New Orleans Sewage &amp; Water Treatment, que se tornaram uma ótima fonte de informação para nós</a:t>
-            </a:r>
-            <a:endParaRPr b="0" lang="pt-BR" sz="3200" spc="-1" strike="noStrike">
+              <a:rPr lang="pt-BR" sz="1600" b="0" strike="noStrike" spc="-1" dirty="0">
+                <a:solidFill>
+                  <a:srgbClr val="3D3D3D"/>
+                </a:solidFill>
+                <a:latin typeface="Gill Sans MT"/>
+              </a:rPr>
+              <a:t>Você pode encontrar profissionais na comunidade que podem te ajudar, por exemplo, em março nós apresentamos nosso projeto na Louisiana Green </a:t>
+            </a:r>
+            <a:r>
+              <a:rPr lang="pt-BR" sz="1600" b="0" strike="noStrike" spc="-1" dirty="0" err="1">
+                <a:solidFill>
+                  <a:srgbClr val="3D3D3D"/>
+                </a:solidFill>
+                <a:latin typeface="Gill Sans MT"/>
+              </a:rPr>
+              <a:t>School</a:t>
+            </a:r>
+            <a:r>
+              <a:rPr lang="pt-BR" sz="1600" b="0" strike="noStrike" spc="-1" dirty="0">
+                <a:solidFill>
+                  <a:srgbClr val="3D3D3D"/>
+                </a:solidFill>
+                <a:latin typeface="Gill Sans MT"/>
+              </a:rPr>
+              <a:t> </a:t>
+            </a:r>
+            <a:r>
+              <a:rPr lang="pt-BR" sz="1600" b="0" strike="noStrike" spc="-1" dirty="0" err="1">
+                <a:solidFill>
+                  <a:srgbClr val="3D3D3D"/>
+                </a:solidFill>
+                <a:latin typeface="Gill Sans MT"/>
+              </a:rPr>
+              <a:t>Summit</a:t>
+            </a:r>
+            <a:r>
+              <a:rPr lang="pt-BR" sz="1600" b="0" strike="noStrike" spc="-1" dirty="0">
+                <a:solidFill>
+                  <a:srgbClr val="3D3D3D"/>
+                </a:solidFill>
+                <a:latin typeface="Gill Sans MT"/>
+              </a:rPr>
+              <a:t>, e lá conhecemos especialistas da New Orleans </a:t>
+            </a:r>
+            <a:r>
+              <a:rPr lang="pt-BR" sz="1600" b="0" strike="noStrike" spc="-1" dirty="0" err="1">
+                <a:solidFill>
+                  <a:srgbClr val="3D3D3D"/>
+                </a:solidFill>
+                <a:latin typeface="Gill Sans MT"/>
+              </a:rPr>
+              <a:t>Sewage</a:t>
+            </a:r>
+            <a:r>
+              <a:rPr lang="pt-BR" sz="1600" b="0" strike="noStrike" spc="-1" dirty="0">
+                <a:solidFill>
+                  <a:srgbClr val="3D3D3D"/>
+                </a:solidFill>
+                <a:latin typeface="Gill Sans MT"/>
+              </a:rPr>
+              <a:t> &amp; </a:t>
+            </a:r>
+            <a:r>
+              <a:rPr lang="pt-BR" sz="1600" b="0" strike="noStrike" spc="-1" dirty="0" err="1">
+                <a:solidFill>
+                  <a:srgbClr val="3D3D3D"/>
+                </a:solidFill>
+                <a:latin typeface="Gill Sans MT"/>
+              </a:rPr>
+              <a:t>Water</a:t>
+            </a:r>
+            <a:r>
+              <a:rPr lang="pt-BR" sz="1600" b="0" strike="noStrike" spc="-1" dirty="0">
+                <a:solidFill>
+                  <a:srgbClr val="3D3D3D"/>
+                </a:solidFill>
+                <a:latin typeface="Gill Sans MT"/>
+              </a:rPr>
+              <a:t> </a:t>
+            </a:r>
+            <a:r>
+              <a:rPr lang="pt-BR" sz="1600" b="0" strike="noStrike" spc="-1" dirty="0" err="1">
+                <a:solidFill>
+                  <a:srgbClr val="3D3D3D"/>
+                </a:solidFill>
+                <a:latin typeface="Gill Sans MT"/>
+              </a:rPr>
+              <a:t>Treatment</a:t>
+            </a:r>
+            <a:r>
+              <a:rPr lang="pt-BR" sz="1600" b="0" strike="noStrike" spc="-1" dirty="0">
+                <a:solidFill>
+                  <a:srgbClr val="3D3D3D"/>
+                </a:solidFill>
+                <a:latin typeface="Gill Sans MT"/>
+              </a:rPr>
+              <a:t>, que se tornaram uma ótima fonte de informação para nós</a:t>
+            </a:r>
+            <a:endParaRPr lang="pt-BR" sz="1600" b="0" strike="noStrike" spc="-1" dirty="0">
               <a:latin typeface="Arial"/>
             </a:endParaRPr>
           </a:p>
@@ -7034,13 +8391,20 @@
           </a:ln>
         </p:spPr>
         <p:style>
-          <a:lnRef idx="0"/>
-          <a:fillRef idx="0"/>
-          <a:effectRef idx="0"/>
+          <a:lnRef idx="0">
+            <a:scrgbClr r="0" g="0" b="0"/>
+          </a:lnRef>
+          <a:fillRef idx="0">
+            <a:scrgbClr r="0" g="0" b="0"/>
+          </a:fillRef>
+          <a:effectRef idx="0">
+            <a:scrgbClr r="0" g="0" b="0"/>
+          </a:effectRef>
           <a:fontRef idx="minor"/>
         </p:style>
         <p:txBody>
-          <a:bodyPr lIns="90000" rIns="90000" tIns="45000" bIns="45000"/>
+          <a:bodyPr lIns="90000" tIns="45000" rIns="90000" bIns="45000"/>
+          <a:lstStyle/>
           <a:p>
             <a:pPr>
               <a:lnSpc>
@@ -7048,15 +8412,15 @@
               </a:lnSpc>
             </a:pPr>
             <a:fld id="{51B230D2-EEC4-44C3-B5C1-11B6009AF866}" type="slidenum">
-              <a:rPr b="0" lang="pt-BR" sz="1800" spc="-1" strike="noStrike">
-                <a:solidFill>
-                  <a:srgbClr val="537ed0"/>
-                </a:solidFill>
-                <a:latin typeface="Gill Sans MT"/>
-              </a:rPr>
-              <a:t>&lt;número&gt;</a:t>
+              <a:rPr lang="pt-BR" sz="1800" b="0" strike="noStrike" spc="-1">
+                <a:solidFill>
+                  <a:srgbClr val="537ED0"/>
+                </a:solidFill>
+                <a:latin typeface="Gill Sans MT"/>
+              </a:rPr>
+              <a:t>6</a:t>
             </a:fld>
-            <a:endParaRPr b="0" lang="pt-BR" sz="1800" spc="-1" strike="noStrike">
+            <a:endParaRPr lang="pt-BR" sz="1800" b="0" strike="noStrike" spc="-1">
               <a:latin typeface="Arial"/>
             </a:endParaRPr>
           </a:p>
@@ -7064,12 +8428,12 @@
       </p:sp>
       <p:pic>
         <p:nvPicPr>
-          <p:cNvPr id="124" name="Picture 6" descr=""/>
+          <p:cNvPr id="124" name="Picture 6"/>
           <p:cNvPicPr/>
           <p:nvPr/>
         </p:nvPicPr>
         <p:blipFill>
-          <a:blip r:embed="rId1"/>
+          <a:blip r:embed="rId2"/>
           <a:stretch/>
         </p:blipFill>
         <p:spPr>
@@ -7105,13 +8469,20 @@
           </a:ln>
         </p:spPr>
         <p:style>
-          <a:lnRef idx="0"/>
-          <a:fillRef idx="0"/>
-          <a:effectRef idx="0"/>
+          <a:lnRef idx="0">
+            <a:scrgbClr r="0" g="0" b="0"/>
+          </a:lnRef>
+          <a:fillRef idx="0">
+            <a:scrgbClr r="0" g="0" b="0"/>
+          </a:fillRef>
+          <a:effectRef idx="0">
+            <a:scrgbClr r="0" g="0" b="0"/>
+          </a:effectRef>
           <a:fontRef idx="minor"/>
         </p:style>
         <p:txBody>
-          <a:bodyPr lIns="90000" rIns="90000" tIns="45000" bIns="45000"/>
+          <a:bodyPr lIns="90000" tIns="45000" rIns="90000" bIns="45000"/>
+          <a:lstStyle/>
           <a:p>
             <a:pPr>
               <a:lnSpc>
@@ -7119,15 +8490,15 @@
               </a:lnSpc>
             </a:pPr>
             <a:r>
-              <a:rPr b="0" lang="pt-BR" sz="1800" spc="-1" strike="noStrike">
-                <a:solidFill>
-                  <a:srgbClr val="537ed0"/>
+              <a:rPr lang="pt-BR" sz="1800" b="0" strike="noStrike" spc="-1">
+                <a:solidFill>
+                  <a:srgbClr val="537ED0"/>
                 </a:solidFill>
                 <a:latin typeface="Gill Sans MT"/>
               </a:rPr>
               <a:t>© 2018, FLL Tutorials (Última edição em 30/08/2018)</a:t>
             </a:r>
-            <a:endParaRPr b="0" lang="pt-BR" sz="1800" spc="-1" strike="noStrike">
+            <a:endParaRPr lang="pt-BR" sz="1800" b="0" strike="noStrike" spc="-1">
               <a:latin typeface="Arial"/>
             </a:endParaRPr>
           </a:p>
@@ -7135,22 +8506,25 @@
       </p:sp>
     </p:spTree>
   </p:cSld>
+  <p:clrMapOvr>
+    <a:masterClrMapping/>
+  </p:clrMapOvr>
   <p:timing>
     <p:tnLst>
       <p:par>
-        <p:cTn id="11" dur="indefinite" restart="never" nodeType="tmRoot">
+        <p:cTn id="1" dur="indefinite" restart="never" nodeType="tmRoot">
           <p:childTnLst>
             <p:seq>
-              <p:cTn id="12" dur="indefinite" nodeType="mainSeq"/>
+              <p:cTn id="2" dur="indefinite" nodeType="mainSeq"/>
               <p:prevCondLst>
-                <p:cond delay="0" evt="onPrev">
+                <p:cond evt="onPrev" delay="0">
                   <p:tgtEl>
                     <p:sldTgt/>
                   </p:tgtEl>
                 </p:cond>
               </p:prevCondLst>
               <p:nextCondLst>
-                <p:cond delay="0" evt="onNext">
+                <p:cond evt="onNext" delay="0">
                   <p:tgtEl>
                     <p:sldTgt/>
                   </p:tgtEl>
@@ -7166,7 +8540,7 @@
 </file>
 
 <file path=ppt/slides/slide7.xml><?xml version="1.0" encoding="utf-8"?>
-<p:sld xmlns:a="http://schemas.openxmlformats.org/drawingml/2006/main" xmlns:p="http://schemas.openxmlformats.org/presentationml/2006/main" xmlns:r="http://schemas.openxmlformats.org/officeDocument/2006/relationships" xmlns:p14="http://schemas.microsoft.com/office/powerpoint/2010/main" xmlns:p15="http://schemas.microsoft.com/office/powerpoint/2012/main" xmlns:mc="http://schemas.openxmlformats.org/markup-compatibility/2006">
+<p:sld xmlns:a="http://schemas.openxmlformats.org/drawingml/2006/main" xmlns:r="http://schemas.openxmlformats.org/officeDocument/2006/relationships" xmlns:p="http://schemas.openxmlformats.org/presentationml/2006/main">
   <p:cSld>
     <p:spTree>
       <p:nvGrpSpPr>
@@ -7202,13 +8576,20 @@
           </a:ln>
         </p:spPr>
         <p:style>
-          <a:lnRef idx="0"/>
-          <a:fillRef idx="0"/>
-          <a:effectRef idx="0"/>
+          <a:lnRef idx="0">
+            <a:scrgbClr r="0" g="0" b="0"/>
+          </a:lnRef>
+          <a:fillRef idx="0">
+            <a:scrgbClr r="0" g="0" b="0"/>
+          </a:fillRef>
+          <a:effectRef idx="0">
+            <a:scrgbClr r="0" g="0" b="0"/>
+          </a:effectRef>
           <a:fontRef idx="minor"/>
         </p:style>
         <p:txBody>
-          <a:bodyPr lIns="90000" rIns="90000" tIns="45000" bIns="45000" anchor="b"/>
+          <a:bodyPr lIns="90000" tIns="45000" rIns="90000" bIns="45000" anchor="b"/>
+          <a:lstStyle/>
           <a:p>
             <a:pPr>
               <a:lnSpc>
@@ -7216,15 +8597,15 @@
               </a:lnSpc>
             </a:pPr>
             <a:r>
-              <a:rPr b="0" lang="pt-BR" sz="2800" spc="-1" strike="noStrike" cap="all">
-                <a:solidFill>
-                  <a:srgbClr val="ffffff"/>
+              <a:rPr lang="pt-BR" sz="2800" b="0" strike="noStrike" cap="all" spc="-1">
+                <a:solidFill>
+                  <a:srgbClr val="FFFFFF"/>
                 </a:solidFill>
                 <a:latin typeface="Gill Sans MT"/>
               </a:rPr>
               <a:t>Fazendo pesquisa online</a:t>
             </a:r>
-            <a:endParaRPr b="0" lang="pt-BR" sz="2800" spc="-1" strike="noStrike">
+            <a:endParaRPr lang="pt-BR" sz="2800" b="0" strike="noStrike" spc="-1">
               <a:latin typeface="Arial"/>
             </a:endParaRPr>
           </a:p>
@@ -7250,15 +8631,22 @@
           </a:ln>
         </p:spPr>
         <p:style>
-          <a:lnRef idx="0"/>
-          <a:fillRef idx="0"/>
-          <a:effectRef idx="0"/>
+          <a:lnRef idx="0">
+            <a:scrgbClr r="0" g="0" b="0"/>
+          </a:lnRef>
+          <a:fillRef idx="0">
+            <a:scrgbClr r="0" g="0" b="0"/>
+          </a:fillRef>
+          <a:effectRef idx="0">
+            <a:scrgbClr r="0" g="0" b="0"/>
+          </a:effectRef>
           <a:fontRef idx="minor"/>
         </p:style>
         <p:txBody>
-          <a:bodyPr lIns="90000" rIns="90000" tIns="45000" bIns="45000">
-            <a:normAutofit/>
+          <a:bodyPr lIns="90000" tIns="45000" rIns="90000" bIns="45000">
+            <a:noAutofit/>
           </a:bodyPr>
+          <a:lstStyle/>
           <a:p>
             <a:pPr marL="306000" indent="-305280">
               <a:lnSpc>
@@ -7271,22 +8659,22 @@
                 <a:spcPts val="601"/>
               </a:spcAft>
               <a:buClr>
-                <a:srgbClr val="4590b8"/>
+                <a:srgbClr val="4590B8"/>
               </a:buClr>
               <a:buSzPct val="92000"/>
               <a:buFont typeface="Wingdings" charset="2"/>
               <a:buChar char=""/>
             </a:pPr>
             <a:r>
-              <a:rPr b="0" lang="pt-BR" sz="3600" spc="-1" strike="noStrike">
-                <a:solidFill>
-                  <a:srgbClr val="3d3d3d"/>
+              <a:rPr lang="pt-BR" sz="1400" b="0" strike="noStrike" spc="-1" dirty="0">
+                <a:solidFill>
+                  <a:srgbClr val="3D3D3D"/>
                 </a:solidFill>
                 <a:latin typeface="Gill Sans MT"/>
               </a:rPr>
               <a:t>Fizemos muitas pesquisas inicias pela internet, para sabermos o que temos para encontrar</a:t>
             </a:r>
-            <a:endParaRPr b="0" lang="pt-BR" sz="3600" spc="-1" strike="noStrike">
+            <a:endParaRPr lang="pt-BR" sz="1400" b="0" strike="noStrike" spc="-1" dirty="0">
               <a:latin typeface="Arial"/>
             </a:endParaRPr>
           </a:p>
@@ -7302,22 +8690,22 @@
                 <a:spcPts val="601"/>
               </a:spcAft>
               <a:buClr>
-                <a:srgbClr val="4590b8"/>
+                <a:srgbClr val="4590B8"/>
               </a:buClr>
               <a:buSzPct val="92000"/>
               <a:buFont typeface="Wingdings" charset="2"/>
               <a:buChar char=""/>
             </a:pPr>
             <a:r>
-              <a:rPr b="0" lang="pt-BR" sz="3600" spc="-1" strike="noStrike">
-                <a:solidFill>
-                  <a:srgbClr val="3d3d3d"/>
+              <a:rPr lang="pt-BR" sz="1400" b="0" strike="noStrike" spc="-1" dirty="0">
+                <a:solidFill>
+                  <a:srgbClr val="3D3D3D"/>
                 </a:solidFill>
                 <a:latin typeface="Gill Sans MT"/>
               </a:rPr>
               <a:t>Faça pesquisas na internet e consiga informações de lugares confiáveis</a:t>
             </a:r>
-            <a:endParaRPr b="0" lang="pt-BR" sz="3600" spc="-1" strike="noStrike">
+            <a:endParaRPr lang="pt-BR" sz="1400" b="0" strike="noStrike" spc="-1" dirty="0">
               <a:latin typeface="Arial"/>
             </a:endParaRPr>
           </a:p>
@@ -7333,27 +8721,27 @@
                 <a:spcPts val="601"/>
               </a:spcAft>
               <a:buClr>
-                <a:srgbClr val="4590b8"/>
+                <a:srgbClr val="4590B8"/>
               </a:buClr>
               <a:buSzPct val="92000"/>
               <a:buFont typeface="Wingdings" charset="2"/>
               <a:buChar char=""/>
             </a:pPr>
             <a:r>
-              <a:rPr b="0" lang="pt-BR" sz="3600" spc="-1" strike="noStrike">
-                <a:solidFill>
-                  <a:srgbClr val="3d3d3d"/>
+              <a:rPr lang="pt-BR" sz="1400" b="0" strike="noStrike" spc="-1" dirty="0">
+                <a:solidFill>
+                  <a:srgbClr val="3D3D3D"/>
                 </a:solidFill>
                 <a:latin typeface="Gill Sans MT"/>
               </a:rPr>
               <a:t>Dicas para fontes confiáveis:</a:t>
             </a:r>
-            <a:endParaRPr b="0" lang="pt-BR" sz="3600" spc="-1" strike="noStrike">
-              <a:latin typeface="Arial"/>
-            </a:endParaRPr>
-          </a:p>
-          <a:p>
-            <a:pPr lvl="1" marL="749880" indent="-456480">
+            <a:endParaRPr lang="pt-BR" sz="1400" b="0" strike="noStrike" spc="-1" dirty="0">
+              <a:latin typeface="Arial"/>
+            </a:endParaRPr>
+          </a:p>
+          <a:p>
+            <a:pPr marL="749880" lvl="1" indent="-456480">
               <a:lnSpc>
                 <a:spcPct val="100000"/>
               </a:lnSpc>
@@ -7364,27 +8752,45 @@
                 <a:spcPts val="601"/>
               </a:spcAft>
               <a:buClr>
-                <a:srgbClr val="4590b8"/>
+                <a:srgbClr val="4590B8"/>
               </a:buClr>
               <a:buSzPct val="92000"/>
               <a:buFont typeface="Wingdings" charset="2"/>
               <a:buChar char=""/>
             </a:pPr>
             <a:r>
-              <a:rPr b="0" lang="pt-BR" sz="3200" spc="-1" strike="noStrike">
-                <a:solidFill>
-                  <a:srgbClr val="3d3d3d"/>
-                </a:solidFill>
-                <a:latin typeface="Gill Sans MT"/>
-              </a:rPr>
-              <a:t>Nossa primeira regra é ver os sites com “.gov” primeiro  </a:t>
-            </a:r>
-            <a:endParaRPr b="0" lang="pt-BR" sz="3200" spc="-1" strike="noStrike">
-              <a:latin typeface="Arial"/>
-            </a:endParaRPr>
-          </a:p>
-          <a:p>
-            <a:pPr lvl="1" marL="749880" indent="-456480">
+              <a:rPr lang="pt-BR" sz="1200" b="0" strike="noStrike" spc="-1" dirty="0">
+                <a:solidFill>
+                  <a:srgbClr val="3D3D3D"/>
+                </a:solidFill>
+                <a:latin typeface="Gill Sans MT"/>
+              </a:rPr>
+              <a:t>Nossa primeira regra é ver os sites com “.</a:t>
+            </a:r>
+            <a:r>
+              <a:rPr lang="pt-BR" sz="1200" b="0" strike="noStrike" spc="-1" dirty="0" err="1">
+                <a:solidFill>
+                  <a:srgbClr val="3D3D3D"/>
+                </a:solidFill>
+                <a:latin typeface="Gill Sans MT"/>
+              </a:rPr>
+              <a:t>gov</a:t>
+            </a:r>
+            <a:r>
+              <a:rPr lang="pt-BR" sz="1200" b="0" strike="noStrike" spc="-1" dirty="0">
+                <a:solidFill>
+                  <a:srgbClr val="3D3D3D"/>
+                </a:solidFill>
+                <a:latin typeface="Gill Sans MT"/>
+              </a:rPr>
+              <a:t>” primeiro  </a:t>
+            </a:r>
+            <a:endParaRPr lang="pt-BR" sz="1200" b="0" strike="noStrike" spc="-1" dirty="0">
+              <a:latin typeface="Arial"/>
+            </a:endParaRPr>
+          </a:p>
+          <a:p>
+            <a:pPr marL="749880" lvl="1" indent="-456480">
               <a:lnSpc>
                 <a:spcPct val="100000"/>
               </a:lnSpc>
@@ -7395,27 +8801,27 @@
                 <a:spcPts val="601"/>
               </a:spcAft>
               <a:buClr>
-                <a:srgbClr val="4590b8"/>
+                <a:srgbClr val="4590B8"/>
               </a:buClr>
               <a:buSzPct val="92000"/>
               <a:buFont typeface="Wingdings" charset="2"/>
               <a:buChar char=""/>
             </a:pPr>
             <a:r>
-              <a:rPr b="0" lang="pt-BR" sz="3200" spc="-1" strike="noStrike">
-                <a:solidFill>
-                  <a:srgbClr val="3d3d3d"/>
+              <a:rPr lang="pt-BR" sz="1200" b="0" strike="noStrike" spc="-1" dirty="0">
+                <a:solidFill>
+                  <a:srgbClr val="3D3D3D"/>
                 </a:solidFill>
                 <a:latin typeface="Gill Sans MT"/>
               </a:rPr>
               <a:t>Quando estiver pesquisando outros sites, é nossa próxima meta ter certeza que qualquer informação obtida tem confirmação em pelo menos outros dois sites</a:t>
             </a:r>
-            <a:endParaRPr b="0" lang="pt-BR" sz="3200" spc="-1" strike="noStrike">
-              <a:latin typeface="Arial"/>
-            </a:endParaRPr>
-          </a:p>
-          <a:p>
-            <a:pPr lvl="1" marL="749880" indent="-456480">
+            <a:endParaRPr lang="pt-BR" sz="1200" b="0" strike="noStrike" spc="-1" dirty="0">
+              <a:latin typeface="Arial"/>
+            </a:endParaRPr>
+          </a:p>
+          <a:p>
+            <a:pPr marL="749880" lvl="1" indent="-456480">
               <a:lnSpc>
                 <a:spcPct val="100000"/>
               </a:lnSpc>
@@ -7426,27 +8832,27 @@
                 <a:spcPts val="601"/>
               </a:spcAft>
               <a:buClr>
-                <a:srgbClr val="4590b8"/>
+                <a:srgbClr val="4590B8"/>
               </a:buClr>
               <a:buSzPct val="92000"/>
               <a:buFont typeface="Wingdings" charset="2"/>
               <a:buChar char=""/>
             </a:pPr>
             <a:r>
-              <a:rPr b="0" lang="pt-BR" sz="3200" spc="-1" strike="noStrike">
-                <a:solidFill>
-                  <a:srgbClr val="3d3d3d"/>
+              <a:rPr lang="pt-BR" sz="1200" b="0" strike="noStrike" spc="-1" dirty="0">
+                <a:solidFill>
+                  <a:srgbClr val="3D3D3D"/>
                 </a:solidFill>
                 <a:latin typeface="Gill Sans MT"/>
               </a:rPr>
               <a:t>Nós frequentemente procuramos por sites de universidades, que podem fornecer conteúdo educacional</a:t>
             </a:r>
-            <a:endParaRPr b="0" lang="pt-BR" sz="3200" spc="-1" strike="noStrike">
-              <a:latin typeface="Arial"/>
-            </a:endParaRPr>
-          </a:p>
-          <a:p>
-            <a:pPr lvl="1" marL="749880" indent="-456480">
+            <a:endParaRPr lang="pt-BR" sz="1200" b="0" strike="noStrike" spc="-1" dirty="0">
+              <a:latin typeface="Arial"/>
+            </a:endParaRPr>
+          </a:p>
+          <a:p>
+            <a:pPr marL="749880" lvl="1" indent="-456480">
               <a:lnSpc>
                 <a:spcPct val="100000"/>
               </a:lnSpc>
@@ -7457,27 +8863,27 @@
                 <a:spcPts val="601"/>
               </a:spcAft>
               <a:buClr>
-                <a:srgbClr val="4590b8"/>
+                <a:srgbClr val="4590B8"/>
               </a:buClr>
               <a:buSzPct val="92000"/>
               <a:buFont typeface="Wingdings" charset="2"/>
               <a:buChar char=""/>
             </a:pPr>
             <a:r>
-              <a:rPr b="0" lang="pt-BR" sz="3200" spc="-1" strike="noStrike">
-                <a:solidFill>
-                  <a:srgbClr val="3d3d3d"/>
+              <a:rPr lang="pt-BR" sz="1200" b="0" strike="noStrike" spc="-1" dirty="0">
+                <a:solidFill>
+                  <a:srgbClr val="3D3D3D"/>
                 </a:solidFill>
                 <a:latin typeface="Gill Sans MT"/>
               </a:rPr>
               <a:t>Nós tentamos evitar a Wikipédia, já que pode conter muita opinião ao invés de fatos</a:t>
             </a:r>
-            <a:endParaRPr b="0" lang="pt-BR" sz="3200" spc="-1" strike="noStrike">
-              <a:latin typeface="Arial"/>
-            </a:endParaRPr>
-          </a:p>
-          <a:p>
-            <a:pPr lvl="1" marL="749880" indent="-456480">
+            <a:endParaRPr lang="pt-BR" sz="1200" b="0" strike="noStrike" spc="-1" dirty="0">
+              <a:latin typeface="Arial"/>
+            </a:endParaRPr>
+          </a:p>
+          <a:p>
+            <a:pPr marL="749880" lvl="1" indent="-456480">
               <a:lnSpc>
                 <a:spcPct val="100000"/>
               </a:lnSpc>
@@ -7488,22 +8894,22 @@
                 <a:spcPts val="601"/>
               </a:spcAft>
               <a:buClr>
-                <a:srgbClr val="4590b8"/>
+                <a:srgbClr val="4590B8"/>
               </a:buClr>
               <a:buSzPct val="92000"/>
               <a:buFont typeface="Wingdings" charset="2"/>
               <a:buChar char=""/>
             </a:pPr>
             <a:r>
-              <a:rPr b="0" lang="pt-BR" sz="3200" spc="-1" strike="noStrike">
-                <a:solidFill>
-                  <a:srgbClr val="3d3d3d"/>
+              <a:rPr lang="pt-BR" sz="1200" b="0" strike="noStrike" spc="-1" dirty="0">
+                <a:solidFill>
+                  <a:srgbClr val="3D3D3D"/>
                 </a:solidFill>
                 <a:latin typeface="Gill Sans MT"/>
               </a:rPr>
               <a:t>Nós também apresentamos frequentemente qualquer informação obtida através da internet para profissionais que temos contato e procuramos confirmação desta informação</a:t>
             </a:r>
-            <a:endParaRPr b="0" lang="pt-BR" sz="3200" spc="-1" strike="noStrike">
+            <a:endParaRPr lang="pt-BR" sz="1200" b="0" strike="noStrike" spc="-1" dirty="0">
               <a:latin typeface="Arial"/>
             </a:endParaRPr>
           </a:p>
@@ -7519,7 +8925,7 @@
                 <a:spcPts val="601"/>
               </a:spcAft>
             </a:pPr>
-            <a:endParaRPr b="0" lang="pt-BR" sz="3200" spc="-1" strike="noStrike">
+            <a:endParaRPr lang="pt-BR" sz="1200" b="0" strike="noStrike" spc="-1" dirty="0">
               <a:latin typeface="Arial"/>
             </a:endParaRPr>
           </a:p>
@@ -7545,13 +8951,20 @@
           </a:ln>
         </p:spPr>
         <p:style>
-          <a:lnRef idx="0"/>
-          <a:fillRef idx="0"/>
-          <a:effectRef idx="0"/>
+          <a:lnRef idx="0">
+            <a:scrgbClr r="0" g="0" b="0"/>
+          </a:lnRef>
+          <a:fillRef idx="0">
+            <a:scrgbClr r="0" g="0" b="0"/>
+          </a:fillRef>
+          <a:effectRef idx="0">
+            <a:scrgbClr r="0" g="0" b="0"/>
+          </a:effectRef>
           <a:fontRef idx="minor"/>
         </p:style>
         <p:txBody>
-          <a:bodyPr lIns="90000" rIns="90000" tIns="45000" bIns="45000"/>
+          <a:bodyPr lIns="90000" tIns="45000" rIns="90000" bIns="45000"/>
+          <a:lstStyle/>
           <a:p>
             <a:pPr>
               <a:lnSpc>
@@ -7559,15 +8972,15 @@
               </a:lnSpc>
             </a:pPr>
             <a:fld id="{5A24B665-06FA-4CD6-916B-F9D0690F6E4D}" type="slidenum">
-              <a:rPr b="0" lang="pt-BR" sz="1800" spc="-1" strike="noStrike">
-                <a:solidFill>
-                  <a:srgbClr val="537ed0"/>
-                </a:solidFill>
-                <a:latin typeface="Gill Sans MT"/>
-              </a:rPr>
-              <a:t>&lt;número&gt;</a:t>
+              <a:rPr lang="pt-BR" sz="1800" b="0" strike="noStrike" spc="-1">
+                <a:solidFill>
+                  <a:srgbClr val="537ED0"/>
+                </a:solidFill>
+                <a:latin typeface="Gill Sans MT"/>
+              </a:rPr>
+              <a:t>7</a:t>
             </a:fld>
-            <a:endParaRPr b="0" lang="pt-BR" sz="1800" spc="-1" strike="noStrike">
+            <a:endParaRPr lang="pt-BR" sz="1800" b="0" strike="noStrike" spc="-1">
               <a:latin typeface="Arial"/>
             </a:endParaRPr>
           </a:p>
@@ -7575,30 +8988,7 @@
       </p:sp>
       <p:pic>
         <p:nvPicPr>
-          <p:cNvPr id="129" name="Picture 5" descr=""/>
-          <p:cNvPicPr/>
-          <p:nvPr/>
-        </p:nvPicPr>
-        <p:blipFill>
-          <a:blip r:embed="rId1"/>
-          <a:stretch/>
-        </p:blipFill>
-        <p:spPr>
-          <a:xfrm>
-            <a:off x="6381720" y="4001760"/>
-            <a:ext cx="2454840" cy="2215080"/>
-          </a:xfrm>
-          <a:prstGeom prst="rect">
-            <a:avLst/>
-          </a:prstGeom>
-          <a:ln>
-            <a:noFill/>
-          </a:ln>
-        </p:spPr>
-      </p:pic>
-      <p:pic>
-        <p:nvPicPr>
-          <p:cNvPr id="130" name="Picture 8" descr=""/>
+          <p:cNvPr id="129" name="Picture 5"/>
           <p:cNvPicPr/>
           <p:nvPr/>
         </p:nvPicPr>
@@ -7608,6 +8998,29 @@
         </p:blipFill>
         <p:spPr>
           <a:xfrm>
+            <a:off x="6381720" y="4001760"/>
+            <a:ext cx="2454840" cy="2215080"/>
+          </a:xfrm>
+          <a:prstGeom prst="rect">
+            <a:avLst/>
+          </a:prstGeom>
+          <a:ln>
+            <a:noFill/>
+          </a:ln>
+        </p:spPr>
+      </p:pic>
+      <p:pic>
+        <p:nvPicPr>
+          <p:cNvPr id="130" name="Picture 8"/>
+          <p:cNvPicPr/>
+          <p:nvPr/>
+        </p:nvPicPr>
+        <p:blipFill>
+          <a:blip r:embed="rId3"/>
+          <a:stretch/>
+        </p:blipFill>
+        <p:spPr>
+          <a:xfrm>
             <a:off x="6381720" y="1802880"/>
             <a:ext cx="2454840" cy="2030400"/>
           </a:xfrm>
@@ -7639,13 +9052,20 @@
           </a:ln>
         </p:spPr>
         <p:style>
-          <a:lnRef idx="0"/>
-          <a:fillRef idx="0"/>
-          <a:effectRef idx="0"/>
+          <a:lnRef idx="0">
+            <a:scrgbClr r="0" g="0" b="0"/>
+          </a:lnRef>
+          <a:fillRef idx="0">
+            <a:scrgbClr r="0" g="0" b="0"/>
+          </a:fillRef>
+          <a:effectRef idx="0">
+            <a:scrgbClr r="0" g="0" b="0"/>
+          </a:effectRef>
           <a:fontRef idx="minor"/>
         </p:style>
         <p:txBody>
-          <a:bodyPr lIns="90000" rIns="90000" tIns="45000" bIns="45000"/>
+          <a:bodyPr lIns="90000" tIns="45000" rIns="90000" bIns="45000"/>
+          <a:lstStyle/>
           <a:p>
             <a:pPr>
               <a:lnSpc>
@@ -7653,15 +9073,15 @@
               </a:lnSpc>
             </a:pPr>
             <a:r>
-              <a:rPr b="0" lang="pt-BR" sz="1800" spc="-1" strike="noStrike">
-                <a:solidFill>
-                  <a:srgbClr val="537ed0"/>
+              <a:rPr lang="pt-BR" sz="1800" b="0" strike="noStrike" spc="-1">
+                <a:solidFill>
+                  <a:srgbClr val="537ED0"/>
                 </a:solidFill>
                 <a:latin typeface="Gill Sans MT"/>
               </a:rPr>
               <a:t>© 2018, FLL Tutorials (Última edição em 30/08/2018)</a:t>
             </a:r>
-            <a:endParaRPr b="0" lang="pt-BR" sz="1800" spc="-1" strike="noStrike">
+            <a:endParaRPr lang="pt-BR" sz="1800" b="0" strike="noStrike" spc="-1">
               <a:latin typeface="Arial"/>
             </a:endParaRPr>
           </a:p>
@@ -7669,22 +9089,25 @@
       </p:sp>
     </p:spTree>
   </p:cSld>
+  <p:clrMapOvr>
+    <a:masterClrMapping/>
+  </p:clrMapOvr>
   <p:timing>
     <p:tnLst>
       <p:par>
-        <p:cTn id="13" dur="indefinite" restart="never" nodeType="tmRoot">
+        <p:cTn id="1" dur="indefinite" restart="never" nodeType="tmRoot">
           <p:childTnLst>
             <p:seq>
-              <p:cTn id="14" dur="indefinite" nodeType="mainSeq"/>
+              <p:cTn id="2" dur="indefinite" nodeType="mainSeq"/>
               <p:prevCondLst>
-                <p:cond delay="0" evt="onPrev">
+                <p:cond evt="onPrev" delay="0">
                   <p:tgtEl>
                     <p:sldTgt/>
                   </p:tgtEl>
                 </p:cond>
               </p:prevCondLst>
               <p:nextCondLst>
-                <p:cond delay="0" evt="onNext">
+                <p:cond evt="onNext" delay="0">
                   <p:tgtEl>
                     <p:sldTgt/>
                   </p:tgtEl>
@@ -7700,7 +9123,7 @@
 </file>
 
 <file path=ppt/slides/slide8.xml><?xml version="1.0" encoding="utf-8"?>
-<p:sld xmlns:a="http://schemas.openxmlformats.org/drawingml/2006/main" xmlns:p="http://schemas.openxmlformats.org/presentationml/2006/main" xmlns:r="http://schemas.openxmlformats.org/officeDocument/2006/relationships" xmlns:p14="http://schemas.microsoft.com/office/powerpoint/2010/main" xmlns:p15="http://schemas.microsoft.com/office/powerpoint/2012/main" xmlns:mc="http://schemas.openxmlformats.org/markup-compatibility/2006">
+<p:sld xmlns:a="http://schemas.openxmlformats.org/drawingml/2006/main" xmlns:r="http://schemas.openxmlformats.org/officeDocument/2006/relationships" xmlns:p="http://schemas.openxmlformats.org/presentationml/2006/main">
   <p:cSld>
     <p:spTree>
       <p:nvGrpSpPr>
@@ -7736,13 +9159,20 @@
           </a:ln>
         </p:spPr>
         <p:style>
-          <a:lnRef idx="0"/>
-          <a:fillRef idx="0"/>
-          <a:effectRef idx="0"/>
+          <a:lnRef idx="0">
+            <a:scrgbClr r="0" g="0" b="0"/>
+          </a:lnRef>
+          <a:fillRef idx="0">
+            <a:scrgbClr r="0" g="0" b="0"/>
+          </a:fillRef>
+          <a:effectRef idx="0">
+            <a:scrgbClr r="0" g="0" b="0"/>
+          </a:effectRef>
           <a:fontRef idx="minor"/>
         </p:style>
         <p:txBody>
-          <a:bodyPr lIns="90000" rIns="90000" tIns="45000" bIns="45000" anchor="b"/>
+          <a:bodyPr lIns="90000" tIns="45000" rIns="90000" bIns="45000" anchor="b"/>
+          <a:lstStyle/>
           <a:p>
             <a:pPr>
               <a:lnSpc>
@@ -7750,15 +9180,15 @@
               </a:lnSpc>
             </a:pPr>
             <a:r>
-              <a:rPr b="0" lang="pt-BR" sz="2800" spc="-1" strike="noStrike" cap="all">
-                <a:solidFill>
-                  <a:srgbClr val="ffffff"/>
+              <a:rPr lang="pt-BR" sz="2800" b="0" strike="noStrike" cap="all" spc="-1">
+                <a:solidFill>
+                  <a:srgbClr val="FFFFFF"/>
                 </a:solidFill>
                 <a:latin typeface="Gill Sans MT"/>
               </a:rPr>
               <a:t>questionários</a:t>
             </a:r>
-            <a:endParaRPr b="0" lang="pt-BR" sz="2800" spc="-1" strike="noStrike">
+            <a:endParaRPr lang="pt-BR" sz="2800" b="0" strike="noStrike" spc="-1">
               <a:latin typeface="Arial"/>
             </a:endParaRPr>
           </a:p>
@@ -7784,15 +9214,22 @@
           </a:ln>
         </p:spPr>
         <p:style>
-          <a:lnRef idx="0"/>
-          <a:fillRef idx="0"/>
-          <a:effectRef idx="0"/>
+          <a:lnRef idx="0">
+            <a:scrgbClr r="0" g="0" b="0"/>
+          </a:lnRef>
+          <a:fillRef idx="0">
+            <a:scrgbClr r="0" g="0" b="0"/>
+          </a:fillRef>
+          <a:effectRef idx="0">
+            <a:scrgbClr r="0" g="0" b="0"/>
+          </a:effectRef>
           <a:fontRef idx="minor"/>
         </p:style>
         <p:txBody>
-          <a:bodyPr lIns="90000" rIns="90000" tIns="45000" bIns="45000">
-            <a:normAutofit/>
+          <a:bodyPr lIns="90000" tIns="45000" rIns="90000" bIns="45000">
+            <a:noAutofit/>
           </a:bodyPr>
+          <a:lstStyle/>
           <a:p>
             <a:pPr marL="306000" indent="-305280">
               <a:lnSpc>
@@ -7805,22 +9242,49 @@
                 <a:spcPts val="601"/>
               </a:spcAft>
               <a:buClr>
-                <a:srgbClr val="4590b8"/>
+                <a:srgbClr val="4590B8"/>
               </a:buClr>
               <a:buSzPct val="92000"/>
               <a:buFont typeface="Wingdings" charset="2"/>
               <a:buChar char=""/>
             </a:pPr>
             <a:r>
-              <a:rPr b="0" lang="pt-BR" sz="6400" spc="-1" strike="noStrike">
-                <a:solidFill>
-                  <a:srgbClr val="3d3d3d"/>
-                </a:solidFill>
-                <a:latin typeface="Gill Sans MT"/>
-              </a:rPr>
-              <a:t>Já fizemos questionários utilizando o Survey Monkey</a:t>
-            </a:r>
-            <a:endParaRPr b="0" lang="pt-BR" sz="6400" spc="-1" strike="noStrike">
+              <a:rPr lang="pt-BR" sz="1400" b="0" strike="noStrike" spc="-1" dirty="0">
+                <a:solidFill>
+                  <a:srgbClr val="3D3D3D"/>
+                </a:solidFill>
+                <a:latin typeface="Gill Sans MT"/>
+              </a:rPr>
+              <a:t>Já fizemos questionários utilizando o </a:t>
+            </a:r>
+            <a:r>
+              <a:rPr lang="pt-BR" sz="1400" b="0" strike="noStrike" spc="-1" dirty="0" err="1">
+                <a:solidFill>
+                  <a:srgbClr val="3D3D3D"/>
+                </a:solidFill>
+                <a:latin typeface="Gill Sans MT"/>
+              </a:rPr>
+              <a:t>Survey</a:t>
+            </a:r>
+            <a:r>
+              <a:rPr lang="pt-BR" sz="1400" b="0" strike="noStrike" spc="-1" dirty="0">
+                <a:solidFill>
+                  <a:srgbClr val="3D3D3D"/>
+                </a:solidFill>
+                <a:latin typeface="Gill Sans MT"/>
+              </a:rPr>
+              <a:t> </a:t>
+            </a:r>
+            <a:r>
+              <a:rPr lang="pt-BR" sz="1400" b="0" strike="noStrike" spc="-1" dirty="0" err="1">
+                <a:solidFill>
+                  <a:srgbClr val="3D3D3D"/>
+                </a:solidFill>
+                <a:latin typeface="Gill Sans MT"/>
+              </a:rPr>
+              <a:t>Monkey</a:t>
+            </a:r>
+            <a:endParaRPr lang="pt-BR" sz="1400" b="0" strike="noStrike" spc="-1" dirty="0">
               <a:latin typeface="Arial"/>
             </a:endParaRPr>
           </a:p>
@@ -7836,22 +9300,40 @@
                 <a:spcPts val="601"/>
               </a:spcAft>
               <a:buClr>
-                <a:srgbClr val="4590b8"/>
+                <a:srgbClr val="4590B8"/>
               </a:buClr>
               <a:buSzPct val="92000"/>
               <a:buFont typeface="Wingdings" charset="2"/>
               <a:buChar char=""/>
             </a:pPr>
             <a:r>
-              <a:rPr b="0" lang="pt-BR" sz="6400" spc="-1" strike="noStrike">
-                <a:solidFill>
-                  <a:srgbClr val="3d3d3d"/>
-                </a:solidFill>
-                <a:latin typeface="Gill Sans MT"/>
-              </a:rPr>
-              <a:t>Fizemos isto na Animal Allies para aprender de professores quais são os cuidados com aquários</a:t>
-            </a:r>
-            <a:endParaRPr b="0" lang="pt-BR" sz="6400" spc="-1" strike="noStrike">
+              <a:rPr lang="pt-BR" sz="1400" b="0" strike="noStrike" spc="-1" dirty="0">
+                <a:solidFill>
+                  <a:srgbClr val="3D3D3D"/>
+                </a:solidFill>
+                <a:latin typeface="Gill Sans MT"/>
+              </a:rPr>
+              <a:t>Fizemos isto na Animal </a:t>
+            </a:r>
+            <a:r>
+              <a:rPr lang="pt-BR" sz="1400" b="0" strike="noStrike" spc="-1" dirty="0" err="1">
+                <a:solidFill>
+                  <a:srgbClr val="3D3D3D"/>
+                </a:solidFill>
+                <a:latin typeface="Gill Sans MT"/>
+              </a:rPr>
+              <a:t>Allies</a:t>
+            </a:r>
+            <a:r>
+              <a:rPr lang="pt-BR" sz="1400" b="0" strike="noStrike" spc="-1" dirty="0">
+                <a:solidFill>
+                  <a:srgbClr val="3D3D3D"/>
+                </a:solidFill>
+                <a:latin typeface="Gill Sans MT"/>
+              </a:rPr>
+              <a:t> para aprender de professores quais são os cuidados com aquários</a:t>
+            </a:r>
+            <a:endParaRPr lang="pt-BR" sz="1400" b="0" strike="noStrike" spc="-1" dirty="0">
               <a:latin typeface="Arial"/>
             </a:endParaRPr>
           </a:p>
@@ -7867,14 +9349,14 @@
                 <a:spcPts val="601"/>
               </a:spcAft>
               <a:buClr>
-                <a:srgbClr val="4590b8"/>
+                <a:srgbClr val="4590B8"/>
               </a:buClr>
               <a:buSzPct val="92000"/>
               <a:buFont typeface="Wingdings" charset="2"/>
               <a:buChar char=""/>
             </a:pPr>
             <a:r>
-              <a:rPr b="0" lang="pt-BR" sz="6400" spc="-1" strike="noStrike">
+              <a:rPr lang="pt-BR" sz="1400" b="0" strike="noStrike" spc="-1" dirty="0">
                 <a:solidFill>
                   <a:srgbClr val="000000"/>
                 </a:solidFill>
@@ -7882,7 +9364,7 @@
               </a:rPr>
               <a:t>Dicas para desenvolver um questionário:</a:t>
             </a:r>
-            <a:endParaRPr b="0" lang="pt-BR" sz="6400" spc="-1" strike="noStrike">
+            <a:endParaRPr lang="pt-BR" sz="1400" b="0" strike="noStrike" spc="-1" dirty="0">
               <a:latin typeface="Arial"/>
             </a:endParaRPr>
           </a:p>
@@ -7899,24 +9381,15 @@
               </a:spcAft>
             </a:pPr>
             <a:r>
-              <a:rPr b="0" lang="pt-BR" sz="6400" spc="-1" strike="noStrike">
-                <a:solidFill>
-                  <a:srgbClr val="3d3d3d"/>
-                </a:solidFill>
-                <a:latin typeface="Gill Sans MT"/>
-              </a:rPr>
-              <a:t>	</a:t>
-            </a:r>
-            <a:r>
-              <a:rPr b="0" lang="pt-BR" sz="6400" spc="-1" strike="noStrike">
-                <a:solidFill>
-                  <a:srgbClr val="3d3d3d"/>
-                </a:solidFill>
-                <a:latin typeface="Gill Sans MT"/>
-              </a:rPr>
-              <a:t>Perguntas de Brainstorming: Perguntas de Brainstorming que irão ajudar a definir seu problema e a desenvolver um plano do projeto</a:t>
-            </a:r>
-            <a:endParaRPr b="0" lang="pt-BR" sz="6400" spc="-1" strike="noStrike">
+              <a:rPr lang="pt-BR" sz="1400" b="0" strike="noStrike" spc="-1" dirty="0">
+                <a:solidFill>
+                  <a:srgbClr val="3D3D3D"/>
+                </a:solidFill>
+                <a:latin typeface="Gill Sans MT"/>
+              </a:rPr>
+              <a:t>	Perguntas de Brainstorming: Perguntas de Brainstorming que irão ajudar a definir seu problema e a desenvolver um plano do projeto</a:t>
+            </a:r>
+            <a:endParaRPr lang="pt-BR" sz="1400" b="0" strike="noStrike" spc="-1" dirty="0">
               <a:latin typeface="Arial"/>
             </a:endParaRPr>
           </a:p>
@@ -7932,22 +9405,22 @@
                 <a:spcPts val="601"/>
               </a:spcAft>
               <a:buClr>
-                <a:srgbClr val="4590b8"/>
+                <a:srgbClr val="4590B8"/>
               </a:buClr>
               <a:buSzPct val="92000"/>
               <a:buFont typeface="Wingdings" charset="2"/>
               <a:buChar char=""/>
             </a:pPr>
             <a:r>
-              <a:rPr b="0" lang="pt-BR" sz="6400" spc="-1" strike="noStrike">
-                <a:solidFill>
-                  <a:srgbClr val="3d3d3d"/>
+              <a:rPr lang="pt-BR" sz="1400" b="0" strike="noStrike" spc="-1" dirty="0">
+                <a:solidFill>
+                  <a:srgbClr val="3D3D3D"/>
                 </a:solidFill>
                 <a:latin typeface="Gill Sans MT"/>
               </a:rPr>
               <a:t>Faça um questionário curto e objetivo: Nosso objetivo era fazer um questionário que fosse possível de se responder em um minuto, para aumentar a participação</a:t>
             </a:r>
-            <a:endParaRPr b="0" lang="pt-BR" sz="6400" spc="-1" strike="noStrike">
+            <a:endParaRPr lang="pt-BR" sz="1400" b="0" strike="noStrike" spc="-1" dirty="0">
               <a:latin typeface="Arial"/>
             </a:endParaRPr>
           </a:p>
@@ -7964,15 +9437,15 @@
               </a:spcAft>
             </a:pPr>
             <a:r>
-              <a:rPr b="0" lang="pt-BR" sz="6400" spc="-1" strike="noStrike">
-                <a:solidFill>
-                  <a:srgbClr val="3d3d3d"/>
+              <a:rPr lang="pt-BR" sz="1400" b="0" strike="noStrike" spc="-1" dirty="0">
+                <a:solidFill>
+                  <a:srgbClr val="3D3D3D"/>
                 </a:solidFill>
                 <a:latin typeface="Gill Sans MT"/>
               </a:rPr>
               <a:t>Compartilhe o questionário: Nós mandamos o questionário para as mídias sociais e sites educacionais. Incluindo uma explicação de quem são e o que querem fazer. Nós também enviamos um e-mail com o link do questionário para a nossa escola e outras universidades</a:t>
             </a:r>
-            <a:endParaRPr b="0" lang="pt-BR" sz="6400" spc="-1" strike="noStrike">
+            <a:endParaRPr lang="pt-BR" sz="1400" b="0" strike="noStrike" spc="-1" dirty="0">
               <a:latin typeface="Arial"/>
             </a:endParaRPr>
           </a:p>
@@ -7988,7 +9461,7 @@
                 <a:spcPts val="601"/>
               </a:spcAft>
             </a:pPr>
-            <a:endParaRPr b="0" lang="pt-BR" sz="6400" spc="-1" strike="noStrike">
+            <a:endParaRPr lang="pt-BR" sz="1400" b="0" strike="noStrike" spc="-1" dirty="0">
               <a:latin typeface="Arial"/>
             </a:endParaRPr>
           </a:p>
@@ -8004,7 +9477,7 @@
                 <a:spcPts val="601"/>
               </a:spcAft>
             </a:pPr>
-            <a:endParaRPr b="0" lang="pt-BR" sz="6400" spc="-1" strike="noStrike">
+            <a:endParaRPr lang="pt-BR" sz="1400" b="0" strike="noStrike" spc="-1" dirty="0">
               <a:latin typeface="Arial"/>
             </a:endParaRPr>
           </a:p>
@@ -8030,13 +9503,20 @@
           </a:ln>
         </p:spPr>
         <p:style>
-          <a:lnRef idx="0"/>
-          <a:fillRef idx="0"/>
-          <a:effectRef idx="0"/>
+          <a:lnRef idx="0">
+            <a:scrgbClr r="0" g="0" b="0"/>
+          </a:lnRef>
+          <a:fillRef idx="0">
+            <a:scrgbClr r="0" g="0" b="0"/>
+          </a:fillRef>
+          <a:effectRef idx="0">
+            <a:scrgbClr r="0" g="0" b="0"/>
+          </a:effectRef>
           <a:fontRef idx="minor"/>
         </p:style>
         <p:txBody>
-          <a:bodyPr lIns="90000" rIns="90000" tIns="45000" bIns="45000"/>
+          <a:bodyPr lIns="90000" tIns="45000" rIns="90000" bIns="45000"/>
+          <a:lstStyle/>
           <a:p>
             <a:pPr>
               <a:lnSpc>
@@ -8044,15 +9524,15 @@
               </a:lnSpc>
             </a:pPr>
             <a:fld id="{B3C999FB-5305-4CE2-BB52-05F34C0B00EE}" type="slidenum">
-              <a:rPr b="0" lang="pt-BR" sz="1800" spc="-1" strike="noStrike">
-                <a:solidFill>
-                  <a:srgbClr val="537ed0"/>
-                </a:solidFill>
-                <a:latin typeface="Gill Sans MT"/>
-              </a:rPr>
-              <a:t>&lt;número&gt;</a:t>
+              <a:rPr lang="pt-BR" sz="1800" b="0" strike="noStrike" spc="-1">
+                <a:solidFill>
+                  <a:srgbClr val="537ED0"/>
+                </a:solidFill>
+                <a:latin typeface="Gill Sans MT"/>
+              </a:rPr>
+              <a:t>8</a:t>
             </a:fld>
-            <a:endParaRPr b="0" lang="pt-BR" sz="1800" spc="-1" strike="noStrike">
+            <a:endParaRPr lang="pt-BR" sz="1800" b="0" strike="noStrike" spc="-1">
               <a:latin typeface="Arial"/>
             </a:endParaRPr>
           </a:p>
@@ -8060,30 +9540,7 @@
       </p:sp>
       <p:pic>
         <p:nvPicPr>
-          <p:cNvPr id="135" name="Picture 7" descr=""/>
-          <p:cNvPicPr/>
-          <p:nvPr/>
-        </p:nvPicPr>
-        <p:blipFill>
-          <a:blip r:embed="rId1"/>
-          <a:stretch/>
-        </p:blipFill>
-        <p:spPr>
-          <a:xfrm>
-            <a:off x="6250320" y="4669920"/>
-            <a:ext cx="2761560" cy="999720"/>
-          </a:xfrm>
-          <a:prstGeom prst="rect">
-            <a:avLst/>
-          </a:prstGeom>
-          <a:ln>
-            <a:noFill/>
-          </a:ln>
-        </p:spPr>
-      </p:pic>
-      <p:pic>
-        <p:nvPicPr>
-          <p:cNvPr id="136" name="Picture 8" descr=""/>
+          <p:cNvPr id="135" name="Picture 7"/>
           <p:cNvPicPr/>
           <p:nvPr/>
         </p:nvPicPr>
@@ -8093,6 +9550,29 @@
         </p:blipFill>
         <p:spPr>
           <a:xfrm>
+            <a:off x="6250320" y="4669920"/>
+            <a:ext cx="2761560" cy="999720"/>
+          </a:xfrm>
+          <a:prstGeom prst="rect">
+            <a:avLst/>
+          </a:prstGeom>
+          <a:ln>
+            <a:noFill/>
+          </a:ln>
+        </p:spPr>
+      </p:pic>
+      <p:pic>
+        <p:nvPicPr>
+          <p:cNvPr id="136" name="Picture 8"/>
+          <p:cNvPicPr/>
+          <p:nvPr/>
+        </p:nvPicPr>
+        <p:blipFill>
+          <a:blip r:embed="rId3"/>
+          <a:stretch/>
+        </p:blipFill>
+        <p:spPr>
+          <a:xfrm>
             <a:off x="6250320" y="2013120"/>
             <a:ext cx="2630160" cy="2380320"/>
           </a:xfrm>
@@ -8124,13 +9604,20 @@
           </a:ln>
         </p:spPr>
         <p:style>
-          <a:lnRef idx="0"/>
-          <a:fillRef idx="0"/>
-          <a:effectRef idx="0"/>
+          <a:lnRef idx="0">
+            <a:scrgbClr r="0" g="0" b="0"/>
+          </a:lnRef>
+          <a:fillRef idx="0">
+            <a:scrgbClr r="0" g="0" b="0"/>
+          </a:fillRef>
+          <a:effectRef idx="0">
+            <a:scrgbClr r="0" g="0" b="0"/>
+          </a:effectRef>
           <a:fontRef idx="minor"/>
         </p:style>
         <p:txBody>
-          <a:bodyPr lIns="90000" rIns="90000" tIns="45000" bIns="45000"/>
+          <a:bodyPr lIns="90000" tIns="45000" rIns="90000" bIns="45000"/>
+          <a:lstStyle/>
           <a:p>
             <a:pPr>
               <a:lnSpc>
@@ -8138,15 +9625,15 @@
               </a:lnSpc>
             </a:pPr>
             <a:r>
-              <a:rPr b="0" lang="pt-BR" sz="1800" spc="-1" strike="noStrike">
-                <a:solidFill>
-                  <a:srgbClr val="537ed0"/>
+              <a:rPr lang="pt-BR" sz="1800" b="0" strike="noStrike" spc="-1">
+                <a:solidFill>
+                  <a:srgbClr val="537ED0"/>
                 </a:solidFill>
                 <a:latin typeface="Gill Sans MT"/>
               </a:rPr>
               <a:t>© 2018, FLL Tutorials (Última edição em 30/08/2018)</a:t>
             </a:r>
-            <a:endParaRPr b="0" lang="pt-BR" sz="1800" spc="-1" strike="noStrike">
+            <a:endParaRPr lang="pt-BR" sz="1800" b="0" strike="noStrike" spc="-1">
               <a:latin typeface="Arial"/>
             </a:endParaRPr>
           </a:p>
@@ -8154,22 +9641,25 @@
       </p:sp>
     </p:spTree>
   </p:cSld>
+  <p:clrMapOvr>
+    <a:masterClrMapping/>
+  </p:clrMapOvr>
   <p:timing>
     <p:tnLst>
       <p:par>
-        <p:cTn id="15" dur="indefinite" restart="never" nodeType="tmRoot">
+        <p:cTn id="1" dur="indefinite" restart="never" nodeType="tmRoot">
           <p:childTnLst>
             <p:seq>
-              <p:cTn id="16" dur="indefinite" nodeType="mainSeq"/>
+              <p:cTn id="2" dur="indefinite" nodeType="mainSeq"/>
               <p:prevCondLst>
-                <p:cond delay="0" evt="onPrev">
+                <p:cond evt="onPrev" delay="0">
                   <p:tgtEl>
                     <p:sldTgt/>
                   </p:tgtEl>
                 </p:cond>
               </p:prevCondLst>
               <p:nextCondLst>
-                <p:cond delay="0" evt="onNext">
+                <p:cond evt="onNext" delay="0">
                   <p:tgtEl>
                     <p:sldTgt/>
                   </p:tgtEl>
@@ -8185,7 +9675,7 @@
 </file>
 
 <file path=ppt/slides/slide9.xml><?xml version="1.0" encoding="utf-8"?>
-<p:sld xmlns:a="http://schemas.openxmlformats.org/drawingml/2006/main" xmlns:p="http://schemas.openxmlformats.org/presentationml/2006/main" xmlns:r="http://schemas.openxmlformats.org/officeDocument/2006/relationships" xmlns:p14="http://schemas.microsoft.com/office/powerpoint/2010/main" xmlns:p15="http://schemas.microsoft.com/office/powerpoint/2012/main" xmlns:mc="http://schemas.openxmlformats.org/markup-compatibility/2006">
+<p:sld xmlns:a="http://schemas.openxmlformats.org/drawingml/2006/main" xmlns:r="http://schemas.openxmlformats.org/officeDocument/2006/relationships" xmlns:p="http://schemas.openxmlformats.org/presentationml/2006/main">
   <p:cSld>
     <p:spTree>
       <p:nvGrpSpPr>
@@ -8221,13 +9711,20 @@
           </a:ln>
         </p:spPr>
         <p:style>
-          <a:lnRef idx="0"/>
-          <a:fillRef idx="0"/>
-          <a:effectRef idx="0"/>
+          <a:lnRef idx="0">
+            <a:scrgbClr r="0" g="0" b="0"/>
+          </a:lnRef>
+          <a:fillRef idx="0">
+            <a:scrgbClr r="0" g="0" b="0"/>
+          </a:fillRef>
+          <a:effectRef idx="0">
+            <a:scrgbClr r="0" g="0" b="0"/>
+          </a:effectRef>
           <a:fontRef idx="minor"/>
         </p:style>
         <p:txBody>
-          <a:bodyPr lIns="90000" rIns="90000" tIns="45000" bIns="45000" anchor="b"/>
+          <a:bodyPr lIns="90000" tIns="45000" rIns="90000" bIns="45000" anchor="b"/>
+          <a:lstStyle/>
           <a:p>
             <a:pPr>
               <a:lnSpc>
@@ -8235,15 +9732,15 @@
               </a:lnSpc>
             </a:pPr>
             <a:r>
-              <a:rPr b="0" lang="pt-BR" sz="2800" spc="-1" strike="noStrike" cap="all">
-                <a:solidFill>
-                  <a:srgbClr val="ffffff"/>
+              <a:rPr lang="pt-BR" sz="2800" b="0" strike="noStrike" cap="all" spc="-1">
+                <a:solidFill>
+                  <a:srgbClr val="FFFFFF"/>
                 </a:solidFill>
                 <a:latin typeface="Gill Sans MT"/>
               </a:rPr>
               <a:t>Próximos passos</a:t>
             </a:r>
-            <a:endParaRPr b="0" lang="pt-BR" sz="2800" spc="-1" strike="noStrike">
+            <a:endParaRPr lang="pt-BR" sz="2800" b="0" strike="noStrike" spc="-1">
               <a:latin typeface="Arial"/>
             </a:endParaRPr>
           </a:p>
@@ -8269,15 +9766,22 @@
           </a:ln>
         </p:spPr>
         <p:style>
-          <a:lnRef idx="0"/>
-          <a:fillRef idx="0"/>
-          <a:effectRef idx="0"/>
+          <a:lnRef idx="0">
+            <a:scrgbClr r="0" g="0" b="0"/>
+          </a:lnRef>
+          <a:fillRef idx="0">
+            <a:scrgbClr r="0" g="0" b="0"/>
+          </a:fillRef>
+          <a:effectRef idx="0">
+            <a:scrgbClr r="0" g="0" b="0"/>
+          </a:effectRef>
           <a:fontRef idx="minor"/>
         </p:style>
         <p:txBody>
-          <a:bodyPr lIns="90000" rIns="90000" tIns="45000" bIns="45000">
+          <a:bodyPr lIns="90000" tIns="45000" rIns="90000" bIns="45000">
             <a:normAutofit/>
           </a:bodyPr>
+          <a:lstStyle/>
           <a:p>
             <a:pPr marL="306000" indent="-305280">
               <a:lnSpc>
@@ -8290,22 +9794,22 @@
                 <a:spcPts val="601"/>
               </a:spcAft>
               <a:buClr>
-                <a:srgbClr val="4590b8"/>
+                <a:srgbClr val="4590B8"/>
               </a:buClr>
               <a:buSzPct val="92000"/>
               <a:buFont typeface="Wingdings 2" charset="2"/>
               <a:buChar char=""/>
             </a:pPr>
             <a:r>
-              <a:rPr b="0" lang="pt-BR" sz="2000" spc="-1" strike="noStrike">
-                <a:solidFill>
-                  <a:srgbClr val="3d3d3d"/>
+              <a:rPr lang="pt-BR" sz="2000" b="0" strike="noStrike" spc="-1">
+                <a:solidFill>
+                  <a:srgbClr val="3D3D3D"/>
                 </a:solidFill>
                 <a:latin typeface="Gill Sans MT"/>
               </a:rPr>
               <a:t>Quando a solução estiver identificada e desenvolvida, você tem que pesquisar para ter certeza que é original e prática</a:t>
             </a:r>
-            <a:endParaRPr b="0" lang="pt-BR" sz="2000" spc="-1" strike="noStrike">
+            <a:endParaRPr lang="pt-BR" sz="2000" b="0" strike="noStrike" spc="-1">
               <a:latin typeface="Arial"/>
             </a:endParaRPr>
           </a:p>
@@ -8321,22 +9825,22 @@
                 <a:spcPts val="601"/>
               </a:spcAft>
               <a:buClr>
-                <a:srgbClr val="4590b8"/>
+                <a:srgbClr val="4590B8"/>
               </a:buClr>
               <a:buSzPct val="92000"/>
               <a:buFont typeface="Wingdings 2" charset="2"/>
               <a:buChar char=""/>
             </a:pPr>
             <a:r>
-              <a:rPr b="0" lang="pt-BR" sz="2000" spc="-1" strike="noStrike">
-                <a:solidFill>
-                  <a:srgbClr val="3d3d3d"/>
+              <a:rPr lang="pt-BR" sz="2000" b="0" strike="noStrike" spc="-1">
+                <a:solidFill>
+                  <a:srgbClr val="3D3D3D"/>
                 </a:solidFill>
                 <a:latin typeface="Gill Sans MT"/>
               </a:rPr>
               <a:t>Veja a próxima lição sobre desenvolver uma solução inovadora, pela Team Phoenix</a:t>
             </a:r>
-            <a:endParaRPr b="0" lang="pt-BR" sz="2000" spc="-1" strike="noStrike">
+            <a:endParaRPr lang="pt-BR" sz="2000" b="0" strike="noStrike" spc="-1">
               <a:latin typeface="Arial"/>
             </a:endParaRPr>
           </a:p>
@@ -8352,7 +9856,7 @@
                 <a:spcPts val="601"/>
               </a:spcAft>
             </a:pPr>
-            <a:endParaRPr b="0" lang="pt-BR" sz="2000" spc="-1" strike="noStrike">
+            <a:endParaRPr lang="pt-BR" sz="2000" b="0" strike="noStrike" spc="-1">
               <a:latin typeface="Arial"/>
             </a:endParaRPr>
           </a:p>
@@ -8378,13 +9882,20 @@
           </a:ln>
         </p:spPr>
         <p:style>
-          <a:lnRef idx="0"/>
-          <a:fillRef idx="0"/>
-          <a:effectRef idx="0"/>
+          <a:lnRef idx="0">
+            <a:scrgbClr r="0" g="0" b="0"/>
+          </a:lnRef>
+          <a:fillRef idx="0">
+            <a:scrgbClr r="0" g="0" b="0"/>
+          </a:fillRef>
+          <a:effectRef idx="0">
+            <a:scrgbClr r="0" g="0" b="0"/>
+          </a:effectRef>
           <a:fontRef idx="minor"/>
         </p:style>
         <p:txBody>
-          <a:bodyPr lIns="90000" rIns="90000" tIns="45000" bIns="45000"/>
+          <a:bodyPr lIns="90000" tIns="45000" rIns="90000" bIns="45000"/>
+          <a:lstStyle/>
           <a:p>
             <a:pPr>
               <a:lnSpc>
@@ -8392,15 +9903,15 @@
               </a:lnSpc>
             </a:pPr>
             <a:r>
-              <a:rPr b="0" lang="pt-BR" sz="1800" spc="-1" strike="noStrike">
-                <a:solidFill>
-                  <a:srgbClr val="537ed0"/>
+              <a:rPr lang="pt-BR" sz="1800" b="0" strike="noStrike" spc="-1">
+                <a:solidFill>
+                  <a:srgbClr val="537ED0"/>
                 </a:solidFill>
                 <a:latin typeface="Gill Sans MT"/>
               </a:rPr>
               <a:t>© 2018, FLL Tutorials (Last Edit 6/11/2018)</a:t>
             </a:r>
-            <a:endParaRPr b="0" lang="pt-BR" sz="1800" spc="-1" strike="noStrike">
+            <a:endParaRPr lang="pt-BR" sz="1800" b="0" strike="noStrike" spc="-1">
               <a:latin typeface="Arial"/>
             </a:endParaRPr>
           </a:p>
@@ -8426,13 +9937,20 @@
           </a:ln>
         </p:spPr>
         <p:style>
-          <a:lnRef idx="0"/>
-          <a:fillRef idx="0"/>
-          <a:effectRef idx="0"/>
+          <a:lnRef idx="0">
+            <a:scrgbClr r="0" g="0" b="0"/>
+          </a:lnRef>
+          <a:fillRef idx="0">
+            <a:scrgbClr r="0" g="0" b="0"/>
+          </a:fillRef>
+          <a:effectRef idx="0">
+            <a:scrgbClr r="0" g="0" b="0"/>
+          </a:effectRef>
           <a:fontRef idx="minor"/>
         </p:style>
         <p:txBody>
-          <a:bodyPr lIns="90000" rIns="90000" tIns="45000" bIns="45000"/>
+          <a:bodyPr lIns="90000" tIns="45000" rIns="90000" bIns="45000"/>
+          <a:lstStyle/>
           <a:p>
             <a:pPr>
               <a:lnSpc>
@@ -8440,15 +9958,15 @@
               </a:lnSpc>
             </a:pPr>
             <a:fld id="{2E2FA61D-368B-4EDE-A951-32835B21D9AC}" type="slidenum">
-              <a:rPr b="0" lang="pt-BR" sz="1800" spc="-1" strike="noStrike">
-                <a:solidFill>
-                  <a:srgbClr val="537ed0"/>
-                </a:solidFill>
-                <a:latin typeface="Gill Sans MT"/>
-              </a:rPr>
-              <a:t>&lt;número&gt;</a:t>
+              <a:rPr lang="pt-BR" sz="1800" b="0" strike="noStrike" spc="-1">
+                <a:solidFill>
+                  <a:srgbClr val="537ED0"/>
+                </a:solidFill>
+                <a:latin typeface="Gill Sans MT"/>
+              </a:rPr>
+              <a:t>9</a:t>
             </a:fld>
-            <a:endParaRPr b="0" lang="pt-BR" sz="1800" spc="-1" strike="noStrike">
+            <a:endParaRPr lang="pt-BR" sz="1800" b="0" strike="noStrike" spc="-1">
               <a:latin typeface="Arial"/>
             </a:endParaRPr>
           </a:p>
@@ -8456,12 +9974,12 @@
       </p:sp>
       <p:pic>
         <p:nvPicPr>
-          <p:cNvPr id="142" name="Picture 6" descr=""/>
+          <p:cNvPr id="142" name="Picture 6"/>
           <p:cNvPicPr/>
           <p:nvPr/>
         </p:nvPicPr>
         <p:blipFill>
-          <a:blip r:embed="rId1"/>
+          <a:blip r:embed="rId2"/>
           <a:stretch/>
         </p:blipFill>
         <p:spPr>
@@ -8479,22 +9997,25 @@
       </p:pic>
     </p:spTree>
   </p:cSld>
+  <p:clrMapOvr>
+    <a:masterClrMapping/>
+  </p:clrMapOvr>
   <p:timing>
     <p:tnLst>
       <p:par>
-        <p:cTn id="17" dur="indefinite" restart="never" nodeType="tmRoot">
+        <p:cTn id="1" dur="indefinite" restart="never" nodeType="tmRoot">
           <p:childTnLst>
             <p:seq>
-              <p:cTn id="18" dur="indefinite" nodeType="mainSeq"/>
+              <p:cTn id="2" dur="indefinite" nodeType="mainSeq"/>
               <p:prevCondLst>
-                <p:cond delay="0" evt="onPrev">
+                <p:cond evt="onPrev" delay="0">
                   <p:tgtEl>
                     <p:sldTgt/>
                   </p:tgtEl>
                 </p:cond>
               </p:prevCondLst>
               <p:nextCondLst>
-                <p:cond delay="0" evt="onNext">
+                <p:cond evt="onNext" delay="0">
                   <p:tgtEl>
                     <p:sldTgt/>
                   </p:tgtEl>
@@ -8520,34 +10041,34 @@
         <a:sysClr val="window" lastClr="FFFFFF"/>
       </a:lt1>
       <a:dk2>
-        <a:srgbClr val="3d3d3d"/>
+        <a:srgbClr val="3D3D3D"/>
       </a:dk2>
       <a:lt2>
-        <a:srgbClr val="ebebeb"/>
+        <a:srgbClr val="EBEBEB"/>
       </a:lt2>
       <a:accent1>
-        <a:srgbClr val="1a3260"/>
+        <a:srgbClr val="1A3260"/>
       </a:accent1>
       <a:accent2>
-        <a:srgbClr val="4590b8"/>
+        <a:srgbClr val="4590B8"/>
       </a:accent2>
       <a:accent3>
-        <a:srgbClr val="45cbe8"/>
+        <a:srgbClr val="45CBE8"/>
       </a:accent3>
       <a:accent4>
-        <a:srgbClr val="969fa7"/>
+        <a:srgbClr val="969FA7"/>
       </a:accent4>
       <a:accent5>
-        <a:srgbClr val="a2c777"/>
+        <a:srgbClr val="A2C777"/>
       </a:accent5>
       <a:accent6>
-        <a:srgbClr val="42955f"/>
+        <a:srgbClr val="42955F"/>
       </a:accent6>
       <a:hlink>
         <a:srgbClr val="828282"/>
       </a:hlink>
       <a:folHlink>
-        <a:srgbClr val="a5a5a5"/>
+        <a:srgbClr val="A5A5A5"/>
       </a:folHlink>
     </a:clrScheme>
     <a:fontScheme name="Office">
@@ -8729,6 +10250,8 @@
       </a:bgFillStyleLst>
     </a:fmtScheme>
   </a:themeElements>
+  <a:objectDefaults/>
+  <a:extraClrSchemeLst/>
 </a:theme>
 </file>
 
@@ -8743,31 +10266,31 @@
         <a:sysClr val="window" lastClr="FFFFFF"/>
       </a:lt1>
       <a:dk2>
-        <a:srgbClr val="1f497d"/>
+        <a:srgbClr val="1F497D"/>
       </a:dk2>
       <a:lt2>
-        <a:srgbClr val="eeece1"/>
+        <a:srgbClr val="EEECE1"/>
       </a:lt2>
       <a:accent1>
-        <a:srgbClr val="4f81bd"/>
+        <a:srgbClr val="4F81BD"/>
       </a:accent1>
       <a:accent2>
-        <a:srgbClr val="c0504d"/>
+        <a:srgbClr val="C0504D"/>
       </a:accent2>
       <a:accent3>
-        <a:srgbClr val="9bbb59"/>
+        <a:srgbClr val="9BBB59"/>
       </a:accent3>
       <a:accent4>
-        <a:srgbClr val="8064a2"/>
+        <a:srgbClr val="8064A2"/>
       </a:accent4>
       <a:accent5>
-        <a:srgbClr val="4bacc6"/>
+        <a:srgbClr val="4BACC6"/>
       </a:accent5>
       <a:accent6>
-        <a:srgbClr val="f79646"/>
+        <a:srgbClr val="F79646"/>
       </a:accent6>
       <a:hlink>
-        <a:srgbClr val="0000ff"/>
+        <a:srgbClr val="0000FF"/>
       </a:hlink>
       <a:folHlink>
         <a:srgbClr val="800080"/>
@@ -8952,6 +10475,8 @@
       </a:bgFillStyleLst>
     </a:fmtScheme>
   </a:themeElements>
+  <a:objectDefaults/>
+  <a:extraClrSchemeLst/>
 </a:theme>
 </file>
 
@@ -8966,31 +10491,31 @@
         <a:sysClr val="window" lastClr="FFFFFF"/>
       </a:lt1>
       <a:dk2>
-        <a:srgbClr val="1f497d"/>
+        <a:srgbClr val="1F497D"/>
       </a:dk2>
       <a:lt2>
-        <a:srgbClr val="eeece1"/>
+        <a:srgbClr val="EEECE1"/>
       </a:lt2>
       <a:accent1>
-        <a:srgbClr val="4f81bd"/>
+        <a:srgbClr val="4F81BD"/>
       </a:accent1>
       <a:accent2>
-        <a:srgbClr val="c0504d"/>
+        <a:srgbClr val="C0504D"/>
       </a:accent2>
       <a:accent3>
-        <a:srgbClr val="9bbb59"/>
+        <a:srgbClr val="9BBB59"/>
       </a:accent3>
       <a:accent4>
-        <a:srgbClr val="8064a2"/>
+        <a:srgbClr val="8064A2"/>
       </a:accent4>
       <a:accent5>
-        <a:srgbClr val="4bacc6"/>
+        <a:srgbClr val="4BACC6"/>
       </a:accent5>
       <a:accent6>
-        <a:srgbClr val="f79646"/>
+        <a:srgbClr val="F79646"/>
       </a:accent6>
       <a:hlink>
-        <a:srgbClr val="0000ff"/>
+        <a:srgbClr val="0000FF"/>
       </a:hlink>
       <a:folHlink>
         <a:srgbClr val="800080"/>
@@ -9175,5 +10700,7 @@
       </a:bgFillStyleLst>
     </a:fmtScheme>
   </a:themeElements>
+  <a:objectDefaults/>
+  <a:extraClrSchemeLst/>
 </a:theme>
 </file>